--- a/doc/Demo_0626_0315.pptx
+++ b/doc/Demo_0626_0315.pptx
@@ -5,24 +5,23 @@
     <p:sldMasterId id="2147483693" r:id="rId1"/>
   </p:sldMasterIdLst>
   <p:notesMasterIdLst>
-    <p:notesMasterId r:id="rId17"/>
+    <p:notesMasterId r:id="rId16"/>
   </p:notesMasterIdLst>
   <p:sldIdLst>
     <p:sldId id="348" r:id="rId2"/>
-    <p:sldId id="349" r:id="rId3"/>
-    <p:sldId id="351" r:id="rId4"/>
-    <p:sldId id="359" r:id="rId5"/>
-    <p:sldId id="352" r:id="rId6"/>
-    <p:sldId id="358" r:id="rId7"/>
-    <p:sldId id="353" r:id="rId8"/>
-    <p:sldId id="354" r:id="rId9"/>
-    <p:sldId id="361" r:id="rId10"/>
-    <p:sldId id="360" r:id="rId11"/>
-    <p:sldId id="355" r:id="rId12"/>
-    <p:sldId id="357" r:id="rId13"/>
-    <p:sldId id="362" r:id="rId14"/>
-    <p:sldId id="363" r:id="rId15"/>
-    <p:sldId id="350" r:id="rId16"/>
+    <p:sldId id="351" r:id="rId3"/>
+    <p:sldId id="359" r:id="rId4"/>
+    <p:sldId id="352" r:id="rId5"/>
+    <p:sldId id="358" r:id="rId6"/>
+    <p:sldId id="353" r:id="rId7"/>
+    <p:sldId id="354" r:id="rId8"/>
+    <p:sldId id="361" r:id="rId9"/>
+    <p:sldId id="360" r:id="rId10"/>
+    <p:sldId id="355" r:id="rId11"/>
+    <p:sldId id="357" r:id="rId12"/>
+    <p:sldId id="362" r:id="rId13"/>
+    <p:sldId id="363" r:id="rId14"/>
+    <p:sldId id="350" r:id="rId15"/>
   </p:sldIdLst>
   <p:sldSz cx="9144000" cy="6858000" type="screen4x3"/>
   <p:notesSz cx="6858000" cy="9144000"/>
@@ -127,7 +126,6 @@
         <p14:section name="기본 구역" id="{8842BCD3-E84E-4C92-B413-F11C840B25B4}">
           <p14:sldIdLst>
             <p14:sldId id="348"/>
-            <p14:sldId id="349"/>
             <p14:sldId id="351"/>
             <p14:sldId id="359"/>
             <p14:sldId id="352"/>
@@ -146,10 +144,10 @@
       </p14:sectionLst>
     </p:ext>
     <p:ext uri="{EFAFB233-063F-42B5-8137-9DF3F51BA10A}">
-      <p15:sldGuideLst xmlns="" xmlns:p15="http://schemas.microsoft.com/office/powerpoint/2012/main"/>
+      <p15:sldGuideLst xmlns:p15="http://schemas.microsoft.com/office/powerpoint/2012/main" xmlns=""/>
     </p:ext>
     <p:ext uri="{2D200454-40CA-4A62-9FC3-DE9A4176ACB9}">
-      <p15:notesGuideLst xmlns="" xmlns:p15="http://schemas.microsoft.com/office/powerpoint/2012/main">
+      <p15:notesGuideLst xmlns:p15="http://schemas.microsoft.com/office/powerpoint/2012/main" xmlns="">
         <p15:guide id="1" orient="horz" pos="2879">
           <p15:clr>
             <a:srgbClr val="A4A3A4"/>
@@ -731,7 +729,7 @@
               <a:defRPr lang="ko-KR" altLang="en-US"/>
             </a:pPr>
             <a:r>
-              <a:rPr lang="en-US" altLang="ko-KR" dirty="0" smtClean="0"/>
+              <a:rPr lang="en-US" altLang="ko-KR" smtClean="0"/>
               <a:t>I</a:t>
             </a:r>
             <a:endParaRPr lang="ko-KR" altLang="en-US" dirty="0"/>
@@ -1077,105 +1075,6 @@
 </p:notes>
 </file>
 
-<file path=ppt/notesSlides/notesSlide14.xml><?xml version="1.0" encoding="utf-8"?>
-<p:notes xmlns:a="http://schemas.openxmlformats.org/drawingml/2006/main" xmlns:r="http://schemas.openxmlformats.org/officeDocument/2006/relationships" xmlns:p="http://schemas.openxmlformats.org/presentationml/2006/main">
-  <p:cSld>
-    <p:spTree>
-      <p:nvGrpSpPr>
-        <p:cNvPr id="1" name=""/>
-        <p:cNvGrpSpPr/>
-        <p:nvPr/>
-      </p:nvGrpSpPr>
-      <p:grpSpPr>
-        <a:xfrm>
-          <a:off x="0" y="0"/>
-          <a:ext cx="0" cy="0"/>
-          <a:chOff x="0" y="0"/>
-          <a:chExt cx="0" cy="0"/>
-        </a:xfrm>
-      </p:grpSpPr>
-      <p:sp>
-        <p:nvSpPr>
-          <p:cNvPr id="2" name="슬라이드 이미지 개체 틀 1"/>
-          <p:cNvSpPr>
-            <a:spLocks noGrp="1" noRot="1" noChangeAspect="1" noTextEdit="1"/>
-          </p:cNvSpPr>
-          <p:nvPr>
-            <p:ph type="sldImg"/>
-          </p:nvPr>
-        </p:nvSpPr>
-        <p:spPr/>
-      </p:sp>
-      <p:sp>
-        <p:nvSpPr>
-          <p:cNvPr id="3" name="슬라이드 노트 개체 틀 2"/>
-          <p:cNvSpPr>
-            <a:spLocks noGrp="1"/>
-          </p:cNvSpPr>
-          <p:nvPr>
-            <p:ph type="body" idx="1"/>
-          </p:nvPr>
-        </p:nvSpPr>
-        <p:spPr/>
-        <p:txBody>
-          <a:bodyPr>
-            <a:normAutofit/>
-          </a:bodyPr>
-          <a:lstStyle/>
-          <a:p>
-            <a:pPr lvl="0">
-              <a:defRPr lang="ko-KR" altLang="en-US"/>
-            </a:pPr>
-            <a:r>
-              <a:rPr lang="en-US" altLang="ko-KR" smtClean="0"/>
-              <a:t>I</a:t>
-            </a:r>
-            <a:endParaRPr lang="ko-KR" altLang="en-US" dirty="0"/>
-          </a:p>
-        </p:txBody>
-      </p:sp>
-      <p:sp>
-        <p:nvSpPr>
-          <p:cNvPr id="4" name="슬라이드 번호 개체 틀 3"/>
-          <p:cNvSpPr>
-            <a:spLocks noGrp="1"/>
-          </p:cNvSpPr>
-          <p:nvPr>
-            <p:ph type="sldNum" sz="quarter" idx="10"/>
-          </p:nvPr>
-        </p:nvSpPr>
-        <p:spPr/>
-        <p:txBody>
-          <a:bodyPr/>
-          <a:lstStyle/>
-          <a:p>
-            <a:pPr lvl="0">
-              <a:defRPr lang="ko-KR" altLang="en-US"/>
-            </a:pPr>
-            <a:fld id="{16CA0CAB-945A-4D9A-9EB1-E1C8A52CAEF4}" type="slidenum">
-              <a:rPr lang="ko-KR" altLang="en-US"/>
-              <a:pPr lvl="0">
-                <a:defRPr lang="ko-KR" altLang="en-US"/>
-              </a:pPr>
-              <a:t>14</a:t>
-            </a:fld>
-            <a:endParaRPr lang="ko-KR" altLang="en-US"/>
-          </a:p>
-        </p:txBody>
-      </p:sp>
-    </p:spTree>
-    <p:extLst>
-      <p:ext uri="{BB962C8B-B14F-4D97-AF65-F5344CB8AC3E}">
-        <p14:creationId xmlns:p14="http://schemas.microsoft.com/office/powerpoint/2010/main" val="3819876219"/>
-      </p:ext>
-    </p:extLst>
-  </p:cSld>
-  <p:clrMapOvr>
-    <a:masterClrMapping/>
-  </p:clrMapOvr>
-</p:notes>
-</file>
-
 <file path=ppt/notesSlides/notesSlide2.xml><?xml version="1.0" encoding="utf-8"?>
 <p:notes xmlns:a="http://schemas.openxmlformats.org/drawingml/2006/main" xmlns:r="http://schemas.openxmlformats.org/officeDocument/2006/relationships" xmlns:p="http://schemas.openxmlformats.org/presentationml/2006/main">
   <p:cSld>
@@ -1700,6 +1599,10 @@
             <a:pPr lvl="0">
               <a:defRPr lang="ko-KR" altLang="en-US"/>
             </a:pPr>
+            <a:r>
+              <a:rPr lang="en-US" altLang="ko-KR" dirty="0" smtClean="0"/>
+              <a:t>I</a:t>
+            </a:r>
             <a:endParaRPr lang="ko-KR" altLang="en-US" dirty="0"/>
           </a:p>
         </p:txBody>
@@ -4162,7 +4065,11 @@
             </a:pPr>
             <a:r>
               <a:rPr lang="en-US" altLang="ko-KR" dirty="0" smtClean="0"/>
-              <a:t>Demo Scenario</a:t>
+              <a:t>Demo </a:t>
+            </a:r>
+            <a:r>
+              <a:rPr lang="en-US" altLang="ko-KR" dirty="0" smtClean="0"/>
+              <a:t>Scenario -9</a:t>
             </a:r>
             <a:endParaRPr lang="ko-KR" altLang="en-US" dirty="0"/>
           </a:p>
@@ -4192,21 +4099,30 @@
               <a:defRPr lang="ko-KR" altLang="en-US"/>
             </a:pPr>
             <a:r>
-              <a:rPr lang="en-US" altLang="ko-KR" sz="2400" b="1" dirty="0">
-                <a:solidFill>
-                  <a:schemeClr val="bg1"/>
-                </a:solidFill>
-                <a:latin typeface="+mn-ea"/>
-              </a:rPr>
-              <a:t>[Sensor mal-function]</a:t>
-            </a:r>
-          </a:p>
-          <a:p>
-            <a:pPr marL="1028700" lvl="1" indent="-1028700">
-              <a:buNone/>
-              <a:defRPr lang="ko-KR" altLang="en-US"/>
-            </a:pPr>
-            <a:endParaRPr lang="en-US" altLang="ko-KR" sz="2000" dirty="0">
+              <a:rPr lang="en-US" altLang="ko-KR" sz="2400" b="1" dirty="0" smtClean="0">
+                <a:solidFill>
+                  <a:schemeClr val="bg1"/>
+                </a:solidFill>
+                <a:latin typeface="+mn-ea"/>
+                <a:ea typeface="+mn-ea"/>
+              </a:rPr>
+              <a:t>[</a:t>
+            </a:r>
+            <a:r>
+              <a:rPr lang="en-US" altLang="ko-KR" sz="2400" b="1" dirty="0" smtClean="0">
+                <a:solidFill>
+                  <a:schemeClr val="bg1"/>
+                </a:solidFill>
+                <a:latin typeface="+mn-ea"/>
+              </a:rPr>
+              <a:t>Add second node]</a:t>
+            </a:r>
+          </a:p>
+          <a:p>
+            <a:pPr marL="0" indent="0">
+              <a:defRPr lang="ko-KR" altLang="en-US"/>
+            </a:pPr>
+            <a:endParaRPr lang="en-US" altLang="ko-KR" sz="1400" b="1" dirty="0" smtClean="0">
               <a:solidFill>
                 <a:schemeClr val="bg1"/>
               </a:solidFill>
@@ -4214,12 +4130,20 @@
             </a:endParaRPr>
           </a:p>
           <a:p>
-            <a:pPr marL="1028700" lvl="1" indent="-1028700">
-              <a:buNone/>
-              <a:defRPr lang="ko-KR" altLang="en-US"/>
-            </a:pPr>
-            <a:r>
-              <a:rPr lang="en-US" altLang="ko-KR" sz="2400" b="1" dirty="0" err="1">
+            <a:pPr marL="0" indent="0">
+              <a:defRPr lang="ko-KR" altLang="en-US"/>
+            </a:pPr>
+            <a:r>
+              <a:rPr lang="en-US" altLang="ko-KR" b="1" dirty="0" smtClean="0">
+                <a:solidFill>
+                  <a:schemeClr val="bg1"/>
+                </a:solidFill>
+                <a:latin typeface="+mn-ea"/>
+              </a:rPr>
+              <a:t>Now you are happy with our </a:t>
+            </a:r>
+            <a:r>
+              <a:rPr lang="en-US" altLang="ko-KR" b="1" dirty="0" err="1" smtClean="0">
                 <a:solidFill>
                   <a:schemeClr val="bg1"/>
                 </a:solidFill>
@@ -4228,15 +4152,34 @@
               <a:t>IoTMS</a:t>
             </a:r>
             <a:r>
-              <a:rPr lang="en-US" altLang="ko-KR" sz="2400" b="1" dirty="0">
-                <a:solidFill>
-                  <a:schemeClr val="bg1"/>
-                </a:solidFill>
-                <a:latin typeface="+mn-ea"/>
-              </a:rPr>
-              <a:t> detect actuator’s mal-function, </a:t>
-            </a:r>
-            <a:endParaRPr lang="en-US" altLang="ko-KR" sz="2400" b="1" dirty="0" smtClean="0">
+              <a:rPr lang="en-US" altLang="ko-KR" b="1" dirty="0" smtClean="0">
+                <a:solidFill>
+                  <a:schemeClr val="bg1"/>
+                </a:solidFill>
+                <a:latin typeface="+mn-ea"/>
+              </a:rPr>
+              <a:t>, so buy another SA Node, Mailbox</a:t>
+            </a:r>
+          </a:p>
+          <a:p>
+            <a:pPr marL="0" indent="0">
+              <a:defRPr lang="ko-KR" altLang="en-US"/>
+            </a:pPr>
+            <a:r>
+              <a:rPr lang="en-US" altLang="ko-KR" b="1" dirty="0" smtClean="0">
+                <a:solidFill>
+                  <a:schemeClr val="bg1"/>
+                </a:solidFill>
+                <a:latin typeface="+mn-ea"/>
+              </a:rPr>
+              <a:t>Let install it also.</a:t>
+            </a:r>
+          </a:p>
+          <a:p>
+            <a:pPr marL="0" indent="0">
+              <a:defRPr lang="ko-KR" altLang="en-US"/>
+            </a:pPr>
+            <a:endParaRPr lang="en-US" altLang="ko-KR" b="1" dirty="0">
               <a:solidFill>
                 <a:schemeClr val="bg1"/>
               </a:solidFill>
@@ -4244,29 +4187,38 @@
             </a:endParaRPr>
           </a:p>
           <a:p>
-            <a:pPr marL="1028700" lvl="1" indent="-1028700">
-              <a:buNone/>
-              <a:defRPr lang="ko-KR" altLang="en-US"/>
-            </a:pPr>
-            <a:r>
-              <a:rPr lang="en-US" altLang="ko-KR" sz="2400" b="1" dirty="0" smtClean="0">
-                <a:solidFill>
-                  <a:schemeClr val="bg1"/>
-                </a:solidFill>
-                <a:latin typeface="+mn-ea"/>
-              </a:rPr>
-              <a:t>then </a:t>
-            </a:r>
-            <a:r>
-              <a:rPr lang="en-US" altLang="ko-KR" sz="2400" b="1" dirty="0">
-                <a:solidFill>
-                  <a:schemeClr val="bg1"/>
-                </a:solidFill>
-                <a:latin typeface="+mn-ea"/>
-              </a:rPr>
-              <a:t>what about sensors? Let’s break it. </a:t>
-            </a:r>
-            <a:endParaRPr lang="en-US" altLang="ko-KR" sz="2400" b="1" dirty="0" smtClean="0">
+            <a:pPr marL="0" indent="0">
+              <a:defRPr lang="ko-KR" altLang="en-US"/>
+            </a:pPr>
+            <a:r>
+              <a:rPr lang="en-US" altLang="ko-KR" b="1" i="1" u="sng" dirty="0" smtClean="0">
+                <a:solidFill>
+                  <a:schemeClr val="bg1"/>
+                </a:solidFill>
+                <a:latin typeface="+mn-ea"/>
+              </a:rPr>
+              <a:t>[Discover &amp; Register mailbox]</a:t>
+            </a:r>
+          </a:p>
+          <a:p>
+            <a:pPr marL="0" indent="0">
+              <a:defRPr lang="ko-KR" altLang="en-US"/>
+            </a:pPr>
+            <a:r>
+              <a:rPr lang="en-US" altLang="ko-KR" b="1" dirty="0" smtClean="0">
+                <a:solidFill>
+                  <a:schemeClr val="bg1"/>
+                </a:solidFill>
+                <a:latin typeface="+mn-ea"/>
+              </a:rPr>
+              <a:t>Again, put serial number (it is printed bottom) </a:t>
+            </a:r>
+          </a:p>
+          <a:p>
+            <a:pPr marL="0" indent="0">
+              <a:defRPr lang="ko-KR" altLang="en-US"/>
+            </a:pPr>
+            <a:endParaRPr lang="en-US" altLang="ko-KR" b="1" dirty="0">
               <a:solidFill>
                 <a:schemeClr val="bg1"/>
               </a:solidFill>
@@ -4274,11 +4226,24 @@
             </a:endParaRPr>
           </a:p>
           <a:p>
-            <a:pPr marL="1028700" lvl="1" indent="-1028700">
-              <a:buNone/>
-              <a:defRPr lang="ko-KR" altLang="en-US"/>
-            </a:pPr>
-            <a:endParaRPr lang="en-US" altLang="ko-KR" sz="2400" b="1" dirty="0">
+            <a:pPr marL="0" indent="0">
+              <a:defRPr lang="ko-KR" altLang="en-US"/>
+            </a:pPr>
+            <a:r>
+              <a:rPr lang="en-US" altLang="ko-KR" b="1" i="1" u="sng" dirty="0" smtClean="0">
+                <a:solidFill>
+                  <a:schemeClr val="bg1"/>
+                </a:solidFill>
+                <a:latin typeface="+mn-ea"/>
+              </a:rPr>
+              <a:t>[show thing info]</a:t>
+            </a:r>
+          </a:p>
+          <a:p>
+            <a:pPr marL="0" indent="0">
+              <a:defRPr lang="ko-KR" altLang="en-US"/>
+            </a:pPr>
+            <a:endParaRPr lang="en-US" altLang="ko-KR" b="1" dirty="0">
               <a:solidFill>
                 <a:schemeClr val="bg1"/>
               </a:solidFill>
@@ -4286,198 +4251,19 @@
             </a:endParaRPr>
           </a:p>
           <a:p>
-            <a:pPr marL="0" lvl="1" indent="0">
-              <a:buNone/>
-              <a:defRPr lang="ko-KR" altLang="en-US"/>
-            </a:pPr>
-            <a:r>
-              <a:rPr lang="en-US" altLang="ko-KR" sz="2400" b="1" dirty="0">
-                <a:solidFill>
-                  <a:schemeClr val="bg1"/>
-                </a:solidFill>
-                <a:latin typeface="+mn-ea"/>
-              </a:rPr>
-              <a:t>- </a:t>
-            </a:r>
-            <a:r>
-              <a:rPr lang="en-US" altLang="ko-KR" sz="2400" b="1" i="1" u="sng" dirty="0">
-                <a:solidFill>
-                  <a:schemeClr val="bg1"/>
-                </a:solidFill>
-                <a:latin typeface="+mn-ea"/>
-              </a:rPr>
-              <a:t>Plug out humidity sensors. </a:t>
-            </a:r>
-          </a:p>
-          <a:p>
-            <a:pPr marL="0" lvl="1" indent="0">
-              <a:buNone/>
-              <a:defRPr lang="ko-KR" altLang="en-US"/>
-            </a:pPr>
-            <a:r>
-              <a:rPr lang="en-US" altLang="ko-KR" sz="2400" b="1" dirty="0">
-                <a:solidFill>
-                  <a:schemeClr val="bg1"/>
-                </a:solidFill>
-                <a:latin typeface="+mn-ea"/>
-              </a:rPr>
-              <a:t>Abnormal value comes, </a:t>
-            </a:r>
-            <a:r>
-              <a:rPr lang="en-US" altLang="ko-KR" sz="2400" b="1" dirty="0" err="1">
-                <a:solidFill>
-                  <a:schemeClr val="bg1"/>
-                </a:solidFill>
-                <a:latin typeface="+mn-ea"/>
-              </a:rPr>
-              <a:t>IoTMS</a:t>
-            </a:r>
-            <a:r>
-              <a:rPr lang="en-US" altLang="ko-KR" sz="2400" b="1" dirty="0">
-                <a:solidFill>
-                  <a:schemeClr val="bg1"/>
-                </a:solidFill>
-                <a:latin typeface="+mn-ea"/>
-              </a:rPr>
-              <a:t> detect mal-function and notify user. </a:t>
-            </a:r>
-            <a:r>
-              <a:rPr lang="en-US" altLang="ko-KR" sz="2400" b="1" dirty="0">
-                <a:solidFill>
-                  <a:schemeClr val="bg1"/>
-                </a:solidFill>
-                <a:latin typeface="+mn-ea"/>
-              </a:rPr>
-              <a:t>(He got lots of message today</a:t>
-            </a:r>
-            <a:r>
-              <a:rPr lang="en-US" altLang="ko-KR" sz="2400" b="1" dirty="0" smtClean="0">
-                <a:solidFill>
-                  <a:schemeClr val="bg1"/>
-                </a:solidFill>
-                <a:latin typeface="+mn-ea"/>
-              </a:rPr>
-              <a:t>)</a:t>
-            </a:r>
-            <a:endParaRPr lang="en-US" altLang="ko-KR" sz="2400" b="1" dirty="0">
-              <a:solidFill>
-                <a:schemeClr val="bg1"/>
-              </a:solidFill>
-              <a:latin typeface="+mn-ea"/>
-            </a:endParaRPr>
-          </a:p>
-          <a:p>
-            <a:pPr marL="0" lvl="1" indent="0">
-              <a:buNone/>
-              <a:defRPr lang="ko-KR" altLang="en-US"/>
-            </a:pPr>
-            <a:endParaRPr lang="en-US" altLang="ko-KR" sz="2400" b="1" dirty="0" smtClean="0">
-              <a:solidFill>
-                <a:schemeClr val="bg1"/>
-              </a:solidFill>
-              <a:latin typeface="+mn-ea"/>
-            </a:endParaRPr>
-          </a:p>
-          <a:p>
-            <a:pPr marL="342900" lvl="1" indent="-342900">
-              <a:buFontTx/>
-              <a:buChar char="-"/>
-              <a:defRPr lang="ko-KR" altLang="en-US"/>
-            </a:pPr>
-            <a:r>
-              <a:rPr lang="en-US" altLang="ko-KR" sz="2400" b="1" i="1" u="sng" dirty="0" smtClean="0">
-                <a:solidFill>
-                  <a:schemeClr val="bg1"/>
-                </a:solidFill>
-                <a:latin typeface="+mn-ea"/>
-              </a:rPr>
-              <a:t>Put it </a:t>
-            </a:r>
-            <a:r>
-              <a:rPr lang="en-US" altLang="ko-KR" sz="2400" b="1" i="1" u="sng" dirty="0">
-                <a:solidFill>
-                  <a:schemeClr val="bg1"/>
-                </a:solidFill>
-                <a:latin typeface="+mn-ea"/>
-              </a:rPr>
-              <a:t>humidity </a:t>
-            </a:r>
-            <a:r>
-              <a:rPr lang="en-US" altLang="ko-KR" sz="2400" b="1" i="1" u="sng" dirty="0" smtClean="0">
-                <a:solidFill>
-                  <a:schemeClr val="bg1"/>
-                </a:solidFill>
-                <a:latin typeface="+mn-ea"/>
-              </a:rPr>
-              <a:t>sensors </a:t>
-            </a:r>
-            <a:r>
-              <a:rPr lang="en-US" altLang="ko-KR" sz="2400" b="1" i="1" u="sng" dirty="0" err="1" smtClean="0">
-                <a:solidFill>
-                  <a:schemeClr val="bg1"/>
-                </a:solidFill>
-                <a:latin typeface="+mn-ea"/>
-              </a:rPr>
-              <a:t>agin</a:t>
-            </a:r>
-            <a:endParaRPr lang="en-US" altLang="ko-KR" sz="2400" b="1" i="1" u="sng" dirty="0" smtClean="0">
-              <a:solidFill>
-                <a:schemeClr val="bg1"/>
-              </a:solidFill>
-              <a:latin typeface="+mn-ea"/>
-            </a:endParaRPr>
-          </a:p>
-          <a:p>
-            <a:pPr marL="0" lvl="1" indent="0">
-              <a:buNone/>
-              <a:defRPr lang="ko-KR" altLang="en-US"/>
-            </a:pPr>
-            <a:endParaRPr lang="en-US" altLang="ko-KR" sz="2400" b="1" i="1" u="sng" dirty="0">
-              <a:solidFill>
-                <a:schemeClr val="bg1"/>
-              </a:solidFill>
-              <a:latin typeface="+mn-ea"/>
-            </a:endParaRPr>
-          </a:p>
-          <a:p>
-            <a:pPr marL="0" lvl="1" indent="0">
-              <a:buNone/>
-              <a:defRPr lang="ko-KR" altLang="en-US"/>
-            </a:pPr>
-            <a:r>
-              <a:rPr lang="en-US" altLang="ko-KR" sz="2400" b="1" dirty="0" smtClean="0">
-                <a:solidFill>
-                  <a:schemeClr val="bg1"/>
-                </a:solidFill>
-                <a:latin typeface="+mn-ea"/>
-              </a:rPr>
-              <a:t>Value comes normally</a:t>
-            </a:r>
-            <a:endParaRPr lang="en-US" altLang="ko-KR" sz="1400" dirty="0" smtClean="0">
-              <a:solidFill>
-                <a:schemeClr val="bg1"/>
-              </a:solidFill>
-              <a:latin typeface="+mn-ea"/>
-            </a:endParaRPr>
-          </a:p>
-          <a:p>
-            <a:pPr marL="1028700" lvl="1" indent="-1028700">
-              <a:buNone/>
-              <a:defRPr lang="ko-KR" altLang="en-US"/>
-            </a:pPr>
-            <a:endParaRPr lang="en-US" altLang="ko-KR" sz="1400" dirty="0">
-              <a:solidFill>
-                <a:schemeClr val="bg1"/>
-              </a:solidFill>
-              <a:latin typeface="+mn-ea"/>
-            </a:endParaRPr>
-          </a:p>
-          <a:p>
-            <a:pPr marL="1028700" lvl="1" indent="-1028700">
-              <a:buNone/>
-              <a:defRPr lang="ko-KR" altLang="en-US"/>
-            </a:pPr>
-            <a:endParaRPr lang="en-US" altLang="ko-KR" sz="1400" dirty="0" smtClean="0">
+            <a:pPr marL="0" indent="0">
+              <a:defRPr lang="ko-KR" altLang="en-US"/>
+            </a:pPr>
+            <a:r>
+              <a:rPr lang="en-US" altLang="ko-KR" b="1" dirty="0" smtClean="0">
+                <a:solidFill>
+                  <a:schemeClr val="bg1"/>
+                </a:solidFill>
+                <a:latin typeface="+mn-ea"/>
+              </a:rPr>
+              <a:t>Click node info pages, see sensor value is updating</a:t>
+            </a:r>
+            <a:endParaRPr lang="en-US" altLang="ko-KR" dirty="0" smtClean="0">
               <a:solidFill>
                 <a:schemeClr val="bg1"/>
               </a:solidFill>
@@ -4517,7 +4303,7 @@
     </p:spTree>
     <p:extLst>
       <p:ext uri="{BB962C8B-B14F-4D97-AF65-F5344CB8AC3E}">
-        <p14:creationId xmlns:p14="http://schemas.microsoft.com/office/powerpoint/2010/main" val="3303364572"/>
+        <p14:creationId xmlns:p14="http://schemas.microsoft.com/office/powerpoint/2010/main" val="2988263032"/>
       </p:ext>
     </p:extLst>
   </p:cSld>
@@ -4630,7 +4416,11 @@
             </a:pPr>
             <a:r>
               <a:rPr lang="en-US" altLang="ko-KR" dirty="0" smtClean="0"/>
-              <a:t>Demo Scenario</a:t>
+              <a:t>Demo </a:t>
+            </a:r>
+            <a:r>
+              <a:rPr lang="en-US" altLang="ko-KR" dirty="0" smtClean="0"/>
+              <a:t>Scenario - 10</a:t>
             </a:r>
             <a:endParaRPr lang="ko-KR" altLang="en-US" dirty="0"/>
           </a:p>
@@ -4676,7 +4466,7 @@
                 </a:solidFill>
                 <a:latin typeface="+mn-ea"/>
               </a:rPr>
-              <a:t>Add second node]</a:t>
+              <a:t>Add Rule]</a:t>
             </a:r>
           </a:p>
           <a:p>
@@ -4701,17 +4491,13 @@
                 </a:solidFill>
                 <a:latin typeface="+mn-ea"/>
               </a:rPr>
-              <a:t>Now you are happy with our </a:t>
-            </a:r>
-            <a:r>
-              <a:rPr lang="en-US" altLang="ko-KR" b="1" dirty="0" err="1" smtClean="0">
-                <a:solidFill>
-                  <a:schemeClr val="bg1"/>
-                </a:solidFill>
-                <a:latin typeface="+mn-ea"/>
-              </a:rPr>
-              <a:t>IoTMS</a:t>
-            </a:r>
+              <a:t>What lets do something with mail box, what if notify user if mail comes. Add rule such as</a:t>
+            </a:r>
+          </a:p>
+          <a:p>
+            <a:pPr marL="0" indent="0">
+              <a:defRPr lang="ko-KR" altLang="en-US"/>
+            </a:pPr>
             <a:r>
               <a:rPr lang="en-US" altLang="ko-KR" b="1" dirty="0" smtClean="0">
                 <a:solidFill>
@@ -4719,7 +4505,7 @@
                 </a:solidFill>
                 <a:latin typeface="+mn-ea"/>
               </a:rPr>
-              <a:t>, so buy another SA Node, Mailbox</a:t>
+              <a:t>‘ If mail is arrive, then notify user’</a:t>
             </a:r>
           </a:p>
           <a:p>
@@ -4733,11 +4519,29 @@
                 </a:solidFill>
                 <a:latin typeface="+mn-ea"/>
               </a:rPr>
-              <a:t>Let install it also.</a:t>
-            </a:r>
-          </a:p>
-          <a:p>
-            <a:pPr marL="0" indent="0">
+              <a:t> </a:t>
+            </a:r>
+          </a:p>
+          <a:p>
+            <a:pPr marL="285750" indent="-285750">
+              <a:buFontTx/>
+              <a:buChar char="-"/>
+              <a:defRPr lang="ko-KR" altLang="en-US"/>
+            </a:pPr>
+            <a:r>
+              <a:rPr lang="en-US" altLang="ko-KR" b="1" i="1" u="sng" dirty="0" smtClean="0">
+                <a:solidFill>
+                  <a:schemeClr val="bg1"/>
+                </a:solidFill>
+                <a:latin typeface="+mn-ea"/>
+              </a:rPr>
+              <a:t>Add rule</a:t>
+            </a:r>
+          </a:p>
+          <a:p>
+            <a:pPr marL="285750" indent="-285750">
+              <a:buFontTx/>
+              <a:buChar char="-"/>
               <a:defRPr lang="ko-KR" altLang="en-US"/>
             </a:pPr>
             <a:endParaRPr lang="en-US" altLang="ko-KR" b="1" dirty="0">
@@ -4752,33 +4556,41 @@
               <a:defRPr lang="ko-KR" altLang="en-US"/>
             </a:pPr>
             <a:r>
-              <a:rPr lang="en-US" altLang="ko-KR" b="1" i="1" u="sng" dirty="0" smtClean="0">
-                <a:solidFill>
-                  <a:schemeClr val="bg1"/>
-                </a:solidFill>
-                <a:latin typeface="+mn-ea"/>
-              </a:rPr>
-              <a:t>[Discover &amp; Register mailbox]</a:t>
-            </a:r>
-          </a:p>
-          <a:p>
-            <a:pPr marL="0" indent="0">
-              <a:defRPr lang="ko-KR" altLang="en-US"/>
-            </a:pPr>
-            <a:r>
-              <a:rPr lang="en-US" altLang="ko-KR" b="1" dirty="0" smtClean="0">
-                <a:solidFill>
-                  <a:schemeClr val="bg1"/>
-                </a:solidFill>
-                <a:latin typeface="+mn-ea"/>
-              </a:rPr>
-              <a:t>Again, put serial number (it is printed bottom) </a:t>
-            </a:r>
-          </a:p>
-          <a:p>
-            <a:pPr marL="0" indent="0">
-              <a:defRPr lang="ko-KR" altLang="en-US"/>
-            </a:pPr>
+              <a:rPr lang="en-US" altLang="ko-KR" b="1" dirty="0">
+                <a:solidFill>
+                  <a:schemeClr val="bg1"/>
+                </a:solidFill>
+                <a:latin typeface="+mn-ea"/>
+              </a:rPr>
+              <a:t>if 78:c4:e:2:5b:b3@0007==</a:t>
+            </a:r>
+            <a:r>
+              <a:rPr lang="en-US" altLang="ko-KR" b="1" dirty="0" err="1">
+                <a:solidFill>
+                  <a:schemeClr val="bg1"/>
+                </a:solidFill>
+                <a:latin typeface="+mn-ea"/>
+              </a:rPr>
+              <a:t>Mail#MailBox</a:t>
+            </a:r>
+            <a:r>
+              <a:rPr lang="en-US" altLang="ko-KR" b="1" dirty="0">
+                <a:solidFill>
+                  <a:schemeClr val="bg1"/>
+                </a:solidFill>
+                <a:latin typeface="+mn-ea"/>
+              </a:rPr>
+              <a:t> then *@0011=</a:t>
+            </a:r>
+            <a:r>
+              <a:rPr lang="en-US" altLang="ko-KR" b="1" dirty="0" err="1">
+                <a:solidFill>
+                  <a:schemeClr val="bg1"/>
+                </a:solidFill>
+                <a:latin typeface="+mn-ea"/>
+              </a:rPr>
+              <a:t>POST#Messag</a:t>
+            </a:r>
             <a:endParaRPr lang="en-US" altLang="ko-KR" b="1" dirty="0">
               <a:solidFill>
                 <a:schemeClr val="bg1"/>
@@ -4790,20 +4602,6 @@
             <a:pPr marL="0" indent="0">
               <a:defRPr lang="ko-KR" altLang="en-US"/>
             </a:pPr>
-            <a:r>
-              <a:rPr lang="en-US" altLang="ko-KR" b="1" i="1" u="sng" dirty="0" smtClean="0">
-                <a:solidFill>
-                  <a:schemeClr val="bg1"/>
-                </a:solidFill>
-                <a:latin typeface="+mn-ea"/>
-              </a:rPr>
-              <a:t>[show thing info]</a:t>
-            </a:r>
-          </a:p>
-          <a:p>
-            <a:pPr marL="0" indent="0">
-              <a:defRPr lang="ko-KR" altLang="en-US"/>
-            </a:pPr>
             <a:endParaRPr lang="en-US" altLang="ko-KR" b="1" dirty="0">
               <a:solidFill>
                 <a:schemeClr val="bg1"/>
@@ -4816,15 +4614,72 @@
               <a:defRPr lang="ko-KR" altLang="en-US"/>
             </a:pPr>
             <a:r>
-              <a:rPr lang="en-US" altLang="ko-KR" b="1" dirty="0" smtClean="0">
-                <a:solidFill>
-                  <a:schemeClr val="bg1"/>
-                </a:solidFill>
-                <a:latin typeface="+mn-ea"/>
-              </a:rPr>
-              <a:t>Click node info pages, see sensor value is updating</a:t>
-            </a:r>
-            <a:endParaRPr lang="en-US" altLang="ko-KR" dirty="0" smtClean="0">
+              <a:rPr lang="en-US" altLang="ko-KR" b="1" dirty="0">
+                <a:solidFill>
+                  <a:schemeClr val="bg1"/>
+                </a:solidFill>
+                <a:latin typeface="+mn-ea"/>
+              </a:rPr>
+              <a:t>See? What do you see? You can add rule on runtime. Let imagine you buy new SA node which has air-conditioner controller.  You can add rules like this. Now our </a:t>
+            </a:r>
+            <a:r>
+              <a:rPr lang="en-US" altLang="ko-KR" b="1" dirty="0" err="1">
+                <a:solidFill>
+                  <a:schemeClr val="bg1"/>
+                </a:solidFill>
+                <a:latin typeface="+mn-ea"/>
+              </a:rPr>
+              <a:t>IoTMS</a:t>
+            </a:r>
+            <a:r>
+              <a:rPr lang="en-US" altLang="ko-KR" b="1" dirty="0">
+                <a:solidFill>
+                  <a:schemeClr val="bg1"/>
+                </a:solidFill>
+                <a:latin typeface="+mn-ea"/>
+              </a:rPr>
+              <a:t> play temperature controller </a:t>
+            </a:r>
+          </a:p>
+          <a:p>
+            <a:pPr marL="0" indent="0">
+              <a:defRPr lang="ko-KR" altLang="en-US"/>
+            </a:pPr>
+            <a:endParaRPr lang="en-US" altLang="ko-KR" b="1" dirty="0">
+              <a:solidFill>
+                <a:schemeClr val="bg1"/>
+              </a:solidFill>
+              <a:latin typeface="+mn-ea"/>
+            </a:endParaRPr>
+          </a:p>
+          <a:p>
+            <a:r>
+              <a:rPr lang="en-US" altLang="ko-KR" b="1" dirty="0">
+                <a:solidFill>
+                  <a:schemeClr val="bg1"/>
+                </a:solidFill>
+                <a:latin typeface="+mn-ea"/>
+              </a:rPr>
+              <a:t>If somebody home and temperator is over 30 degree, turn on Air conditioner. </a:t>
+            </a:r>
+            <a:endParaRPr lang="ko-KR" altLang="ko-KR" b="1" dirty="0">
+              <a:solidFill>
+                <a:schemeClr val="bg1"/>
+              </a:solidFill>
+              <a:latin typeface="+mn-ea"/>
+            </a:endParaRPr>
+          </a:p>
+          <a:p>
+            <a:r>
+              <a:rPr lang="en-US" altLang="ko-KR" b="1" dirty="0">
+                <a:solidFill>
+                  <a:schemeClr val="bg1"/>
+                </a:solidFill>
+                <a:latin typeface="+mn-ea"/>
+              </a:rPr>
+              <a:t>If somebody home and temperator is under 18 degree, turn off Air conditiner. </a:t>
+            </a:r>
+            <a:endParaRPr lang="ko-KR" altLang="ko-KR" b="1" dirty="0">
               <a:solidFill>
                 <a:schemeClr val="bg1"/>
               </a:solidFill>
@@ -4864,7 +4719,7 @@
     </p:spTree>
     <p:extLst>
       <p:ext uri="{BB962C8B-B14F-4D97-AF65-F5344CB8AC3E}">
-        <p14:creationId xmlns:p14="http://schemas.microsoft.com/office/powerpoint/2010/main" val="2988263032"/>
+        <p14:creationId xmlns:p14="http://schemas.microsoft.com/office/powerpoint/2010/main" val="2774080251"/>
       </p:ext>
     </p:extLst>
   </p:cSld>
@@ -4977,7 +4832,11 @@
             </a:pPr>
             <a:r>
               <a:rPr lang="en-US" altLang="ko-KR" dirty="0" smtClean="0"/>
-              <a:t>Demo Scenario</a:t>
+              <a:t>Demo </a:t>
+            </a:r>
+            <a:r>
+              <a:rPr lang="en-US" altLang="ko-KR" dirty="0" smtClean="0"/>
+              <a:t>Scenario - 11</a:t>
             </a:r>
             <a:endParaRPr lang="ko-KR" altLang="en-US" dirty="0"/>
           </a:p>
@@ -5023,7 +4882,7 @@
                 </a:solidFill>
                 <a:latin typeface="+mn-ea"/>
               </a:rPr>
-              <a:t>Add Rule]</a:t>
+              <a:t>Add Invalid Rule]</a:t>
             </a:r>
           </a:p>
           <a:p>
@@ -5042,13 +4901,68 @@
               <a:defRPr lang="ko-KR" altLang="en-US"/>
             </a:pPr>
             <a:r>
+              <a:rPr lang="en-US" altLang="ko-KR" b="1" dirty="0">
+                <a:solidFill>
+                  <a:schemeClr val="bg1"/>
+                </a:solidFill>
+                <a:latin typeface="+mn-ea"/>
+              </a:rPr>
+              <a:t>Since </a:t>
+            </a:r>
+            <a:r>
+              <a:rPr lang="en-US" altLang="ko-KR" b="1" dirty="0" err="1">
+                <a:solidFill>
+                  <a:schemeClr val="bg1"/>
+                </a:solidFill>
+                <a:latin typeface="+mn-ea"/>
+              </a:rPr>
+              <a:t>IoTMS</a:t>
+            </a:r>
+            <a:r>
+              <a:rPr lang="en-US" altLang="ko-KR" b="1" dirty="0">
+                <a:solidFill>
+                  <a:schemeClr val="bg1"/>
+                </a:solidFill>
+                <a:latin typeface="+mn-ea"/>
+              </a:rPr>
+              <a:t> allow user to add rule, there is always possibility to add conflict rule. such as</a:t>
+            </a:r>
+          </a:p>
+          <a:p>
+            <a:pPr marL="0" indent="0">
+              <a:defRPr lang="ko-KR" altLang="en-US"/>
+            </a:pPr>
+            <a:r>
               <a:rPr lang="en-US" altLang="ko-KR" b="1" dirty="0" smtClean="0">
                 <a:solidFill>
                   <a:schemeClr val="bg1"/>
                 </a:solidFill>
                 <a:latin typeface="+mn-ea"/>
               </a:rPr>
-              <a:t>What </a:t>
+              <a:t>‘Open door if somebody home’ even another rule (somebody home, close door) is already exist . </a:t>
+            </a:r>
+          </a:p>
+          <a:p>
+            <a:pPr marL="0" indent="0">
+              <a:defRPr lang="ko-KR" altLang="en-US"/>
+            </a:pPr>
+            <a:r>
+              <a:rPr lang="en-US" altLang="ko-KR" b="1" dirty="0" err="1" smtClean="0">
+                <a:solidFill>
+                  <a:schemeClr val="bg1"/>
+                </a:solidFill>
+                <a:latin typeface="+mn-ea"/>
+              </a:rPr>
+              <a:t>IoTMS</a:t>
+            </a:r>
+            <a:r>
+              <a:rPr lang="en-US" altLang="ko-KR" b="1" dirty="0">
+                <a:solidFill>
+                  <a:schemeClr val="bg1"/>
+                </a:solidFill>
+                <a:latin typeface="+mn-ea"/>
+              </a:rPr>
+              <a:t> </a:t>
             </a:r>
             <a:r>
               <a:rPr lang="en-US" altLang="ko-KR" b="1" dirty="0" smtClean="0">
@@ -5057,85 +4971,13 @@
                 </a:solidFill>
                 <a:latin typeface="+mn-ea"/>
               </a:rPr>
-              <a:t>lets do something with mail </a:t>
-            </a:r>
-            <a:r>
-              <a:rPr lang="en-US" altLang="ko-KR" b="1" dirty="0" smtClean="0">
-                <a:solidFill>
-                  <a:schemeClr val="bg1"/>
-                </a:solidFill>
-                <a:latin typeface="+mn-ea"/>
-              </a:rPr>
-              <a:t>box, </a:t>
-            </a:r>
-            <a:r>
-              <a:rPr lang="en-US" altLang="ko-KR" b="1" dirty="0" smtClean="0">
-                <a:solidFill>
-                  <a:schemeClr val="bg1"/>
-                </a:solidFill>
-                <a:latin typeface="+mn-ea"/>
-              </a:rPr>
-              <a:t>what if notify user if mail comes. Add </a:t>
-            </a:r>
-            <a:r>
-              <a:rPr lang="en-US" altLang="ko-KR" b="1" dirty="0" smtClean="0">
-                <a:solidFill>
-                  <a:schemeClr val="bg1"/>
-                </a:solidFill>
-                <a:latin typeface="+mn-ea"/>
-              </a:rPr>
-              <a:t>rule such as</a:t>
+              <a:t>analyze rule and prevent user to add invalid rule. </a:t>
             </a:r>
           </a:p>
           <a:p>
             <a:pPr marL="0" indent="0">
               <a:defRPr lang="ko-KR" altLang="en-US"/>
             </a:pPr>
-            <a:r>
-              <a:rPr lang="en-US" altLang="ko-KR" b="1" dirty="0" smtClean="0">
-                <a:solidFill>
-                  <a:schemeClr val="bg1"/>
-                </a:solidFill>
-                <a:latin typeface="+mn-ea"/>
-              </a:rPr>
-              <a:t>‘ If </a:t>
-            </a:r>
-            <a:r>
-              <a:rPr lang="en-US" altLang="ko-KR" b="1" dirty="0" smtClean="0">
-                <a:solidFill>
-                  <a:schemeClr val="bg1"/>
-                </a:solidFill>
-                <a:latin typeface="+mn-ea"/>
-              </a:rPr>
-              <a:t>mail </a:t>
-            </a:r>
-            <a:r>
-              <a:rPr lang="en-US" altLang="ko-KR" b="1" dirty="0" smtClean="0">
-                <a:solidFill>
-                  <a:schemeClr val="bg1"/>
-                </a:solidFill>
-                <a:latin typeface="+mn-ea"/>
-              </a:rPr>
-              <a:t>is arrive, then </a:t>
-            </a:r>
-            <a:r>
-              <a:rPr lang="en-US" altLang="ko-KR" b="1" dirty="0" smtClean="0">
-                <a:solidFill>
-                  <a:schemeClr val="bg1"/>
-                </a:solidFill>
-                <a:latin typeface="+mn-ea"/>
-              </a:rPr>
-              <a:t>notify user</a:t>
-            </a:r>
-            <a:r>
-              <a:rPr lang="en-US" altLang="ko-KR" b="1" dirty="0" smtClean="0">
-                <a:solidFill>
-                  <a:schemeClr val="bg1"/>
-                </a:solidFill>
-                <a:latin typeface="+mn-ea"/>
-              </a:rPr>
-              <a:t>’</a:t>
-            </a:r>
             <a:endParaRPr lang="en-US" altLang="ko-KR" b="1" dirty="0" smtClean="0">
               <a:solidFill>
                 <a:schemeClr val="bg1"/>
@@ -5154,32 +4996,48 @@
                 </a:solidFill>
                 <a:latin typeface="+mn-ea"/>
               </a:rPr>
-              <a:t> </a:t>
-            </a:r>
-          </a:p>
-          <a:p>
-            <a:pPr marL="285750" indent="-285750">
-              <a:buFontTx/>
-              <a:buChar char="-"/>
-              <a:defRPr lang="ko-KR" altLang="en-US"/>
-            </a:pPr>
-            <a:r>
-              <a:rPr lang="en-US" altLang="ko-KR" b="1" i="1" u="sng" dirty="0" smtClean="0">
-                <a:solidFill>
-                  <a:schemeClr val="bg1"/>
-                </a:solidFill>
-                <a:latin typeface="+mn-ea"/>
-              </a:rPr>
-              <a:t>Add rule</a:t>
-            </a:r>
-          </a:p>
-          <a:p>
-            <a:pPr marL="285750" indent="-285750">
-              <a:buFontTx/>
-              <a:buChar char="-"/>
-              <a:defRPr lang="ko-KR" altLang="en-US"/>
-            </a:pPr>
-            <a:endParaRPr lang="en-US" altLang="ko-KR" b="1" dirty="0">
+              <a:t>new</a:t>
+            </a:r>
+          </a:p>
+          <a:p>
+            <a:pPr algn="ctr"/>
+            <a:r>
+              <a:rPr lang="en-US" altLang="ko-KR" dirty="0">
+                <a:solidFill>
+                  <a:schemeClr val="bg1"/>
+                </a:solidFill>
+                <a:latin typeface="+mn-ea"/>
+              </a:rPr>
+              <a:t>if *@0010==</a:t>
+            </a:r>
+            <a:r>
+              <a:rPr lang="en-US" altLang="ko-KR" dirty="0" err="1">
+                <a:solidFill>
+                  <a:schemeClr val="bg1"/>
+                </a:solidFill>
+                <a:latin typeface="+mn-ea"/>
+              </a:rPr>
+              <a:t>UnSet#Alarm</a:t>
+            </a:r>
+            <a:r>
+              <a:rPr lang="en-US" altLang="ko-KR" dirty="0">
+                <a:solidFill>
+                  <a:schemeClr val="bg1"/>
+                </a:solidFill>
+                <a:latin typeface="+mn-ea"/>
+              </a:rPr>
+              <a:t> then 78:c4:e:1:7f:f9@0008=</a:t>
+            </a:r>
+            <a:r>
+              <a:rPr lang="en-US" altLang="ko-KR" dirty="0" err="1">
+                <a:solidFill>
+                  <a:schemeClr val="bg1"/>
+                </a:solidFill>
+                <a:latin typeface="+mn-ea"/>
+              </a:rPr>
+              <a:t>On#AlarmLamp</a:t>
+            </a:r>
+            <a:endParaRPr lang="en-US" altLang="ko-KR" dirty="0">
               <a:solidFill>
                 <a:schemeClr val="bg1"/>
               </a:solidFill>
@@ -5190,43 +5048,7 @@
             <a:pPr marL="0" indent="0">
               <a:defRPr lang="ko-KR" altLang="en-US"/>
             </a:pPr>
-            <a:r>
-              <a:rPr lang="en-US" altLang="ko-KR" b="1" dirty="0">
-                <a:solidFill>
-                  <a:schemeClr val="bg1"/>
-                </a:solidFill>
-                <a:latin typeface="+mn-ea"/>
-              </a:rPr>
-              <a:t>if 78:c4:e:2:5b:b3@0007==</a:t>
-            </a:r>
-            <a:r>
-              <a:rPr lang="en-US" altLang="ko-KR" b="1" dirty="0" err="1">
-                <a:solidFill>
-                  <a:schemeClr val="bg1"/>
-                </a:solidFill>
-                <a:latin typeface="+mn-ea"/>
-              </a:rPr>
-              <a:t>Mail#MailBox</a:t>
-            </a:r>
-            <a:r>
-              <a:rPr lang="en-US" altLang="ko-KR" b="1" dirty="0">
-                <a:solidFill>
-                  <a:schemeClr val="bg1"/>
-                </a:solidFill>
-                <a:latin typeface="+mn-ea"/>
-              </a:rPr>
-              <a:t> then *@0011=</a:t>
-            </a:r>
-            <a:r>
-              <a:rPr lang="en-US" altLang="ko-KR" b="1" dirty="0" err="1">
-                <a:solidFill>
-                  <a:schemeClr val="bg1"/>
-                </a:solidFill>
-                <a:latin typeface="+mn-ea"/>
-              </a:rPr>
-              <a:t>POST#Messag</a:t>
-            </a:r>
-            <a:endParaRPr lang="en-US" altLang="ko-KR" b="1" dirty="0">
+            <a:endParaRPr lang="en-US" altLang="ko-KR" b="1" dirty="0" smtClean="0">
               <a:solidFill>
                 <a:schemeClr val="bg1"/>
               </a:solidFill>
@@ -5237,7 +5059,64 @@
             <a:pPr marL="0" indent="0">
               <a:defRPr lang="ko-KR" altLang="en-US"/>
             </a:pPr>
-            <a:endParaRPr lang="en-US" altLang="ko-KR" b="1" dirty="0">
+            <a:r>
+              <a:rPr lang="en-US" altLang="ko-KR" b="1" dirty="0" smtClean="0">
+                <a:solidFill>
+                  <a:schemeClr val="bg1"/>
+                </a:solidFill>
+                <a:latin typeface="+mn-ea"/>
+              </a:rPr>
+              <a:t>exist</a:t>
+            </a:r>
+          </a:p>
+          <a:p>
+            <a:pPr algn="ctr"/>
+            <a:r>
+              <a:rPr lang="en-US" altLang="ko-KR" dirty="0">
+                <a:solidFill>
+                  <a:schemeClr val="bg1"/>
+                </a:solidFill>
+                <a:latin typeface="+mn-ea"/>
+              </a:rPr>
+              <a:t>if *@0010==</a:t>
+            </a:r>
+            <a:r>
+              <a:rPr lang="en-US" altLang="ko-KR" dirty="0" err="1">
+                <a:solidFill>
+                  <a:schemeClr val="bg1"/>
+                </a:solidFill>
+                <a:latin typeface="+mn-ea"/>
+              </a:rPr>
+              <a:t>UnSet#Alarm</a:t>
+            </a:r>
+            <a:r>
+              <a:rPr lang="en-US" altLang="ko-KR" dirty="0">
+                <a:solidFill>
+                  <a:schemeClr val="bg1"/>
+                </a:solidFill>
+                <a:latin typeface="+mn-ea"/>
+              </a:rPr>
+              <a:t> then </a:t>
+            </a:r>
+            <a:r>
+              <a:rPr lang="en-US" altLang="ko-KR" dirty="0" smtClean="0">
+                <a:solidFill>
+                  <a:schemeClr val="bg1"/>
+                </a:solidFill>
+                <a:latin typeface="+mn-ea"/>
+              </a:rPr>
+              <a:t>78:c4:e:1:7f:f9@0008=</a:t>
+            </a:r>
+            <a:r>
+              <a:rPr lang="en-US" altLang="ko-KR" dirty="0" err="1" smtClean="0">
+                <a:solidFill>
+                  <a:schemeClr val="bg1"/>
+                </a:solidFill>
+                <a:latin typeface="+mn-ea"/>
+              </a:rPr>
+              <a:t>Off#AlarmLamp</a:t>
+            </a:r>
+            <a:endParaRPr lang="en-US" altLang="ko-KR" dirty="0">
               <a:solidFill>
                 <a:schemeClr val="bg1"/>
               </a:solidFill>
@@ -5248,73 +5127,7 @@
             <a:pPr marL="0" indent="0">
               <a:defRPr lang="ko-KR" altLang="en-US"/>
             </a:pPr>
-            <a:r>
-              <a:rPr lang="en-US" altLang="ko-KR" b="1" dirty="0">
-                <a:solidFill>
-                  <a:schemeClr val="bg1"/>
-                </a:solidFill>
-                <a:latin typeface="+mn-ea"/>
-              </a:rPr>
-              <a:t>See? What do you see? You can add rule on runtime. Let imagine you buy new SA node which has air-conditioner controller.  You can add rules like this. Now our </a:t>
-            </a:r>
-            <a:r>
-              <a:rPr lang="en-US" altLang="ko-KR" b="1" dirty="0" err="1">
-                <a:solidFill>
-                  <a:schemeClr val="bg1"/>
-                </a:solidFill>
-                <a:latin typeface="+mn-ea"/>
-              </a:rPr>
-              <a:t>IoTMS</a:t>
-            </a:r>
-            <a:r>
-              <a:rPr lang="en-US" altLang="ko-KR" b="1" dirty="0">
-                <a:solidFill>
-                  <a:schemeClr val="bg1"/>
-                </a:solidFill>
-                <a:latin typeface="+mn-ea"/>
-              </a:rPr>
-              <a:t> play temperature controller </a:t>
-            </a:r>
-          </a:p>
-          <a:p>
-            <a:pPr marL="0" indent="0">
-              <a:defRPr lang="ko-KR" altLang="en-US"/>
-            </a:pPr>
-            <a:endParaRPr lang="en-US" altLang="ko-KR" b="1" dirty="0">
-              <a:solidFill>
-                <a:schemeClr val="bg1"/>
-              </a:solidFill>
-              <a:latin typeface="+mn-ea"/>
-            </a:endParaRPr>
-          </a:p>
-          <a:p>
-            <a:r>
-              <a:rPr lang="en-US" altLang="ko-KR" b="1" dirty="0">
-                <a:solidFill>
-                  <a:schemeClr val="bg1"/>
-                </a:solidFill>
-                <a:latin typeface="+mn-ea"/>
-              </a:rPr>
-              <a:t>If somebody home and temperator is over 30 degree, turn on Air conditioner. </a:t>
-            </a:r>
-            <a:endParaRPr lang="ko-KR" altLang="ko-KR" b="1" dirty="0">
-              <a:solidFill>
-                <a:schemeClr val="bg1"/>
-              </a:solidFill>
-              <a:latin typeface="+mn-ea"/>
-            </a:endParaRPr>
-          </a:p>
-          <a:p>
-            <a:r>
-              <a:rPr lang="en-US" altLang="ko-KR" b="1" dirty="0">
-                <a:solidFill>
-                  <a:schemeClr val="bg1"/>
-                </a:solidFill>
-                <a:latin typeface="+mn-ea"/>
-              </a:rPr>
-              <a:t>If somebody home and temperator is under 18 degree, turn off Air conditiner. </a:t>
-            </a:r>
-            <a:endParaRPr lang="ko-KR" altLang="ko-KR" b="1" dirty="0">
+            <a:endParaRPr lang="en-US" altLang="ko-KR" dirty="0" smtClean="0">
               <a:solidFill>
                 <a:schemeClr val="bg1"/>
               </a:solidFill>
@@ -5354,7 +5167,7 @@
     </p:spTree>
     <p:extLst>
       <p:ext uri="{BB962C8B-B14F-4D97-AF65-F5344CB8AC3E}">
-        <p14:creationId xmlns:p14="http://schemas.microsoft.com/office/powerpoint/2010/main" val="2774080251"/>
+        <p14:creationId xmlns:p14="http://schemas.microsoft.com/office/powerpoint/2010/main" val="3761589918"/>
       </p:ext>
     </p:extLst>
   </p:cSld>
@@ -5467,7 +5280,11 @@
             </a:pPr>
             <a:r>
               <a:rPr lang="en-US" altLang="ko-KR" dirty="0" smtClean="0"/>
-              <a:t>Demo Scenario</a:t>
+              <a:t>Demo </a:t>
+            </a:r>
+            <a:r>
+              <a:rPr lang="en-US" altLang="ko-KR" dirty="0" smtClean="0"/>
+              <a:t>Scenario - 12</a:t>
             </a:r>
             <a:endParaRPr lang="ko-KR" altLang="en-US" dirty="0"/>
           </a:p>
@@ -5513,25 +5330,7 @@
                 </a:solidFill>
                 <a:latin typeface="+mn-ea"/>
               </a:rPr>
-              <a:t>Add </a:t>
-            </a:r>
-            <a:r>
-              <a:rPr lang="en-US" altLang="ko-KR" sz="2400" b="1" dirty="0" smtClean="0">
-                <a:solidFill>
-                  <a:schemeClr val="bg1"/>
-                </a:solidFill>
-                <a:latin typeface="+mn-ea"/>
-              </a:rPr>
-              <a:t>Invalid Rule</a:t>
-            </a:r>
-            <a:r>
-              <a:rPr lang="en-US" altLang="ko-KR" sz="2400" b="1" dirty="0" smtClean="0">
-                <a:solidFill>
-                  <a:schemeClr val="bg1"/>
-                </a:solidFill>
-                <a:latin typeface="+mn-ea"/>
-              </a:rPr>
-              <a:t>]</a:t>
+              <a:t>Show Logs]</a:t>
             </a:r>
           </a:p>
           <a:p>
@@ -5550,102 +5349,20 @@
               <a:defRPr lang="ko-KR" altLang="en-US"/>
             </a:pPr>
             <a:r>
-              <a:rPr lang="en-US" altLang="ko-KR" b="1" dirty="0">
-                <a:solidFill>
-                  <a:schemeClr val="bg1"/>
-                </a:solidFill>
-                <a:latin typeface="+mn-ea"/>
-              </a:rPr>
-              <a:t>Since </a:t>
-            </a:r>
-            <a:r>
-              <a:rPr lang="en-US" altLang="ko-KR" b="1" dirty="0" err="1">
-                <a:solidFill>
-                  <a:schemeClr val="bg1"/>
-                </a:solidFill>
-                <a:latin typeface="+mn-ea"/>
-              </a:rPr>
-              <a:t>IoTMS</a:t>
-            </a:r>
-            <a:r>
-              <a:rPr lang="en-US" altLang="ko-KR" b="1" dirty="0">
-                <a:solidFill>
-                  <a:schemeClr val="bg1"/>
-                </a:solidFill>
-                <a:latin typeface="+mn-ea"/>
-              </a:rPr>
-              <a:t> allow user to add rule, there is always possibility to add conflict rule. </a:t>
-            </a:r>
-            <a:r>
-              <a:rPr lang="en-US" altLang="ko-KR" b="1" dirty="0">
-                <a:solidFill>
-                  <a:schemeClr val="bg1"/>
-                </a:solidFill>
-                <a:latin typeface="+mn-ea"/>
-              </a:rPr>
-              <a:t>s</a:t>
-            </a:r>
-            <a:r>
-              <a:rPr lang="en-US" altLang="ko-KR" b="1" dirty="0">
-                <a:solidFill>
-                  <a:schemeClr val="bg1"/>
-                </a:solidFill>
-                <a:latin typeface="+mn-ea"/>
-              </a:rPr>
-              <a:t>uch as</a:t>
+              <a:rPr lang="en-US" altLang="ko-KR" b="1" dirty="0" smtClean="0">
+                <a:solidFill>
+                  <a:schemeClr val="bg1"/>
+                </a:solidFill>
+                <a:latin typeface="+mn-ea"/>
+              </a:rPr>
+              <a:t>Message List – Search</a:t>
             </a:r>
           </a:p>
           <a:p>
             <a:pPr marL="0" indent="0">
               <a:defRPr lang="ko-KR" altLang="en-US"/>
             </a:pPr>
-            <a:r>
-              <a:rPr lang="en-US" altLang="ko-KR" b="1" dirty="0" smtClean="0">
-                <a:solidFill>
-                  <a:schemeClr val="bg1"/>
-                </a:solidFill>
-                <a:latin typeface="+mn-ea"/>
-              </a:rPr>
-              <a:t>‘Open door if somebody home’ even another rule (somebody home, close door) is already exist . </a:t>
-            </a:r>
-          </a:p>
-          <a:p>
-            <a:pPr marL="0" indent="0">
-              <a:defRPr lang="ko-KR" altLang="en-US"/>
-            </a:pPr>
-            <a:r>
-              <a:rPr lang="en-US" altLang="ko-KR" b="1" dirty="0" err="1" smtClean="0">
-                <a:solidFill>
-                  <a:schemeClr val="bg1"/>
-                </a:solidFill>
-                <a:latin typeface="+mn-ea"/>
-              </a:rPr>
-              <a:t>IoTMS</a:t>
-            </a:r>
-            <a:r>
-              <a:rPr lang="en-US" altLang="ko-KR" b="1" dirty="0">
-                <a:solidFill>
-                  <a:schemeClr val="bg1"/>
-                </a:solidFill>
-                <a:latin typeface="+mn-ea"/>
-              </a:rPr>
-              <a:t> </a:t>
-            </a:r>
-            <a:r>
-              <a:rPr lang="en-US" altLang="ko-KR" b="1" dirty="0" smtClean="0">
-                <a:solidFill>
-                  <a:schemeClr val="bg1"/>
-                </a:solidFill>
-                <a:latin typeface="+mn-ea"/>
-              </a:rPr>
-              <a:t>analyze rule and prevent user to add invalid rule. </a:t>
-            </a:r>
-          </a:p>
-          <a:p>
-            <a:pPr marL="0" indent="0">
-              <a:defRPr lang="ko-KR" altLang="en-US"/>
-            </a:pPr>
-            <a:endParaRPr lang="en-US" altLang="ko-KR" b="1" dirty="0" smtClean="0">
+            <a:endParaRPr lang="en-US" altLang="ko-KR" b="1" dirty="0">
               <a:solidFill>
                 <a:schemeClr val="bg1"/>
               </a:solidFill>
@@ -5663,9 +5380,14 @@
                 </a:solidFill>
                 <a:latin typeface="+mn-ea"/>
               </a:rPr>
-              <a:t>new</a:t>
-            </a:r>
-            <a:endParaRPr lang="en-US" altLang="ko-KR" b="1" dirty="0" smtClean="0">
+              <a:t>Event History - Search</a:t>
+            </a:r>
+          </a:p>
+          <a:p>
+            <a:pPr marL="0" indent="0">
+              <a:defRPr lang="ko-KR" altLang="en-US"/>
+            </a:pPr>
+            <a:endParaRPr lang="en-US" altLang="ko-KR" sz="1400" b="1" dirty="0">
               <a:solidFill>
                 <a:schemeClr val="bg1"/>
               </a:solidFill>
@@ -5673,140 +5395,10 @@
             </a:endParaRPr>
           </a:p>
           <a:p>
-            <a:pPr algn="ctr"/>
-            <a:r>
-              <a:rPr lang="en-US" altLang="ko-KR" dirty="0">
-                <a:solidFill>
-                  <a:schemeClr val="bg1"/>
-                </a:solidFill>
-                <a:latin typeface="+mn-ea"/>
-              </a:rPr>
-              <a:t>if *@0010==</a:t>
-            </a:r>
-            <a:r>
-              <a:rPr lang="en-US" altLang="ko-KR" dirty="0" err="1">
-                <a:solidFill>
-                  <a:schemeClr val="bg1"/>
-                </a:solidFill>
-                <a:latin typeface="+mn-ea"/>
-              </a:rPr>
-              <a:t>UnSet#Alarm</a:t>
-            </a:r>
-            <a:r>
-              <a:rPr lang="en-US" altLang="ko-KR" dirty="0">
-                <a:solidFill>
-                  <a:schemeClr val="bg1"/>
-                </a:solidFill>
-                <a:latin typeface="+mn-ea"/>
-              </a:rPr>
-              <a:t> then 78:c4:e:1:7f:f9@0008=</a:t>
-            </a:r>
-            <a:r>
-              <a:rPr lang="en-US" altLang="ko-KR" dirty="0" err="1">
-                <a:solidFill>
-                  <a:schemeClr val="bg1"/>
-                </a:solidFill>
-                <a:latin typeface="+mn-ea"/>
-              </a:rPr>
-              <a:t>On#AlarmLamp</a:t>
-            </a:r>
-            <a:endParaRPr lang="en-US" altLang="ko-KR" dirty="0">
-              <a:solidFill>
-                <a:schemeClr val="bg1"/>
-              </a:solidFill>
-              <a:latin typeface="+mn-ea"/>
-            </a:endParaRPr>
-          </a:p>
-          <a:p>
             <a:pPr marL="0" indent="0">
               <a:defRPr lang="ko-KR" altLang="en-US"/>
             </a:pPr>
-            <a:endParaRPr lang="en-US" altLang="ko-KR" b="1" dirty="0" smtClean="0">
-              <a:solidFill>
-                <a:schemeClr val="bg1"/>
-              </a:solidFill>
-              <a:latin typeface="+mn-ea"/>
-            </a:endParaRPr>
-          </a:p>
-          <a:p>
-            <a:pPr marL="0" indent="0">
-              <a:defRPr lang="ko-KR" altLang="en-US"/>
-            </a:pPr>
-            <a:r>
-              <a:rPr lang="en-US" altLang="ko-KR" b="1" dirty="0" smtClean="0">
-                <a:solidFill>
-                  <a:schemeClr val="bg1"/>
-                </a:solidFill>
-                <a:latin typeface="+mn-ea"/>
-              </a:rPr>
-              <a:t>exist</a:t>
-            </a:r>
-            <a:endParaRPr lang="en-US" altLang="ko-KR" b="1" dirty="0" smtClean="0">
-              <a:solidFill>
-                <a:schemeClr val="bg1"/>
-              </a:solidFill>
-              <a:latin typeface="+mn-ea"/>
-            </a:endParaRPr>
-          </a:p>
-          <a:p>
-            <a:pPr algn="ctr"/>
-            <a:r>
-              <a:rPr lang="en-US" altLang="ko-KR" dirty="0">
-                <a:solidFill>
-                  <a:schemeClr val="bg1"/>
-                </a:solidFill>
-                <a:latin typeface="+mn-ea"/>
-              </a:rPr>
-              <a:t>if *@0010==</a:t>
-            </a:r>
-            <a:r>
-              <a:rPr lang="en-US" altLang="ko-KR" dirty="0" err="1">
-                <a:solidFill>
-                  <a:schemeClr val="bg1"/>
-                </a:solidFill>
-                <a:latin typeface="+mn-ea"/>
-              </a:rPr>
-              <a:t>UnSet#Alarm</a:t>
-            </a:r>
-            <a:r>
-              <a:rPr lang="en-US" altLang="ko-KR" dirty="0">
-                <a:solidFill>
-                  <a:schemeClr val="bg1"/>
-                </a:solidFill>
-                <a:latin typeface="+mn-ea"/>
-              </a:rPr>
-              <a:t> then </a:t>
-            </a:r>
-            <a:r>
-              <a:rPr lang="en-US" altLang="ko-KR" dirty="0" smtClean="0">
-                <a:solidFill>
-                  <a:schemeClr val="bg1"/>
-                </a:solidFill>
-                <a:latin typeface="+mn-ea"/>
-              </a:rPr>
-              <a:t>78:c4:e:1:7f:f9@0008=</a:t>
-            </a:r>
-            <a:r>
-              <a:rPr lang="en-US" altLang="ko-KR" dirty="0" err="1" smtClean="0">
-                <a:solidFill>
-                  <a:schemeClr val="bg1"/>
-                </a:solidFill>
-                <a:latin typeface="+mn-ea"/>
-              </a:rPr>
-              <a:t>Off#AlarmLamp</a:t>
-            </a:r>
-            <a:endParaRPr lang="en-US" altLang="ko-KR" dirty="0">
-              <a:solidFill>
-                <a:schemeClr val="bg1"/>
-              </a:solidFill>
-              <a:latin typeface="+mn-ea"/>
-            </a:endParaRPr>
-          </a:p>
-          <a:p>
-            <a:pPr marL="0" indent="0">
-              <a:defRPr lang="ko-KR" altLang="en-US"/>
-            </a:pPr>
-            <a:endParaRPr lang="en-US" altLang="ko-KR" dirty="0" smtClean="0">
+            <a:endParaRPr lang="en-US" altLang="ko-KR" sz="1400" b="1" dirty="0" smtClean="0">
               <a:solidFill>
                 <a:schemeClr val="bg1"/>
               </a:solidFill>
@@ -5846,7 +5438,7 @@
     </p:spTree>
     <p:extLst>
       <p:ext uri="{BB962C8B-B14F-4D97-AF65-F5344CB8AC3E}">
-        <p14:creationId xmlns:p14="http://schemas.microsoft.com/office/powerpoint/2010/main" val="3761589918"/>
+        <p14:creationId xmlns:p14="http://schemas.microsoft.com/office/powerpoint/2010/main" val="1443494724"/>
       </p:ext>
     </p:extLst>
   </p:cSld>
@@ -5883,59 +5475,6 @@
       </p:grpSpPr>
       <p:sp>
         <p:nvSpPr>
-          <p:cNvPr id="5" name="직사각형 4"/>
-          <p:cNvSpPr/>
-          <p:nvPr/>
-        </p:nvSpPr>
-        <p:spPr>
-          <a:xfrm>
-            <a:off x="251520" y="836712"/>
-            <a:ext cx="8712968" cy="5877272"/>
-          </a:xfrm>
-          <a:prstGeom prst="rect">
-            <a:avLst/>
-          </a:prstGeom>
-          <a:solidFill>
-            <a:schemeClr val="tx1"/>
-          </a:solidFill>
-          <a:ln w="9525">
-            <a:solidFill>
-              <a:schemeClr val="tx1"/>
-            </a:solidFill>
-          </a:ln>
-        </p:spPr>
-        <p:style>
-          <a:lnRef idx="2">
-            <a:schemeClr val="accent1">
-              <a:shade val="50000"/>
-            </a:schemeClr>
-          </a:lnRef>
-          <a:fillRef idx="1">
-            <a:schemeClr val="accent1"/>
-          </a:fillRef>
-          <a:effectRef idx="0">
-            <a:schemeClr val="accent1"/>
-          </a:effectRef>
-          <a:fontRef idx="minor">
-            <a:schemeClr val="lt1"/>
-          </a:fontRef>
-        </p:style>
-        <p:txBody>
-          <a:bodyPr rtlCol="0" anchor="ctr"/>
-          <a:lstStyle/>
-          <a:p>
-            <a:pPr algn="ctr"/>
-            <a:endParaRPr lang="ko-KR" altLang="en-US" sz="1600" dirty="0">
-              <a:solidFill>
-                <a:schemeClr val="bg1"/>
-              </a:solidFill>
-              <a:latin typeface="+mn-ea"/>
-            </a:endParaRPr>
-          </a:p>
-        </p:txBody>
-      </p:sp>
-      <p:sp>
-        <p:nvSpPr>
           <p:cNvPr id="2" name="제목 1"/>
           <p:cNvSpPr>
             <a:spLocks noGrp="1"/>
@@ -5944,22 +5483,14 @@
             <p:ph type="title"/>
           </p:nvPr>
         </p:nvSpPr>
-        <p:spPr>
-          <a:xfrm>
-            <a:off x="243086" y="116632"/>
-            <a:ext cx="8361362" cy="658745"/>
-          </a:xfrm>
-        </p:spPr>
+        <p:spPr/>
         <p:txBody>
           <a:bodyPr/>
           <a:lstStyle/>
           <a:p>
-            <a:pPr lvl="0">
-              <a:defRPr lang="ko-KR" altLang="en-US"/>
-            </a:pPr>
             <a:r>
               <a:rPr lang="en-US" altLang="ko-KR" dirty="0" smtClean="0"/>
-              <a:t>Demo Scenario</a:t>
+              <a:t>Rule example</a:t>
             </a:r>
             <a:endParaRPr lang="ko-KR" altLang="en-US" dirty="0"/>
           </a:p>
@@ -5975,116 +5506,12 @@
             <p:ph type="body" sz="quarter" idx="10"/>
           </p:nvPr>
         </p:nvSpPr>
-        <p:spPr>
-          <a:xfrm>
-            <a:off x="719572" y="836712"/>
-            <a:ext cx="8172908" cy="5805264"/>
-          </a:xfrm>
-        </p:spPr>
+        <p:spPr/>
         <p:txBody>
           <a:bodyPr/>
           <a:lstStyle/>
           <a:p>
-            <a:pPr marL="457200" indent="-457200">
-              <a:defRPr lang="ko-KR" altLang="en-US"/>
-            </a:pPr>
-            <a:r>
-              <a:rPr lang="en-US" altLang="ko-KR" sz="2400" b="1" dirty="0" smtClean="0">
-                <a:solidFill>
-                  <a:schemeClr val="bg1"/>
-                </a:solidFill>
-                <a:latin typeface="+mn-ea"/>
-                <a:ea typeface="+mn-ea"/>
-              </a:rPr>
-              <a:t>[</a:t>
-            </a:r>
-            <a:r>
-              <a:rPr lang="en-US" altLang="ko-KR" sz="2400" b="1" dirty="0" smtClean="0">
-                <a:solidFill>
-                  <a:schemeClr val="bg1"/>
-                </a:solidFill>
-                <a:latin typeface="+mn-ea"/>
-              </a:rPr>
-              <a:t>Show Logs]</a:t>
-            </a:r>
-            <a:endParaRPr lang="en-US" altLang="ko-KR" sz="2400" b="1" dirty="0" smtClean="0">
-              <a:solidFill>
-                <a:schemeClr val="bg1"/>
-              </a:solidFill>
-              <a:latin typeface="+mn-ea"/>
-            </a:endParaRPr>
-          </a:p>
-          <a:p>
-            <a:pPr marL="0" indent="0">
-              <a:defRPr lang="ko-KR" altLang="en-US"/>
-            </a:pPr>
-            <a:endParaRPr lang="en-US" altLang="ko-KR" sz="1400" b="1" dirty="0" smtClean="0">
-              <a:solidFill>
-                <a:schemeClr val="bg1"/>
-              </a:solidFill>
-              <a:latin typeface="+mn-ea"/>
-            </a:endParaRPr>
-          </a:p>
-          <a:p>
-            <a:pPr marL="0" indent="0">
-              <a:defRPr lang="ko-KR" altLang="en-US"/>
-            </a:pPr>
-            <a:r>
-              <a:rPr lang="en-US" altLang="ko-KR" b="1" dirty="0" smtClean="0">
-                <a:solidFill>
-                  <a:schemeClr val="bg1"/>
-                </a:solidFill>
-                <a:latin typeface="+mn-ea"/>
-              </a:rPr>
-              <a:t>Message List – Search</a:t>
-            </a:r>
-          </a:p>
-          <a:p>
-            <a:pPr marL="0" indent="0">
-              <a:defRPr lang="ko-KR" altLang="en-US"/>
-            </a:pPr>
-            <a:endParaRPr lang="en-US" altLang="ko-KR" b="1" dirty="0">
-              <a:solidFill>
-                <a:schemeClr val="bg1"/>
-              </a:solidFill>
-              <a:latin typeface="+mn-ea"/>
-            </a:endParaRPr>
-          </a:p>
-          <a:p>
-            <a:pPr marL="0" indent="0">
-              <a:defRPr lang="ko-KR" altLang="en-US"/>
-            </a:pPr>
-            <a:r>
-              <a:rPr lang="en-US" altLang="ko-KR" b="1" dirty="0" smtClean="0">
-                <a:solidFill>
-                  <a:schemeClr val="bg1"/>
-                </a:solidFill>
-                <a:latin typeface="+mn-ea"/>
-              </a:rPr>
-              <a:t>Event History - Search</a:t>
-            </a:r>
-          </a:p>
-          <a:p>
-            <a:pPr marL="0" indent="0">
-              <a:defRPr lang="ko-KR" altLang="en-US"/>
-            </a:pPr>
-            <a:endParaRPr lang="en-US" altLang="ko-KR" sz="1400" b="1" dirty="0">
-              <a:solidFill>
-                <a:schemeClr val="bg1"/>
-              </a:solidFill>
-              <a:latin typeface="+mn-ea"/>
-            </a:endParaRPr>
-          </a:p>
-          <a:p>
-            <a:pPr marL="0" indent="0">
-              <a:defRPr lang="ko-KR" altLang="en-US"/>
-            </a:pPr>
-            <a:endParaRPr lang="en-US" altLang="ko-KR" sz="1400" b="1" dirty="0" smtClean="0">
-              <a:solidFill>
-                <a:schemeClr val="bg1"/>
-              </a:solidFill>
-              <a:latin typeface="+mn-ea"/>
-            </a:endParaRPr>
+            <a:endParaRPr lang="ko-KR" altLang="en-US" dirty="0"/>
           </a:p>
         </p:txBody>
       </p:sp>
@@ -6107,114 +5534,6 @@
               <a:rPr lang="ko-KR" altLang="en-US" smtClean="0"/>
               <a:pPr/>
               <a:t>14</a:t>
-            </a:fld>
-            <a:r>
-              <a:rPr lang="en-US" altLang="ko-KR" dirty="0" smtClean="0"/>
-              <a:t>/32</a:t>
-            </a:r>
-            <a:endParaRPr lang="ko-KR" altLang="en-US" dirty="0"/>
-          </a:p>
-        </p:txBody>
-      </p:sp>
-    </p:spTree>
-    <p:extLst>
-      <p:ext uri="{BB962C8B-B14F-4D97-AF65-F5344CB8AC3E}">
-        <p14:creationId xmlns:p14="http://schemas.microsoft.com/office/powerpoint/2010/main" val="1443494724"/>
-      </p:ext>
-    </p:extLst>
-  </p:cSld>
-  <p:clrMapOvr>
-    <a:masterClrMapping/>
-  </p:clrMapOvr>
-  <p:transition/>
-  <p:timing>
-    <p:tnLst>
-      <p:par>
-        <p:cTn id="1" dur="indefinite" restart="never" nodeType="tmRoot"/>
-      </p:par>
-    </p:tnLst>
-  </p:timing>
-</p:sld>
-</file>
-
-<file path=ppt/slides/slide15.xml><?xml version="1.0" encoding="utf-8"?>
-<p:sld xmlns:a="http://schemas.openxmlformats.org/drawingml/2006/main" xmlns:r="http://schemas.openxmlformats.org/officeDocument/2006/relationships" xmlns:p="http://schemas.openxmlformats.org/presentationml/2006/main">
-  <p:cSld>
-    <p:spTree>
-      <p:nvGrpSpPr>
-        <p:cNvPr id="1" name=""/>
-        <p:cNvGrpSpPr/>
-        <p:nvPr/>
-      </p:nvGrpSpPr>
-      <p:grpSpPr>
-        <a:xfrm>
-          <a:off x="0" y="0"/>
-          <a:ext cx="0" cy="0"/>
-          <a:chOff x="0" y="0"/>
-          <a:chExt cx="0" cy="0"/>
-        </a:xfrm>
-      </p:grpSpPr>
-      <p:sp>
-        <p:nvSpPr>
-          <p:cNvPr id="2" name="제목 1"/>
-          <p:cNvSpPr>
-            <a:spLocks noGrp="1"/>
-          </p:cNvSpPr>
-          <p:nvPr>
-            <p:ph type="title"/>
-          </p:nvPr>
-        </p:nvSpPr>
-        <p:spPr/>
-        <p:txBody>
-          <a:bodyPr/>
-          <a:lstStyle/>
-          <a:p>
-            <a:r>
-              <a:rPr lang="en-US" altLang="ko-KR" dirty="0" smtClean="0"/>
-              <a:t>Rule example</a:t>
-            </a:r>
-            <a:endParaRPr lang="ko-KR" altLang="en-US" dirty="0"/>
-          </a:p>
-        </p:txBody>
-      </p:sp>
-      <p:sp>
-        <p:nvSpPr>
-          <p:cNvPr id="3" name="텍스트 개체 틀 2"/>
-          <p:cNvSpPr>
-            <a:spLocks noGrp="1"/>
-          </p:cNvSpPr>
-          <p:nvPr>
-            <p:ph type="body" sz="quarter" idx="10"/>
-          </p:nvPr>
-        </p:nvSpPr>
-        <p:spPr/>
-        <p:txBody>
-          <a:bodyPr/>
-          <a:lstStyle/>
-          <a:p>
-            <a:endParaRPr lang="ko-KR" altLang="en-US" dirty="0"/>
-          </a:p>
-        </p:txBody>
-      </p:sp>
-      <p:sp>
-        <p:nvSpPr>
-          <p:cNvPr id="4" name="슬라이드 번호 개체 틀 3"/>
-          <p:cNvSpPr>
-            <a:spLocks noGrp="1"/>
-          </p:cNvSpPr>
-          <p:nvPr>
-            <p:ph type="sldNum" sz="quarter" idx="11"/>
-          </p:nvPr>
-        </p:nvSpPr>
-        <p:spPr/>
-        <p:txBody>
-          <a:bodyPr/>
-          <a:lstStyle/>
-          <a:p>
-            <a:fld id="{887F5A62-5D57-4BBA-9485-2C5A6728F77D}" type="slidenum">
-              <a:rPr lang="ko-KR" altLang="en-US" smtClean="0"/>
-              <a:pPr/>
-              <a:t>15</a:t>
             </a:fld>
             <a:r>
               <a:rPr lang="en-US" altLang="ko-KR" smtClean="0"/>
@@ -6509,7 +5828,11 @@
             </a:pPr>
             <a:r>
               <a:rPr lang="en-US" altLang="ko-KR" dirty="0" smtClean="0"/>
-              <a:t>Demo Scenario</a:t>
+              <a:t>Demo </a:t>
+            </a:r>
+            <a:r>
+              <a:rPr lang="en-US" altLang="ko-KR" dirty="0" smtClean="0"/>
+              <a:t>Scenario - 1</a:t>
             </a:r>
             <a:endParaRPr lang="ko-KR" altLang="en-US" dirty="0"/>
           </a:p>
@@ -6528,7 +5851,7 @@
         <p:spPr>
           <a:xfrm>
             <a:off x="719572" y="836712"/>
-            <a:ext cx="7452828" cy="5805264"/>
+            <a:ext cx="8172908" cy="5805264"/>
           </a:xfrm>
         </p:spPr>
         <p:txBody>
@@ -6539,380 +5862,29 @@
               <a:defRPr lang="ko-KR" altLang="en-US"/>
             </a:pPr>
             <a:r>
-              <a:rPr lang="en-US" altLang="ko-KR" sz="1600" b="1" dirty="0" smtClean="0">
+              <a:rPr lang="en-US" altLang="ko-KR" sz="2400" b="1" dirty="0" smtClean="0">
+                <a:solidFill>
+                  <a:schemeClr val="bg1"/>
+                </a:solidFill>
+                <a:latin typeface="+mn-ea"/>
+              </a:rPr>
+              <a:t>[Log in</a:t>
+            </a:r>
+            <a:r>
+              <a:rPr lang="en-US" altLang="ko-KR" sz="2400" b="1" dirty="0" smtClean="0">
                 <a:solidFill>
                   <a:schemeClr val="bg1"/>
                 </a:solidFill>
                 <a:latin typeface="+mn-ea"/>
                 <a:ea typeface="+mn-ea"/>
               </a:rPr>
-              <a:t>1</a:t>
-            </a:r>
-            <a:r>
-              <a:rPr lang="en-US" altLang="ko-KR" sz="1400" b="1" dirty="0" smtClean="0">
-                <a:solidFill>
-                  <a:schemeClr val="bg1"/>
-                </a:solidFill>
-                <a:latin typeface="+mn-ea"/>
-                <a:ea typeface="+mn-ea"/>
-              </a:rPr>
-              <a:t>. User Login</a:t>
+              <a:t>]</a:t>
             </a:r>
           </a:p>
           <a:p>
             <a:pPr marL="457200" indent="-457200">
               <a:defRPr lang="ko-KR" altLang="en-US"/>
             </a:pPr>
-            <a:r>
-              <a:rPr lang="en-US" altLang="ko-KR" sz="1400" b="1" dirty="0" smtClean="0">
-                <a:solidFill>
-                  <a:schemeClr val="bg1"/>
-                </a:solidFill>
-                <a:latin typeface="+mn-ea"/>
-                <a:ea typeface="+mn-ea"/>
-              </a:rPr>
-              <a:t>2. Add Home Node</a:t>
-            </a:r>
-          </a:p>
-          <a:p>
-            <a:pPr marL="1028700" lvl="1" indent="-457200">
-              <a:buNone/>
-              <a:defRPr lang="ko-KR" altLang="en-US"/>
-            </a:pPr>
-            <a:r>
-              <a:rPr lang="en-US" altLang="ko-KR" sz="1400" dirty="0" smtClean="0">
-                <a:solidFill>
-                  <a:schemeClr val="bg1"/>
-                </a:solidFill>
-                <a:latin typeface="+mn-ea"/>
-                <a:ea typeface="+mn-ea"/>
-              </a:rPr>
-              <a:t>1. Discover (SA Node home)</a:t>
-            </a:r>
-          </a:p>
-          <a:p>
-            <a:pPr marL="1028700" lvl="1" indent="-457200">
-              <a:buNone/>
-              <a:defRPr lang="ko-KR" altLang="en-US"/>
-            </a:pPr>
-            <a:r>
-              <a:rPr lang="en-US" altLang="ko-KR" sz="1400" dirty="0" smtClean="0">
-                <a:solidFill>
-                  <a:schemeClr val="bg1"/>
-                </a:solidFill>
-                <a:latin typeface="+mn-ea"/>
-                <a:ea typeface="+mn-ea"/>
-              </a:rPr>
-              <a:t>2. Register (Serial Number for Security)</a:t>
-            </a:r>
-          </a:p>
-          <a:p>
-            <a:pPr marL="457200" indent="-457200">
-              <a:defRPr lang="ko-KR" altLang="en-US"/>
-            </a:pPr>
-            <a:r>
-              <a:rPr lang="en-US" altLang="ko-KR" sz="1400" b="1" dirty="0" smtClean="0">
-                <a:solidFill>
-                  <a:schemeClr val="bg1"/>
-                </a:solidFill>
-                <a:latin typeface="+mn-ea"/>
-                <a:ea typeface="+mn-ea"/>
-              </a:rPr>
-              <a:t>3. Home Node Event Update</a:t>
-            </a:r>
-          </a:p>
-          <a:p>
-            <a:pPr marL="1028700" lvl="1" indent="-457200">
-              <a:buNone/>
-              <a:defRPr lang="ko-KR" altLang="en-US"/>
-            </a:pPr>
-            <a:r>
-              <a:rPr lang="en-US" altLang="ko-KR" sz="1400" dirty="0" smtClean="0">
-                <a:solidFill>
-                  <a:schemeClr val="bg1"/>
-                </a:solidFill>
-                <a:latin typeface="+mn-ea"/>
-                <a:ea typeface="+mn-ea"/>
-              </a:rPr>
-              <a:t>1. Door Open by alarm, Turn on the light</a:t>
-            </a:r>
-          </a:p>
-          <a:p>
-            <a:pPr marL="457200" indent="-457200">
-              <a:defRPr lang="ko-KR" altLang="en-US"/>
-            </a:pPr>
-            <a:r>
-              <a:rPr lang="en-US" altLang="ko-KR" sz="1400" b="1" dirty="0" smtClean="0">
-                <a:solidFill>
-                  <a:schemeClr val="bg1"/>
-                </a:solidFill>
-                <a:latin typeface="+mn-ea"/>
-                <a:ea typeface="+mn-ea"/>
-              </a:rPr>
-              <a:t>4. Add </a:t>
-            </a:r>
-            <a:r>
-              <a:rPr lang="en-US" altLang="ko-KR" sz="1400" b="1" dirty="0" err="1" smtClean="0">
-                <a:solidFill>
-                  <a:schemeClr val="bg1"/>
-                </a:solidFill>
-                <a:latin typeface="+mn-ea"/>
-              </a:rPr>
-              <a:t>MailBox</a:t>
-            </a:r>
-            <a:r>
-              <a:rPr lang="en-US" altLang="ko-KR" sz="1400" b="1" dirty="0" smtClean="0">
-                <a:solidFill>
-                  <a:schemeClr val="bg1"/>
-                </a:solidFill>
-                <a:latin typeface="+mn-ea"/>
-              </a:rPr>
-              <a:t> </a:t>
-            </a:r>
-            <a:r>
-              <a:rPr lang="en-US" altLang="ko-KR" sz="1400" b="1" dirty="0" smtClean="0">
-                <a:solidFill>
-                  <a:schemeClr val="bg1"/>
-                </a:solidFill>
-                <a:latin typeface="+mn-ea"/>
-                <a:ea typeface="+mn-ea"/>
-              </a:rPr>
-              <a:t>Node</a:t>
-            </a:r>
-          </a:p>
-          <a:p>
-            <a:pPr marL="457200" indent="-457200">
-              <a:defRPr lang="ko-KR" altLang="en-US"/>
-            </a:pPr>
-            <a:r>
-              <a:rPr lang="en-US" altLang="ko-KR" sz="1400" b="1" dirty="0" smtClean="0">
-                <a:solidFill>
-                  <a:schemeClr val="bg1"/>
-                </a:solidFill>
-                <a:latin typeface="+mn-ea"/>
-                <a:ea typeface="+mn-ea"/>
-              </a:rPr>
-              <a:t>5. </a:t>
-            </a:r>
-            <a:r>
-              <a:rPr lang="en-US" altLang="ko-KR" sz="1400" b="1" dirty="0" err="1">
-                <a:solidFill>
-                  <a:schemeClr val="bg1"/>
-                </a:solidFill>
-                <a:latin typeface="+mn-ea"/>
-              </a:rPr>
-              <a:t>MailBox</a:t>
-            </a:r>
-            <a:r>
-              <a:rPr lang="en-US" altLang="ko-KR" sz="1400" b="1" dirty="0">
-                <a:solidFill>
-                  <a:schemeClr val="bg1"/>
-                </a:solidFill>
-                <a:latin typeface="+mn-ea"/>
-              </a:rPr>
-              <a:t> </a:t>
-            </a:r>
-            <a:r>
-              <a:rPr lang="en-US" altLang="ko-KR" sz="1400" b="1" dirty="0" smtClean="0">
-                <a:solidFill>
-                  <a:schemeClr val="bg1"/>
-                </a:solidFill>
-                <a:latin typeface="+mn-ea"/>
-                <a:ea typeface="+mn-ea"/>
-              </a:rPr>
-              <a:t>Node Event Update</a:t>
-            </a:r>
-          </a:p>
-          <a:p>
-            <a:pPr marL="457200" indent="-457200">
-              <a:defRPr lang="ko-KR" altLang="en-US"/>
-            </a:pPr>
-            <a:r>
-              <a:rPr lang="en-US" altLang="ko-KR" sz="1400" b="1" dirty="0" smtClean="0">
-                <a:solidFill>
-                  <a:schemeClr val="bg1"/>
-                </a:solidFill>
-                <a:latin typeface="+mn-ea"/>
-                <a:ea typeface="+mn-ea"/>
-              </a:rPr>
-              <a:t>6. Away mode</a:t>
-            </a:r>
-          </a:p>
-          <a:p>
-            <a:pPr marL="1028700" lvl="1" indent="-457200">
-              <a:buNone/>
-              <a:defRPr lang="ko-KR" altLang="en-US"/>
-            </a:pPr>
-            <a:r>
-              <a:rPr lang="en-US" altLang="ko-KR" sz="1400" dirty="0" smtClean="0">
-                <a:solidFill>
-                  <a:schemeClr val="bg1"/>
-                </a:solidFill>
-                <a:latin typeface="+mn-ea"/>
-                <a:ea typeface="+mn-ea"/>
-              </a:rPr>
-              <a:t>1. Send Confirm Message (Twitter Phone)</a:t>
-            </a:r>
-          </a:p>
-          <a:p>
-            <a:pPr marL="1028700" lvl="1" indent="-457200">
-              <a:buNone/>
-              <a:defRPr lang="ko-KR" altLang="en-US"/>
-            </a:pPr>
-            <a:r>
-              <a:rPr lang="en-US" altLang="ko-KR" sz="1400" dirty="0" smtClean="0">
-                <a:solidFill>
-                  <a:schemeClr val="bg1"/>
-                </a:solidFill>
-                <a:latin typeface="+mn-ea"/>
-                <a:ea typeface="+mn-ea"/>
-              </a:rPr>
-              <a:t>2. Automatic Door Close, Light off</a:t>
-            </a:r>
-          </a:p>
-          <a:p>
-            <a:pPr marL="457200" indent="-457200">
-              <a:defRPr lang="ko-KR" altLang="en-US"/>
-            </a:pPr>
-            <a:r>
-              <a:rPr lang="en-US" altLang="ko-KR" sz="1400" b="1" dirty="0" smtClean="0">
-                <a:solidFill>
-                  <a:schemeClr val="bg1"/>
-                </a:solidFill>
-                <a:latin typeface="+mn-ea"/>
-                <a:ea typeface="+mn-ea"/>
-              </a:rPr>
-              <a:t>7. Secure mode : Human Break-in</a:t>
-            </a:r>
-          </a:p>
-          <a:p>
-            <a:pPr marL="1028700" lvl="1" indent="-457200">
-              <a:buNone/>
-              <a:defRPr lang="ko-KR" altLang="en-US"/>
-            </a:pPr>
-            <a:r>
-              <a:rPr lang="en-US" altLang="ko-KR" sz="1400" dirty="0" smtClean="0">
-                <a:solidFill>
-                  <a:schemeClr val="bg1"/>
-                </a:solidFill>
-                <a:latin typeface="+mn-ea"/>
-                <a:ea typeface="+mn-ea"/>
-              </a:rPr>
-              <a:t>1. Unknown coming in</a:t>
-            </a:r>
-          </a:p>
-          <a:p>
-            <a:pPr marL="1028700" lvl="1" indent="-457200">
-              <a:buNone/>
-              <a:defRPr lang="ko-KR" altLang="en-US"/>
-            </a:pPr>
-            <a:r>
-              <a:rPr lang="en-US" altLang="ko-KR" sz="1400" dirty="0" smtClean="0">
-                <a:solidFill>
-                  <a:schemeClr val="bg1"/>
-                </a:solidFill>
-                <a:latin typeface="+mn-ea"/>
-                <a:ea typeface="+mn-ea"/>
-              </a:rPr>
-              <a:t>2. Emergency message (Tweeter)</a:t>
-            </a:r>
-          </a:p>
-          <a:p>
-            <a:pPr marL="1028700" lvl="1" indent="-457200">
-              <a:buNone/>
-              <a:defRPr lang="ko-KR" altLang="en-US"/>
-            </a:pPr>
-            <a:r>
-              <a:rPr lang="en-US" altLang="ko-KR" sz="1400" dirty="0" smtClean="0">
-                <a:solidFill>
-                  <a:schemeClr val="bg1"/>
-                </a:solidFill>
-                <a:latin typeface="+mn-ea"/>
-                <a:ea typeface="+mn-ea"/>
-              </a:rPr>
-              <a:t>3. Turn off </a:t>
-            </a:r>
-            <a:r>
-              <a:rPr lang="en-US" altLang="ko-KR" sz="1400" dirty="0" smtClean="0">
-                <a:solidFill>
-                  <a:schemeClr val="bg1"/>
-                </a:solidFill>
-                <a:latin typeface="+mn-ea"/>
-                <a:ea typeface="+mn-ea"/>
-              </a:rPr>
-              <a:t>Alarm</a:t>
-            </a:r>
-          </a:p>
-          <a:p>
-            <a:pPr marL="457200" indent="-457200">
-              <a:defRPr lang="ko-KR" altLang="en-US"/>
-            </a:pPr>
-            <a:r>
-              <a:rPr lang="en-US" altLang="ko-KR" sz="1400" b="1" dirty="0">
-                <a:solidFill>
-                  <a:schemeClr val="bg1"/>
-                </a:solidFill>
-                <a:latin typeface="+mn-ea"/>
-              </a:rPr>
-              <a:t>Malfunction</a:t>
-            </a:r>
-          </a:p>
-          <a:p>
-            <a:pPr marL="1028700" lvl="1" indent="-457200">
-              <a:buAutoNum type="arabicPeriod"/>
-              <a:defRPr lang="ko-KR" altLang="en-US"/>
-            </a:pPr>
-            <a:r>
-              <a:rPr lang="en-US" altLang="ko-KR" sz="1400" dirty="0" smtClean="0">
-                <a:solidFill>
-                  <a:schemeClr val="bg1"/>
-                </a:solidFill>
-                <a:latin typeface="+mn-ea"/>
-              </a:rPr>
-              <a:t>Actuator </a:t>
-            </a:r>
-            <a:r>
-              <a:rPr lang="en-US" altLang="ko-KR" sz="1400" dirty="0">
-                <a:solidFill>
-                  <a:schemeClr val="bg1"/>
-                </a:solidFill>
-                <a:latin typeface="+mn-ea"/>
-              </a:rPr>
-              <a:t>(Door</a:t>
-            </a:r>
-            <a:r>
-              <a:rPr lang="en-US" altLang="ko-KR" sz="1400" dirty="0" smtClean="0">
-                <a:solidFill>
-                  <a:schemeClr val="bg1"/>
-                </a:solidFill>
-                <a:latin typeface="+mn-ea"/>
-              </a:rPr>
-              <a:t>)</a:t>
-            </a:r>
-          </a:p>
-          <a:p>
-            <a:pPr marL="1028700" lvl="1" indent="-457200">
-              <a:buAutoNum type="arabicPeriod"/>
-              <a:defRPr lang="ko-KR" altLang="en-US"/>
-            </a:pPr>
-            <a:r>
-              <a:rPr lang="en-US" altLang="ko-KR" sz="1400" dirty="0">
-                <a:solidFill>
-                  <a:schemeClr val="bg1"/>
-                </a:solidFill>
-                <a:latin typeface="+mn-ea"/>
-              </a:rPr>
-              <a:t>Sensor (Pin out </a:t>
-            </a:r>
-            <a:r>
-              <a:rPr lang="en-US" altLang="ko-KR" sz="1400" dirty="0" smtClean="0">
-                <a:solidFill>
-                  <a:schemeClr val="bg1"/>
-                </a:solidFill>
-                <a:latin typeface="+mn-ea"/>
-              </a:rPr>
-              <a:t>)</a:t>
-            </a:r>
             <a:endParaRPr lang="en-US" altLang="ko-KR" sz="1400" dirty="0" smtClean="0">
               <a:solidFill>
                 <a:schemeClr val="bg1"/>
@@ -6922,66 +5894,145 @@
             </a:endParaRPr>
           </a:p>
           <a:p>
-            <a:pPr marL="457200" indent="-457200">
-              <a:defRPr lang="ko-KR" altLang="en-US"/>
-            </a:pPr>
-            <a:r>
-              <a:rPr lang="en-US" altLang="ko-KR" sz="1400" b="1" dirty="0" smtClean="0">
+            <a:pPr marL="0" indent="0">
+              <a:lnSpc>
+                <a:spcPct val="150000"/>
+              </a:lnSpc>
+              <a:defRPr lang="ko-KR" altLang="en-US"/>
+            </a:pPr>
+            <a:r>
+              <a:rPr lang="en-US" altLang="ko-KR" b="1" dirty="0" smtClean="0">
                 <a:solidFill>
                   <a:schemeClr val="bg1"/>
                 </a:solidFill>
                 <a:latin typeface="+mn-ea"/>
                 <a:ea typeface="+mn-ea"/>
               </a:rPr>
-              <a:t>8. Add Rule</a:t>
-            </a:r>
-          </a:p>
-          <a:p>
-            <a:pPr marL="1028700" lvl="1" indent="-457200">
-              <a:buNone/>
-              <a:defRPr lang="ko-KR" altLang="en-US"/>
-            </a:pPr>
-            <a:r>
-              <a:rPr lang="en-US" altLang="ko-KR" sz="1400" dirty="0" smtClean="0">
+              <a:t>I am </a:t>
+            </a:r>
+            <a:r>
+              <a:rPr lang="en-US" altLang="ko-KR" b="1" dirty="0" err="1" smtClean="0">
                 <a:solidFill>
                   <a:schemeClr val="bg1"/>
                 </a:solidFill>
                 <a:latin typeface="+mn-ea"/>
                 <a:ea typeface="+mn-ea"/>
               </a:rPr>
-              <a:t>1. </a:t>
-            </a:r>
-            <a:r>
-              <a:rPr lang="en-US" altLang="ko-KR" sz="1400" dirty="0" smtClean="0">
+              <a:t>Bohyun</a:t>
+            </a:r>
+            <a:r>
+              <a:rPr lang="en-US" altLang="ko-KR" b="1" dirty="0" smtClean="0">
                 <a:solidFill>
                   <a:schemeClr val="bg1"/>
                 </a:solidFill>
                 <a:latin typeface="+mn-ea"/>
                 <a:ea typeface="+mn-ea"/>
               </a:rPr>
-              <a:t>if </a:t>
-            </a:r>
-            <a:r>
-              <a:rPr lang="en-US" altLang="ko-KR" sz="1400" dirty="0" smtClean="0">
+              <a:t>, Jung and I am going to show our quick demonstration, </a:t>
+            </a:r>
+          </a:p>
+          <a:p>
+            <a:pPr marL="0" indent="0">
+              <a:lnSpc>
+                <a:spcPct val="150000"/>
+              </a:lnSpc>
+              <a:defRPr lang="ko-KR" altLang="en-US"/>
+            </a:pPr>
+            <a:r>
+              <a:rPr lang="en-US" altLang="ko-KR" b="1" dirty="0" smtClean="0">
                 <a:solidFill>
                   <a:schemeClr val="bg1"/>
                 </a:solidFill>
                 <a:latin typeface="+mn-ea"/>
                 <a:ea typeface="+mn-ea"/>
               </a:rPr>
-              <a:t>mail </a:t>
-            </a:r>
-            <a:r>
-              <a:rPr lang="en-US" altLang="ko-KR" sz="1400" dirty="0" smtClean="0">
+              <a:t>Our demonstration start from very beginning, Install SA Node. </a:t>
+            </a:r>
+          </a:p>
+          <a:p>
+            <a:pPr marL="0" indent="0">
+              <a:lnSpc>
+                <a:spcPct val="150000"/>
+              </a:lnSpc>
+              <a:defRPr lang="ko-KR" altLang="en-US"/>
+            </a:pPr>
+            <a:r>
+              <a:rPr lang="en-US" altLang="ko-KR" b="1" dirty="0" smtClean="0">
                 <a:solidFill>
                   <a:schemeClr val="bg1"/>
                 </a:solidFill>
                 <a:latin typeface="+mn-ea"/>
                 <a:ea typeface="+mn-ea"/>
               </a:rPr>
-              <a:t>arrives, notify user</a:t>
-            </a:r>
-            <a:endParaRPr lang="en-US" altLang="ko-KR" sz="1400" dirty="0" smtClean="0">
+              <a:t>You can control SA Node via web browser or mobile phone . </a:t>
+            </a:r>
+          </a:p>
+          <a:p>
+            <a:pPr marL="0" indent="0">
+              <a:lnSpc>
+                <a:spcPct val="150000"/>
+              </a:lnSpc>
+              <a:defRPr lang="ko-KR" altLang="en-US"/>
+            </a:pPr>
+            <a:r>
+              <a:rPr lang="en-US" altLang="ko-KR" b="1" dirty="0" smtClean="0">
+                <a:solidFill>
+                  <a:schemeClr val="bg1"/>
+                </a:solidFill>
+                <a:latin typeface="+mn-ea"/>
+                <a:ea typeface="+mn-ea"/>
+              </a:rPr>
+              <a:t>(Not all of you. Our system has security, Only authorized person like me can do) </a:t>
+            </a:r>
+          </a:p>
+          <a:p>
+            <a:pPr marL="0" indent="0">
+              <a:lnSpc>
+                <a:spcPct val="150000"/>
+              </a:lnSpc>
+              <a:defRPr lang="ko-KR" altLang="en-US"/>
+            </a:pPr>
+            <a:r>
+              <a:rPr lang="en-US" altLang="ko-KR" b="1" dirty="0" smtClean="0">
+                <a:solidFill>
+                  <a:schemeClr val="bg1"/>
+                </a:solidFill>
+                <a:latin typeface="+mn-ea"/>
+                <a:ea typeface="+mn-ea"/>
+              </a:rPr>
+              <a:t>Turn on SA Node, and Let’s connect </a:t>
+            </a:r>
+            <a:r>
+              <a:rPr lang="en-US" altLang="ko-KR" b="1" dirty="0" err="1" smtClean="0">
+                <a:solidFill>
+                  <a:schemeClr val="bg1"/>
+                </a:solidFill>
+                <a:latin typeface="+mn-ea"/>
+                <a:ea typeface="+mn-ea"/>
+              </a:rPr>
+              <a:t>IoTMS</a:t>
+            </a:r>
+            <a:r>
+              <a:rPr lang="en-US" altLang="ko-KR" b="1" dirty="0" smtClean="0">
+                <a:solidFill>
+                  <a:schemeClr val="bg1"/>
+                </a:solidFill>
+                <a:latin typeface="+mn-ea"/>
+                <a:ea typeface="+mn-ea"/>
+              </a:rPr>
+              <a:t> </a:t>
+            </a:r>
+            <a:r>
+              <a:rPr lang="en-US" altLang="ko-KR" b="1" dirty="0" smtClean="0">
+                <a:solidFill>
+                  <a:schemeClr val="bg1"/>
+                </a:solidFill>
+                <a:latin typeface="+mn-ea"/>
+                <a:ea typeface="+mn-ea"/>
+              </a:rPr>
+              <a:t>web browser. </a:t>
+            </a:r>
+            <a:endParaRPr lang="en-US" altLang="ko-KR" b="1" dirty="0" smtClean="0">
               <a:solidFill>
                 <a:schemeClr val="bg1"/>
               </a:solidFill>
@@ -6990,64 +6041,12 @@
             </a:endParaRPr>
           </a:p>
           <a:p>
-            <a:pPr marL="1028700" lvl="1" indent="-457200">
-              <a:buNone/>
-              <a:defRPr lang="ko-KR" altLang="en-US"/>
-            </a:pPr>
-            <a:r>
-              <a:rPr lang="en-US" altLang="ko-KR" sz="1400" dirty="0" smtClean="0">
-                <a:solidFill>
-                  <a:schemeClr val="bg1"/>
-                </a:solidFill>
-                <a:latin typeface="+mn-ea"/>
-                <a:ea typeface="+mn-ea"/>
-              </a:rPr>
-              <a:t>2 Add invalid rule</a:t>
-            </a:r>
-          </a:p>
-          <a:p>
-            <a:pPr marL="457200" indent="-457200">
-              <a:defRPr lang="ko-KR" altLang="en-US"/>
-            </a:pPr>
-            <a:r>
-              <a:rPr lang="en-US" altLang="ko-KR" sz="1400" b="1" dirty="0" smtClean="0">
-                <a:solidFill>
-                  <a:schemeClr val="bg1"/>
-                </a:solidFill>
-                <a:latin typeface="+mn-ea"/>
-              </a:rPr>
-              <a:t>9. </a:t>
-            </a:r>
-            <a:r>
-              <a:rPr lang="en-US" altLang="ko-KR" sz="1400" b="1" dirty="0" smtClean="0">
-                <a:solidFill>
-                  <a:schemeClr val="bg1"/>
-                </a:solidFill>
-                <a:latin typeface="+mn-ea"/>
-                <a:ea typeface="+mn-ea"/>
-              </a:rPr>
-              <a:t>10 </a:t>
-            </a:r>
-            <a:r>
-              <a:rPr lang="en-US" altLang="ko-KR" sz="1400" b="1" dirty="0" smtClean="0">
-                <a:solidFill>
-                  <a:schemeClr val="bg1"/>
-                </a:solidFill>
-                <a:latin typeface="+mn-ea"/>
-                <a:ea typeface="+mn-ea"/>
-              </a:rPr>
-              <a:t>. Show </a:t>
-            </a:r>
-            <a:r>
-              <a:rPr lang="en-US" altLang="ko-KR" sz="1400" b="1" dirty="0" smtClean="0">
-                <a:solidFill>
-                  <a:schemeClr val="bg1"/>
-                </a:solidFill>
-                <a:latin typeface="+mn-ea"/>
-                <a:ea typeface="+mn-ea"/>
-              </a:rPr>
-              <a:t>Log &amp; Remove Node</a:t>
-            </a:r>
+            <a:pPr marL="0" indent="0">
+              <a:lnSpc>
+                <a:spcPct val="150000"/>
+              </a:lnSpc>
+              <a:defRPr lang="ko-KR" altLang="en-US"/>
+            </a:pPr>
             <a:endParaRPr lang="en-US" altLang="ko-KR" sz="1400" b="1" dirty="0" smtClean="0">
               <a:solidFill>
                 <a:schemeClr val="bg1"/>
@@ -7057,42 +6056,23 @@
             </a:endParaRPr>
           </a:p>
           <a:p>
-            <a:pPr marL="457200" indent="-457200">
-              <a:buAutoNum type="arabicPeriod"/>
-              <a:defRPr lang="ko-KR" altLang="en-US"/>
-            </a:pPr>
-            <a:endParaRPr lang="en-US" altLang="ko-KR" sz="1400" b="1" dirty="0" smtClean="0">
-              <a:solidFill>
-                <a:schemeClr val="bg1"/>
-              </a:solidFill>
-              <a:latin typeface="+mn-ea"/>
-              <a:ea typeface="+mn-ea"/>
-            </a:endParaRPr>
-          </a:p>
-          <a:p>
             <a:pPr marL="0" indent="0">
               <a:lnSpc>
                 <a:spcPct val="150000"/>
               </a:lnSpc>
               <a:defRPr lang="ko-KR" altLang="en-US"/>
             </a:pPr>
-            <a:endParaRPr lang="en-US" altLang="ko-KR" sz="1400" b="1" dirty="0" smtClean="0">
-              <a:solidFill>
-                <a:schemeClr val="bg1"/>
-              </a:solidFill>
-              <a:latin typeface="+mn-ea"/>
-              <a:ea typeface="+mn-ea"/>
-            </a:endParaRPr>
-          </a:p>
-          <a:p>
-            <a:pPr marL="342900" indent="-342900">
-              <a:lnSpc>
-                <a:spcPct val="150000"/>
-              </a:lnSpc>
-              <a:buAutoNum type="arabicPeriod"/>
-              <a:defRPr lang="ko-KR" altLang="en-US"/>
-            </a:pPr>
-            <a:endParaRPr lang="en-US" altLang="ko-KR" sz="1400" dirty="0">
+            <a:r>
+              <a:rPr lang="en-US" altLang="ko-KR" b="1" i="1" u="sng" dirty="0">
+                <a:solidFill>
+                  <a:schemeClr val="bg1"/>
+                </a:solidFill>
+                <a:latin typeface="+mn-ea"/>
+                <a:ea typeface="+mn-ea"/>
+              </a:rPr>
+              <a:t>- Connect web browser and Log-in</a:t>
+            </a:r>
+            <a:endParaRPr lang="en-US" altLang="ko-KR" b="1" i="1" u="sng" dirty="0">
               <a:solidFill>
                 <a:schemeClr val="bg1"/>
               </a:solidFill>
@@ -7133,7 +6113,7 @@
     </p:spTree>
     <p:extLst>
       <p:ext uri="{BB962C8B-B14F-4D97-AF65-F5344CB8AC3E}">
-        <p14:creationId xmlns:p14="http://schemas.microsoft.com/office/powerpoint/2010/main" val="3851381609"/>
+        <p14:creationId xmlns:p14="http://schemas.microsoft.com/office/powerpoint/2010/main" val="4125642803"/>
       </p:ext>
     </p:extLst>
   </p:cSld>
@@ -7246,7 +6226,11 @@
             </a:pPr>
             <a:r>
               <a:rPr lang="en-US" altLang="ko-KR" dirty="0" smtClean="0"/>
-              <a:t>Demo Scenario</a:t>
+              <a:t>Demo </a:t>
+            </a:r>
+            <a:r>
+              <a:rPr lang="en-US" altLang="ko-KR" dirty="0" smtClean="0"/>
+              <a:t>Scenario - 2</a:t>
             </a:r>
             <a:endParaRPr lang="ko-KR" altLang="en-US" dirty="0"/>
           </a:p>
@@ -7281,26 +6265,10 @@
                   <a:schemeClr val="bg1"/>
                 </a:solidFill>
                 <a:latin typeface="+mn-ea"/>
-              </a:rPr>
-              <a:t>[Log in</a:t>
-            </a:r>
-            <a:r>
-              <a:rPr lang="en-US" altLang="ko-KR" sz="2400" b="1" dirty="0" smtClean="0">
-                <a:solidFill>
-                  <a:schemeClr val="bg1"/>
-                </a:solidFill>
-                <a:latin typeface="+mn-ea"/>
                 <a:ea typeface="+mn-ea"/>
               </a:rPr>
-              <a:t>]</a:t>
-            </a:r>
-            <a:endParaRPr lang="en-US" altLang="ko-KR" sz="2400" b="1" dirty="0" smtClean="0">
-              <a:solidFill>
-                <a:schemeClr val="bg1"/>
-              </a:solidFill>
-              <a:latin typeface="+mn-ea"/>
-              <a:ea typeface="+mn-ea"/>
-            </a:endParaRPr>
+              <a:t>[Discover / Register SA Node]</a:t>
+            </a:r>
           </a:p>
           <a:p>
             <a:pPr marL="457200" indent="-457200">
@@ -7315,6 +6283,26 @@
             </a:endParaRPr>
           </a:p>
           <a:p>
+            <a:pPr marL="285750" indent="-285750">
+              <a:lnSpc>
+                <a:spcPct val="150000"/>
+              </a:lnSpc>
+              <a:buFontTx/>
+              <a:buChar char="-"/>
+              <a:defRPr lang="ko-KR" altLang="en-US"/>
+            </a:pPr>
+            <a:r>
+              <a:rPr lang="en-US" altLang="ko-KR" b="1" i="1" u="sng" dirty="0" smtClean="0">
+                <a:solidFill>
+                  <a:schemeClr val="bg1"/>
+                </a:solidFill>
+                <a:latin typeface="+mn-ea"/>
+                <a:ea typeface="+mn-ea"/>
+              </a:rPr>
+              <a:t>Discover : Click Discover </a:t>
+            </a:r>
+          </a:p>
+          <a:p>
             <a:pPr marL="0" indent="0">
               <a:lnSpc>
                 <a:spcPct val="150000"/>
@@ -7322,6 +6310,16 @@
               <a:defRPr lang="ko-KR" altLang="en-US"/>
             </a:pPr>
             <a:r>
+              <a:rPr lang="en-US" altLang="ko-KR" b="1" dirty="0">
+                <a:solidFill>
+                  <a:schemeClr val="bg1"/>
+                </a:solidFill>
+                <a:latin typeface="+mn-ea"/>
+                <a:ea typeface="+mn-ea"/>
+              </a:rPr>
+              <a:t> </a:t>
+            </a:r>
+            <a:r>
               <a:rPr lang="en-US" altLang="ko-KR" b="1" dirty="0" smtClean="0">
                 <a:solidFill>
                   <a:schemeClr val="bg1"/>
@@ -7329,27 +6327,7 @@
                 <a:latin typeface="+mn-ea"/>
                 <a:ea typeface="+mn-ea"/>
               </a:rPr>
-              <a:t>I am </a:t>
-            </a:r>
-            <a:r>
-              <a:rPr lang="en-US" altLang="ko-KR" b="1" dirty="0" err="1" smtClean="0">
-                <a:solidFill>
-                  <a:schemeClr val="bg1"/>
-                </a:solidFill>
-                <a:latin typeface="+mn-ea"/>
-                <a:ea typeface="+mn-ea"/>
-              </a:rPr>
-              <a:t>Bohyun</a:t>
-            </a:r>
-            <a:r>
-              <a:rPr lang="en-US" altLang="ko-KR" b="1" dirty="0" smtClean="0">
-                <a:solidFill>
-                  <a:schemeClr val="bg1"/>
-                </a:solidFill>
-                <a:latin typeface="+mn-ea"/>
-                <a:ea typeface="+mn-ea"/>
-              </a:rPr>
-              <a:t>, Jung and I am going to show our quick demonstration, </a:t>
+              <a:t>  It search and return all SA Nodes connected on local network. Sensors and actuators information in SA Nodes is displayed. </a:t>
             </a:r>
           </a:p>
           <a:p>
@@ -7359,34 +6337,6 @@
               </a:lnSpc>
               <a:defRPr lang="ko-KR" altLang="en-US"/>
             </a:pPr>
-            <a:r>
-              <a:rPr lang="en-US" altLang="ko-KR" b="1" dirty="0" smtClean="0">
-                <a:solidFill>
-                  <a:schemeClr val="bg1"/>
-                </a:solidFill>
-                <a:latin typeface="+mn-ea"/>
-                <a:ea typeface="+mn-ea"/>
-              </a:rPr>
-              <a:t>Our demonstration start from very beginning, Install SA Node. </a:t>
-            </a:r>
-          </a:p>
-          <a:p>
-            <a:pPr marL="0" indent="0">
-              <a:lnSpc>
-                <a:spcPct val="150000"/>
-              </a:lnSpc>
-              <a:defRPr lang="ko-KR" altLang="en-US"/>
-            </a:pPr>
-            <a:r>
-              <a:rPr lang="en-US" altLang="ko-KR" b="1" dirty="0" smtClean="0">
-                <a:solidFill>
-                  <a:schemeClr val="bg1"/>
-                </a:solidFill>
-                <a:latin typeface="+mn-ea"/>
-                <a:ea typeface="+mn-ea"/>
-              </a:rPr>
-              <a:t>You can control SA Node via web browser or mobile phone . </a:t>
-            </a:r>
             <a:endParaRPr lang="en-US" altLang="ko-KR" b="1" dirty="0" smtClean="0">
               <a:solidFill>
                 <a:schemeClr val="bg1"/>
@@ -7396,6 +6346,26 @@
             </a:endParaRPr>
           </a:p>
           <a:p>
+            <a:pPr marL="285750" indent="-285750">
+              <a:lnSpc>
+                <a:spcPct val="150000"/>
+              </a:lnSpc>
+              <a:buFontTx/>
+              <a:buChar char="-"/>
+              <a:defRPr lang="ko-KR" altLang="en-US"/>
+            </a:pPr>
+            <a:r>
+              <a:rPr lang="en-US" altLang="ko-KR" b="1" i="1" u="sng" dirty="0" smtClean="0">
+                <a:solidFill>
+                  <a:schemeClr val="bg1"/>
+                </a:solidFill>
+                <a:latin typeface="+mn-ea"/>
+                <a:ea typeface="+mn-ea"/>
+              </a:rPr>
+              <a:t>Register : Click Register with Serial Number. </a:t>
+            </a:r>
+          </a:p>
+          <a:p>
             <a:pPr marL="0" indent="0">
               <a:lnSpc>
                 <a:spcPct val="150000"/>
@@ -7410,7 +6380,17 @@
                 <a:latin typeface="+mn-ea"/>
                 <a:ea typeface="+mn-ea"/>
               </a:rPr>
-              <a:t>(</a:t>
+              <a:t>You can only add </a:t>
+            </a:r>
+            <a:r>
+              <a:rPr lang="en-US" altLang="ko-KR" b="1" dirty="0">
+                <a:solidFill>
+                  <a:schemeClr val="bg1"/>
+                </a:solidFill>
+                <a:latin typeface="+mn-ea"/>
+                <a:ea typeface="+mn-ea"/>
+              </a:rPr>
+              <a:t>n</a:t>
             </a:r>
             <a:r>
               <a:rPr lang="en-US" altLang="ko-KR" b="1" dirty="0" smtClean="0">
@@ -7420,7 +6400,27 @@
                 <a:latin typeface="+mn-ea"/>
                 <a:ea typeface="+mn-ea"/>
               </a:rPr>
-              <a:t>Not all of you. Our system has security, Only authorized person like me can do) </a:t>
+              <a:t>odes you buy, </a:t>
+            </a:r>
+            <a:r>
+              <a:rPr lang="en-US" altLang="ko-KR" b="1" dirty="0" err="1" smtClean="0">
+                <a:solidFill>
+                  <a:schemeClr val="bg1"/>
+                </a:solidFill>
+                <a:latin typeface="+mn-ea"/>
+                <a:ea typeface="+mn-ea"/>
+              </a:rPr>
+              <a:t>IoTMS</a:t>
+            </a:r>
+            <a:r>
+              <a:rPr lang="en-US" altLang="ko-KR" b="1" dirty="0" smtClean="0">
+                <a:solidFill>
+                  <a:schemeClr val="bg1"/>
+                </a:solidFill>
+                <a:latin typeface="+mn-ea"/>
+                <a:ea typeface="+mn-ea"/>
+              </a:rPr>
+              <a:t> requires serial number which is printed on bottom of your SA Node. </a:t>
             </a:r>
           </a:p>
           <a:p>
@@ -7430,45 +6430,23 @@
               </a:lnSpc>
               <a:defRPr lang="ko-KR" altLang="en-US"/>
             </a:pPr>
-            <a:r>
-              <a:rPr lang="en-US" altLang="ko-KR" b="1" dirty="0" smtClean="0">
-                <a:solidFill>
-                  <a:schemeClr val="bg1"/>
-                </a:solidFill>
-                <a:latin typeface="+mn-ea"/>
-                <a:ea typeface="+mn-ea"/>
-              </a:rPr>
-              <a:t>Turn on SA Node, and Let’s connect </a:t>
-            </a:r>
-            <a:r>
-              <a:rPr lang="en-US" altLang="ko-KR" b="1" dirty="0" err="1" smtClean="0">
-                <a:solidFill>
-                  <a:schemeClr val="bg1"/>
-                </a:solidFill>
-                <a:latin typeface="+mn-ea"/>
-                <a:ea typeface="+mn-ea"/>
-              </a:rPr>
-              <a:t>IoTMS</a:t>
-            </a:r>
-            <a:r>
-              <a:rPr lang="en-US" altLang="ko-KR" b="1" dirty="0" smtClean="0">
-                <a:solidFill>
-                  <a:schemeClr val="bg1"/>
-                </a:solidFill>
-                <a:latin typeface="+mn-ea"/>
-                <a:ea typeface="+mn-ea"/>
-              </a:rPr>
-              <a:t> web-page. </a:t>
-            </a:r>
-          </a:p>
-          <a:p>
-            <a:pPr marL="0" indent="0">
+            <a:endParaRPr lang="en-US" altLang="ko-KR" b="1" dirty="0" smtClean="0">
+              <a:solidFill>
+                <a:schemeClr val="bg1"/>
+              </a:solidFill>
+              <a:latin typeface="+mn-ea"/>
+              <a:ea typeface="+mn-ea"/>
+            </a:endParaRPr>
+          </a:p>
+          <a:p>
+            <a:pPr marL="342900" indent="-342900">
               <a:lnSpc>
                 <a:spcPct val="150000"/>
               </a:lnSpc>
-              <a:defRPr lang="ko-KR" altLang="en-US"/>
-            </a:pPr>
-            <a:endParaRPr lang="en-US" altLang="ko-KR" sz="1400" b="1" dirty="0">
+              <a:buAutoNum type="arabicPeriod"/>
+              <a:defRPr lang="ko-KR" altLang="en-US"/>
+            </a:pPr>
+            <a:endParaRPr lang="en-US" altLang="ko-KR" sz="1400" dirty="0">
               <a:solidFill>
                 <a:schemeClr val="bg1"/>
               </a:solidFill>
@@ -7509,7 +6487,7 @@
     </p:spTree>
     <p:extLst>
       <p:ext uri="{BB962C8B-B14F-4D97-AF65-F5344CB8AC3E}">
-        <p14:creationId xmlns:p14="http://schemas.microsoft.com/office/powerpoint/2010/main" val="4125642803"/>
+        <p14:creationId xmlns:p14="http://schemas.microsoft.com/office/powerpoint/2010/main" val="3150191320"/>
       </p:ext>
     </p:extLst>
   </p:cSld>
@@ -7622,7 +6600,11 @@
             </a:pPr>
             <a:r>
               <a:rPr lang="en-US" altLang="ko-KR" dirty="0" smtClean="0"/>
-              <a:t>Demo Scenario</a:t>
+              <a:t>Demo </a:t>
+            </a:r>
+            <a:r>
+              <a:rPr lang="en-US" altLang="ko-KR" dirty="0" smtClean="0"/>
+              <a:t>Scenario - 3</a:t>
             </a:r>
             <a:endParaRPr lang="ko-KR" altLang="en-US" dirty="0"/>
           </a:p>
@@ -7659,20 +6641,64 @@
                 <a:latin typeface="+mn-ea"/>
                 <a:ea typeface="+mn-ea"/>
               </a:rPr>
-              <a:t>[Discover / Register SA Node]</a:t>
+              <a:t>[</a:t>
+            </a:r>
+            <a:r>
+              <a:rPr lang="en-US" altLang="ko-KR" sz="2400" b="1" dirty="0" smtClean="0">
+                <a:solidFill>
+                  <a:schemeClr val="bg1"/>
+                </a:solidFill>
+                <a:latin typeface="+mn-ea"/>
+              </a:rPr>
+              <a:t>Event Update]</a:t>
             </a:r>
           </a:p>
           <a:p>
             <a:pPr marL="457200" indent="-457200">
               <a:defRPr lang="ko-KR" altLang="en-US"/>
             </a:pPr>
-            <a:endParaRPr lang="en-US" altLang="ko-KR" sz="1400" dirty="0" smtClean="0">
+            <a:endParaRPr lang="en-US" altLang="ko-KR" sz="2400" dirty="0">
               <a:solidFill>
                 <a:schemeClr val="bg1"/>
               </a:solidFill>
               <a:latin typeface="+mn-ea"/>
-              <a:ea typeface="+mn-ea"/>
             </a:endParaRPr>
+          </a:p>
+          <a:p>
+            <a:pPr marL="0" indent="0">
+              <a:lnSpc>
+                <a:spcPct val="150000"/>
+              </a:lnSpc>
+              <a:defRPr lang="ko-KR" altLang="en-US"/>
+            </a:pPr>
+            <a:r>
+              <a:rPr lang="en-US" altLang="ko-KR" sz="2000" b="1" dirty="0" smtClean="0">
+                <a:solidFill>
+                  <a:schemeClr val="bg1"/>
+                </a:solidFill>
+                <a:latin typeface="+mn-ea"/>
+                <a:ea typeface="+mn-ea"/>
+              </a:rPr>
+              <a:t>Register is done, now you can monitor and control your SA Nodes. </a:t>
+            </a:r>
+          </a:p>
+          <a:p>
+            <a:pPr marL="0" indent="0">
+              <a:lnSpc>
+                <a:spcPct val="150000"/>
+              </a:lnSpc>
+              <a:defRPr lang="ko-KR" altLang="en-US"/>
+            </a:pPr>
+            <a:r>
+              <a:rPr lang="en-US" altLang="ko-KR" sz="2000" b="1" dirty="0" smtClean="0">
+                <a:solidFill>
+                  <a:schemeClr val="bg1"/>
+                </a:solidFill>
+                <a:latin typeface="+mn-ea"/>
+                <a:ea typeface="+mn-ea"/>
+              </a:rPr>
+              <a:t>Value is changing, let’s do something .</a:t>
+            </a:r>
           </a:p>
           <a:p>
             <a:pPr marL="285750" indent="-285750">
@@ -7684,68 +6710,25 @@
               <a:defRPr lang="ko-KR" altLang="en-US"/>
             </a:pPr>
             <a:r>
-              <a:rPr lang="en-US" altLang="ko-KR" b="1" i="1" u="sng" dirty="0" smtClean="0">
+              <a:rPr lang="en-US" altLang="ko-KR" sz="2000" b="1" i="1" u="sng" dirty="0" smtClean="0">
                 <a:solidFill>
                   <a:schemeClr val="bg1"/>
                 </a:solidFill>
                 <a:latin typeface="+mn-ea"/>
                 <a:ea typeface="+mn-ea"/>
               </a:rPr>
-              <a:t>Discover </a:t>
-            </a:r>
-            <a:r>
-              <a:rPr lang="en-US" altLang="ko-KR" b="1" i="1" u="sng" dirty="0" smtClean="0">
+              <a:t>Open </a:t>
+            </a:r>
+            <a:r>
+              <a:rPr lang="en-US" altLang="ko-KR" sz="2000" b="1" i="1" u="sng" dirty="0" smtClean="0">
                 <a:solidFill>
                   <a:schemeClr val="bg1"/>
                 </a:solidFill>
                 <a:latin typeface="+mn-ea"/>
                 <a:ea typeface="+mn-ea"/>
               </a:rPr>
-              <a:t>: Click Discover </a:t>
-            </a:r>
-          </a:p>
-          <a:p>
-            <a:pPr marL="0" indent="0">
-              <a:lnSpc>
-                <a:spcPct val="150000"/>
-              </a:lnSpc>
-              <a:defRPr lang="ko-KR" altLang="en-US"/>
-            </a:pPr>
-            <a:r>
-              <a:rPr lang="en-US" altLang="ko-KR" b="1" dirty="0">
-                <a:solidFill>
-                  <a:schemeClr val="bg1"/>
-                </a:solidFill>
-                <a:latin typeface="+mn-ea"/>
-                <a:ea typeface="+mn-ea"/>
-              </a:rPr>
-              <a:t> </a:t>
-            </a:r>
-            <a:r>
-              <a:rPr lang="en-US" altLang="ko-KR" b="1" dirty="0" smtClean="0">
-                <a:solidFill>
-                  <a:schemeClr val="bg1"/>
-                </a:solidFill>
-                <a:latin typeface="+mn-ea"/>
-                <a:ea typeface="+mn-ea"/>
-              </a:rPr>
-              <a:t>  It search and return all SA Nodes connected on local network. Sensors and actuators information in SA Nodes is displayed. </a:t>
-            </a:r>
-          </a:p>
-          <a:p>
-            <a:pPr marL="0" indent="0">
-              <a:lnSpc>
-                <a:spcPct val="150000"/>
-              </a:lnSpc>
-              <a:defRPr lang="ko-KR" altLang="en-US"/>
-            </a:pPr>
-            <a:endParaRPr lang="en-US" altLang="ko-KR" b="1" dirty="0" smtClean="0">
-              <a:solidFill>
-                <a:schemeClr val="bg1"/>
-              </a:solidFill>
-              <a:latin typeface="+mn-ea"/>
-              <a:ea typeface="+mn-ea"/>
-            </a:endParaRPr>
+              <a:t>door</a:t>
+            </a:r>
           </a:p>
           <a:p>
             <a:pPr marL="285750" indent="-285750">
@@ -7757,104 +6740,25 @@
               <a:defRPr lang="ko-KR" altLang="en-US"/>
             </a:pPr>
             <a:r>
-              <a:rPr lang="en-US" altLang="ko-KR" b="1" i="1" u="sng" dirty="0" smtClean="0">
+              <a:rPr lang="en-US" altLang="ko-KR" sz="2000" b="1" i="1" u="sng" dirty="0" smtClean="0">
                 <a:solidFill>
                   <a:schemeClr val="bg1"/>
                 </a:solidFill>
                 <a:latin typeface="+mn-ea"/>
                 <a:ea typeface="+mn-ea"/>
               </a:rPr>
-              <a:t>Register : Click Register with Serial Number. </a:t>
-            </a:r>
-          </a:p>
-          <a:p>
-            <a:pPr marL="0" indent="0">
-              <a:lnSpc>
-                <a:spcPct val="150000"/>
-              </a:lnSpc>
-              <a:defRPr lang="ko-KR" altLang="en-US"/>
-            </a:pPr>
-            <a:r>
-              <a:rPr lang="en-US" altLang="ko-KR" b="1" dirty="0" smtClean="0">
+              <a:t>Turn </a:t>
+            </a:r>
+            <a:r>
+              <a:rPr lang="en-US" altLang="ko-KR" sz="2000" b="1" i="1" u="sng" dirty="0" smtClean="0">
                 <a:solidFill>
                   <a:schemeClr val="bg1"/>
                 </a:solidFill>
                 <a:latin typeface="+mn-ea"/>
                 <a:ea typeface="+mn-ea"/>
               </a:rPr>
-              <a:t>You can only add </a:t>
-            </a:r>
-            <a:r>
-              <a:rPr lang="en-US" altLang="ko-KR" b="1" dirty="0">
-                <a:solidFill>
-                  <a:schemeClr val="bg1"/>
-                </a:solidFill>
-                <a:latin typeface="+mn-ea"/>
-                <a:ea typeface="+mn-ea"/>
-              </a:rPr>
-              <a:t>n</a:t>
-            </a:r>
-            <a:r>
-              <a:rPr lang="en-US" altLang="ko-KR" b="1" dirty="0" smtClean="0">
-                <a:solidFill>
-                  <a:schemeClr val="bg1"/>
-                </a:solidFill>
-                <a:latin typeface="+mn-ea"/>
-                <a:ea typeface="+mn-ea"/>
-              </a:rPr>
-              <a:t>odes you buy, </a:t>
-            </a:r>
-            <a:r>
-              <a:rPr lang="en-US" altLang="ko-KR" b="1" dirty="0" err="1" smtClean="0">
-                <a:solidFill>
-                  <a:schemeClr val="bg1"/>
-                </a:solidFill>
-                <a:latin typeface="+mn-ea"/>
-                <a:ea typeface="+mn-ea"/>
-              </a:rPr>
-              <a:t>IoTMS</a:t>
-            </a:r>
-            <a:r>
-              <a:rPr lang="en-US" altLang="ko-KR" b="1" dirty="0" smtClean="0">
-                <a:solidFill>
-                  <a:schemeClr val="bg1"/>
-                </a:solidFill>
-                <a:latin typeface="+mn-ea"/>
-                <a:ea typeface="+mn-ea"/>
-              </a:rPr>
-              <a:t> requires serial number which is printed on bottom of your SA Node. </a:t>
-            </a:r>
-          </a:p>
-          <a:p>
-            <a:pPr marL="0" indent="0">
-              <a:lnSpc>
-                <a:spcPct val="150000"/>
-              </a:lnSpc>
-              <a:defRPr lang="ko-KR" altLang="en-US"/>
-            </a:pPr>
-            <a:endParaRPr lang="en-US" altLang="ko-KR" b="1" dirty="0" smtClean="0">
-              <a:solidFill>
-                <a:schemeClr val="bg1"/>
-              </a:solidFill>
-              <a:latin typeface="+mn-ea"/>
-              <a:ea typeface="+mn-ea"/>
-            </a:endParaRPr>
-          </a:p>
-          <a:p>
-            <a:pPr marL="342900" indent="-342900">
-              <a:lnSpc>
-                <a:spcPct val="150000"/>
-              </a:lnSpc>
-              <a:buAutoNum type="arabicPeriod"/>
-              <a:defRPr lang="ko-KR" altLang="en-US"/>
-            </a:pPr>
-            <a:endParaRPr lang="en-US" altLang="ko-KR" sz="1400" dirty="0">
-              <a:solidFill>
-                <a:schemeClr val="bg1"/>
-              </a:solidFill>
-              <a:latin typeface="+mn-ea"/>
-              <a:ea typeface="+mn-ea"/>
-            </a:endParaRPr>
+              <a:t>on Light</a:t>
+            </a:r>
           </a:p>
         </p:txBody>
       </p:sp>
@@ -7889,7 +6793,7 @@
     </p:spTree>
     <p:extLst>
       <p:ext uri="{BB962C8B-B14F-4D97-AF65-F5344CB8AC3E}">
-        <p14:creationId xmlns:p14="http://schemas.microsoft.com/office/powerpoint/2010/main" val="3150191320"/>
+        <p14:creationId xmlns:p14="http://schemas.microsoft.com/office/powerpoint/2010/main" val="3604245409"/>
       </p:ext>
     </p:extLst>
   </p:cSld>
@@ -8002,7 +6906,11 @@
             </a:pPr>
             <a:r>
               <a:rPr lang="en-US" altLang="ko-KR" dirty="0" smtClean="0"/>
-              <a:t>Demo Scenario</a:t>
+              <a:t>Demo </a:t>
+            </a:r>
+            <a:r>
+              <a:rPr lang="en-US" altLang="ko-KR" dirty="0" smtClean="0"/>
+              <a:t>Scenario - 4</a:t>
             </a:r>
             <a:endParaRPr lang="ko-KR" altLang="en-US" dirty="0"/>
           </a:p>
@@ -8028,50 +6936,6 @@
           <a:bodyPr/>
           <a:lstStyle/>
           <a:p>
-            <a:pPr marL="457200" indent="-457200">
-              <a:defRPr lang="ko-KR" altLang="en-US"/>
-            </a:pPr>
-            <a:r>
-              <a:rPr lang="en-US" altLang="ko-KR" sz="2400" b="1" dirty="0" smtClean="0">
-                <a:solidFill>
-                  <a:schemeClr val="bg1"/>
-                </a:solidFill>
-                <a:latin typeface="+mn-ea"/>
-                <a:ea typeface="+mn-ea"/>
-              </a:rPr>
-              <a:t>[</a:t>
-            </a:r>
-            <a:r>
-              <a:rPr lang="en-US" altLang="ko-KR" sz="2400" b="1" dirty="0" smtClean="0">
-                <a:solidFill>
-                  <a:schemeClr val="bg1"/>
-                </a:solidFill>
-                <a:latin typeface="+mn-ea"/>
-              </a:rPr>
-              <a:t>Event Update</a:t>
-            </a:r>
-            <a:r>
-              <a:rPr lang="en-US" altLang="ko-KR" sz="2400" b="1" dirty="0" smtClean="0">
-                <a:solidFill>
-                  <a:schemeClr val="bg1"/>
-                </a:solidFill>
-                <a:latin typeface="+mn-ea"/>
-              </a:rPr>
-              <a:t>]</a:t>
-            </a:r>
-          </a:p>
-          <a:p>
-            <a:pPr marL="457200" indent="-457200">
-              <a:defRPr lang="ko-KR" altLang="en-US"/>
-            </a:pPr>
-            <a:endParaRPr lang="en-US" altLang="ko-KR" sz="2400" dirty="0">
-              <a:solidFill>
-                <a:schemeClr val="bg1"/>
-              </a:solidFill>
-              <a:latin typeface="+mn-ea"/>
-            </a:endParaRPr>
-          </a:p>
-          <a:p>
             <a:pPr marL="0" indent="0">
               <a:lnSpc>
                 <a:spcPct val="150000"/>
@@ -8079,44 +6943,14 @@
               <a:defRPr lang="ko-KR" altLang="en-US"/>
             </a:pPr>
             <a:r>
-              <a:rPr lang="en-US" altLang="ko-KR" sz="2000" b="1" dirty="0" smtClean="0">
+              <a:rPr lang="en-US" altLang="ko-KR" sz="2400" b="1" dirty="0" smtClean="0">
                 <a:solidFill>
                   <a:schemeClr val="bg1"/>
                 </a:solidFill>
                 <a:latin typeface="+mn-ea"/>
                 <a:ea typeface="+mn-ea"/>
               </a:rPr>
-              <a:t>Register </a:t>
-            </a:r>
-            <a:r>
-              <a:rPr lang="en-US" altLang="ko-KR" sz="2000" b="1" dirty="0" smtClean="0">
-                <a:solidFill>
-                  <a:schemeClr val="bg1"/>
-                </a:solidFill>
-                <a:latin typeface="+mn-ea"/>
-                <a:ea typeface="+mn-ea"/>
-              </a:rPr>
-              <a:t>is done, </a:t>
-            </a:r>
-            <a:r>
-              <a:rPr lang="en-US" altLang="ko-KR" sz="2000" b="1" dirty="0" smtClean="0">
-                <a:solidFill>
-                  <a:schemeClr val="bg1"/>
-                </a:solidFill>
-                <a:latin typeface="+mn-ea"/>
-                <a:ea typeface="+mn-ea"/>
-              </a:rPr>
-              <a:t>now you </a:t>
-            </a:r>
-            <a:r>
-              <a:rPr lang="en-US" altLang="ko-KR" sz="2000" b="1" dirty="0" smtClean="0">
-                <a:solidFill>
-                  <a:schemeClr val="bg1"/>
-                </a:solidFill>
-                <a:latin typeface="+mn-ea"/>
-                <a:ea typeface="+mn-ea"/>
-              </a:rPr>
-              <a:t>can monitor and control your SA Nodes. </a:t>
+              <a:t>[Away Mode]</a:t>
             </a:r>
           </a:p>
           <a:p>
@@ -8124,27 +6958,61 @@
               <a:lnSpc>
                 <a:spcPct val="150000"/>
               </a:lnSpc>
-              <a:defRPr lang="ko-KR" altLang="en-US"/>
-            </a:pPr>
-            <a:r>
-              <a:rPr lang="en-US" altLang="ko-KR" sz="2000" b="1" dirty="0" smtClean="0">
+              <a:tabLst>
+                <a:tab pos="2333625" algn="l"/>
+              </a:tabLst>
+              <a:defRPr lang="ko-KR" altLang="en-US"/>
+            </a:pPr>
+            <a:r>
+              <a:rPr lang="en-US" altLang="ko-KR" b="1" dirty="0" smtClean="0">
                 <a:solidFill>
                   <a:schemeClr val="bg1"/>
                 </a:solidFill>
                 <a:latin typeface="+mn-ea"/>
                 <a:ea typeface="+mn-ea"/>
               </a:rPr>
-              <a:t>Value is </a:t>
-            </a:r>
-            <a:r>
-              <a:rPr lang="en-US" altLang="ko-KR" sz="2000" b="1" dirty="0" smtClean="0">
+              <a:t>It works fine, but It is not all, </a:t>
+            </a:r>
+            <a:r>
+              <a:rPr lang="en-US" altLang="ko-KR" b="1" dirty="0" err="1" smtClean="0">
                 <a:solidFill>
                   <a:schemeClr val="bg1"/>
                 </a:solidFill>
                 <a:latin typeface="+mn-ea"/>
                 <a:ea typeface="+mn-ea"/>
               </a:rPr>
-              <a:t>changing, let’s do something .</a:t>
+              <a:t>IoTMS</a:t>
+            </a:r>
+            <a:r>
+              <a:rPr lang="en-US" altLang="ko-KR" b="1" dirty="0" smtClean="0">
+                <a:solidFill>
+                  <a:schemeClr val="bg1"/>
+                </a:solidFill>
+                <a:latin typeface="+mn-ea"/>
+                <a:ea typeface="+mn-ea"/>
+              </a:rPr>
+              <a:t> has predefined rule by default. </a:t>
+            </a:r>
+          </a:p>
+          <a:p>
+            <a:pPr marL="0" indent="0">
+              <a:lnSpc>
+                <a:spcPct val="150000"/>
+              </a:lnSpc>
+              <a:tabLst>
+                <a:tab pos="2333625" algn="l"/>
+              </a:tabLst>
+              <a:defRPr lang="ko-KR" altLang="en-US"/>
+            </a:pPr>
+            <a:r>
+              <a:rPr lang="en-US" altLang="ko-KR" b="1" dirty="0" smtClean="0">
+                <a:solidFill>
+                  <a:schemeClr val="bg1"/>
+                </a:solidFill>
+                <a:latin typeface="+mn-ea"/>
+                <a:ea typeface="+mn-ea"/>
+              </a:rPr>
+              <a:t>So It play home security system.  </a:t>
             </a:r>
           </a:p>
           <a:p>
@@ -8154,35 +7022,123 @@
               </a:lnSpc>
               <a:buFontTx/>
               <a:buChar char="-"/>
-              <a:defRPr lang="ko-KR" altLang="en-US"/>
-            </a:pPr>
-            <a:r>
-              <a:rPr lang="en-US" altLang="ko-KR" sz="2000" b="1" dirty="0" smtClean="0">
+              <a:tabLst>
+                <a:tab pos="2333625" algn="l"/>
+              </a:tabLst>
+              <a:defRPr lang="ko-KR" altLang="en-US"/>
+            </a:pPr>
+            <a:r>
+              <a:rPr lang="en-US" altLang="ko-KR" b="1" i="1" u="sng" dirty="0" smtClean="0">
                 <a:solidFill>
                   <a:schemeClr val="bg1"/>
                 </a:solidFill>
                 <a:latin typeface="+mn-ea"/>
                 <a:ea typeface="+mn-ea"/>
               </a:rPr>
-              <a:t>Open door, Turn on </a:t>
-            </a:r>
-            <a:r>
-              <a:rPr lang="en-US" altLang="ko-KR" sz="2000" b="1" dirty="0" smtClean="0">
+              <a:t>Simpson left home.</a:t>
+            </a:r>
+          </a:p>
+          <a:p>
+            <a:pPr marL="0" indent="0">
+              <a:lnSpc>
+                <a:spcPct val="150000"/>
+              </a:lnSpc>
+              <a:tabLst>
+                <a:tab pos="2333625" algn="l"/>
+              </a:tabLst>
+              <a:defRPr lang="ko-KR" altLang="en-US"/>
+            </a:pPr>
+            <a:r>
+              <a:rPr lang="en-US" altLang="ko-KR" b="1" dirty="0" smtClean="0">
                 <a:solidFill>
                   <a:schemeClr val="bg1"/>
                 </a:solidFill>
                 <a:latin typeface="+mn-ea"/>
                 <a:ea typeface="+mn-ea"/>
               </a:rPr>
-              <a:t>Light</a:t>
-            </a:r>
-            <a:endParaRPr lang="en-US" altLang="ko-KR" sz="2000" b="1" dirty="0" smtClean="0">
-              <a:solidFill>
-                <a:schemeClr val="bg1"/>
-              </a:solidFill>
-              <a:latin typeface="+mn-ea"/>
-              <a:ea typeface="+mn-ea"/>
-            </a:endParaRPr>
+              <a:t>Simpson left home, let check what </a:t>
+            </a:r>
+            <a:r>
+              <a:rPr lang="en-US" altLang="ko-KR" b="1" dirty="0" err="1" smtClean="0">
+                <a:solidFill>
+                  <a:schemeClr val="bg1"/>
+                </a:solidFill>
+                <a:latin typeface="+mn-ea"/>
+                <a:ea typeface="+mn-ea"/>
+              </a:rPr>
+              <a:t>IoTMS</a:t>
+            </a:r>
+            <a:r>
+              <a:rPr lang="en-US" altLang="ko-KR" b="1" dirty="0" smtClean="0">
+                <a:solidFill>
+                  <a:schemeClr val="bg1"/>
+                </a:solidFill>
+                <a:latin typeface="+mn-ea"/>
+                <a:ea typeface="+mn-ea"/>
+              </a:rPr>
+              <a:t> can do for you. It notify Simpson ‘Do you want set alarm automatically?’ (See Simpson just got a message). </a:t>
+            </a:r>
+            <a:r>
+              <a:rPr lang="en-US" altLang="ko-KR" b="1" dirty="0">
+                <a:solidFill>
+                  <a:schemeClr val="bg1"/>
+                </a:solidFill>
+                <a:latin typeface="+mn-ea"/>
+                <a:ea typeface="+mn-ea"/>
+              </a:rPr>
+              <a:t> </a:t>
+            </a:r>
+            <a:r>
+              <a:rPr lang="en-US" altLang="ko-KR" b="1" dirty="0" smtClean="0">
+                <a:solidFill>
+                  <a:schemeClr val="bg1"/>
+                </a:solidFill>
+                <a:latin typeface="+mn-ea"/>
+                <a:ea typeface="+mn-ea"/>
+              </a:rPr>
+              <a:t>If he stays in front of home for gardening something then he reply message ‘Do not set alarm’ then nothing happens. </a:t>
+            </a:r>
+          </a:p>
+          <a:p>
+            <a:pPr marL="0" indent="0">
+              <a:lnSpc>
+                <a:spcPct val="150000"/>
+              </a:lnSpc>
+              <a:tabLst>
+                <a:tab pos="2333625" algn="l"/>
+              </a:tabLst>
+              <a:defRPr lang="ko-KR" altLang="en-US"/>
+            </a:pPr>
+            <a:r>
+              <a:rPr lang="en-US" altLang="ko-KR" b="1" dirty="0" smtClean="0">
+                <a:solidFill>
+                  <a:schemeClr val="bg1"/>
+                </a:solidFill>
+                <a:latin typeface="+mn-ea"/>
+                <a:ea typeface="+mn-ea"/>
+              </a:rPr>
+              <a:t>But if he really left home but forget to set alarm, </a:t>
+            </a:r>
+            <a:r>
+              <a:rPr lang="en-US" altLang="ko-KR" b="1" dirty="0" err="1" smtClean="0">
+                <a:solidFill>
+                  <a:schemeClr val="bg1"/>
+                </a:solidFill>
+                <a:latin typeface="+mn-ea"/>
+                <a:ea typeface="+mn-ea"/>
+              </a:rPr>
+              <a:t>IoTMS</a:t>
+            </a:r>
+            <a:r>
+              <a:rPr lang="en-US" altLang="ko-KR" b="1" dirty="0" smtClean="0">
+                <a:solidFill>
+                  <a:schemeClr val="bg1"/>
+                </a:solidFill>
+                <a:latin typeface="+mn-ea"/>
+                <a:ea typeface="+mn-ea"/>
+              </a:rPr>
+              <a:t> will help you. Set alarm but before setting alarm door should close first. See Light is also turned off no matter alarm is stetted or not. By default automatic alarm set is 5 min. and turn off time is 10 min, but I changed this to seconds for quick demo. </a:t>
+            </a:r>
           </a:p>
         </p:txBody>
       </p:sp>
@@ -8217,7 +7173,7 @@
     </p:spTree>
     <p:extLst>
       <p:ext uri="{BB962C8B-B14F-4D97-AF65-F5344CB8AC3E}">
-        <p14:creationId xmlns:p14="http://schemas.microsoft.com/office/powerpoint/2010/main" val="3604245409"/>
+        <p14:creationId xmlns:p14="http://schemas.microsoft.com/office/powerpoint/2010/main" val="2876279422"/>
       </p:ext>
     </p:extLst>
   </p:cSld>
@@ -8330,7 +7286,11 @@
             </a:pPr>
             <a:r>
               <a:rPr lang="en-US" altLang="ko-KR" dirty="0" smtClean="0"/>
-              <a:t>Demo Scenario</a:t>
+              <a:t>Demo </a:t>
+            </a:r>
+            <a:r>
+              <a:rPr lang="en-US" altLang="ko-KR" dirty="0" smtClean="0"/>
+              <a:t>Scenario - 5</a:t>
             </a:r>
             <a:endParaRPr lang="ko-KR" altLang="en-US" dirty="0"/>
           </a:p>
@@ -8349,38 +7309,183 @@
         <p:spPr>
           <a:xfrm>
             <a:off x="719572" y="836712"/>
-            <a:ext cx="8172908" cy="5805264"/>
+            <a:ext cx="8424428" cy="5805264"/>
           </a:xfrm>
         </p:spPr>
         <p:txBody>
           <a:bodyPr/>
           <a:lstStyle/>
           <a:p>
-            <a:pPr marL="0" indent="0">
-              <a:lnSpc>
-                <a:spcPct val="150000"/>
-              </a:lnSpc>
-              <a:defRPr lang="ko-KR" altLang="en-US"/>
-            </a:pPr>
+            <a:pPr marL="457200" indent="-457200">
+              <a:defRPr lang="ko-KR" altLang="en-US"/>
+            </a:pPr>
+            <a:r>
+              <a:rPr lang="en-US" altLang="ko-KR" sz="2400" b="1" dirty="0">
+                <a:solidFill>
+                  <a:schemeClr val="bg1"/>
+                </a:solidFill>
+                <a:latin typeface="+mn-ea"/>
+                <a:ea typeface="+mn-ea"/>
+              </a:rPr>
+              <a:t>[</a:t>
+            </a:r>
             <a:r>
               <a:rPr lang="en-US" altLang="ko-KR" sz="2400" b="1" dirty="0" smtClean="0">
                 <a:solidFill>
                   <a:schemeClr val="bg1"/>
                 </a:solidFill>
                 <a:latin typeface="+mn-ea"/>
-                <a:ea typeface="+mn-ea"/>
+              </a:rPr>
+              <a:t>Secure </a:t>
+            </a:r>
+            <a:r>
+              <a:rPr lang="en-US" altLang="ko-KR" sz="2400" b="1" dirty="0">
+                <a:solidFill>
+                  <a:schemeClr val="bg1"/>
+                </a:solidFill>
+                <a:latin typeface="+mn-ea"/>
+              </a:rPr>
+              <a:t>mode : Human </a:t>
+            </a:r>
+            <a:r>
+              <a:rPr lang="en-US" altLang="ko-KR" sz="2400" b="1" dirty="0" smtClean="0">
+                <a:solidFill>
+                  <a:schemeClr val="bg1"/>
+                </a:solidFill>
+                <a:latin typeface="+mn-ea"/>
+              </a:rPr>
+              <a:t>Break-in]</a:t>
+            </a:r>
+            <a:endParaRPr lang="en-US" altLang="ko-KR" sz="2400" b="1" dirty="0">
+              <a:solidFill>
+                <a:schemeClr val="bg1"/>
+              </a:solidFill>
+              <a:latin typeface="+mn-ea"/>
+            </a:endParaRPr>
+          </a:p>
+          <a:p>
+            <a:pPr marL="457200" indent="-457200">
+              <a:defRPr lang="ko-KR" altLang="en-US"/>
+            </a:pPr>
+            <a:r>
+              <a:rPr lang="en-US" altLang="ko-KR" sz="2400" b="1" dirty="0" smtClean="0">
+                <a:solidFill>
+                  <a:schemeClr val="bg1"/>
+                </a:solidFill>
+                <a:latin typeface="+mn-ea"/>
+              </a:rPr>
+              <a:t>Now </a:t>
+            </a:r>
+            <a:r>
+              <a:rPr lang="en-US" altLang="ko-KR" sz="2400" b="1" dirty="0">
+                <a:solidFill>
+                  <a:schemeClr val="bg1"/>
+                </a:solidFill>
+                <a:latin typeface="+mn-ea"/>
+              </a:rPr>
+              <a:t>Alarm is set, what happen somebody break-in. </a:t>
+            </a:r>
+          </a:p>
+          <a:p>
+            <a:pPr marL="0" lvl="1" indent="0">
+              <a:buNone/>
+              <a:tabLst>
+                <a:tab pos="1162050" algn="l"/>
+              </a:tabLst>
+              <a:defRPr lang="ko-KR" altLang="en-US"/>
+            </a:pPr>
+            <a:endParaRPr lang="en-US" altLang="ko-KR" sz="2400" b="1" i="1" u="sng" dirty="0" smtClean="0">
+              <a:solidFill>
+                <a:schemeClr val="bg1"/>
+              </a:solidFill>
+              <a:latin typeface="+mn-ea"/>
+            </a:endParaRPr>
+          </a:p>
+          <a:p>
+            <a:pPr marL="0" lvl="1" indent="0">
+              <a:buNone/>
+              <a:tabLst>
+                <a:tab pos="1162050" algn="l"/>
+              </a:tabLst>
+              <a:defRPr lang="ko-KR" altLang="en-US"/>
+            </a:pPr>
+            <a:r>
+              <a:rPr lang="en-US" altLang="ko-KR" sz="2400" b="1" i="1" u="sng" dirty="0" smtClean="0">
+                <a:solidFill>
+                  <a:schemeClr val="bg1"/>
+                </a:solidFill>
+                <a:latin typeface="+mn-ea"/>
               </a:rPr>
               <a:t>[</a:t>
             </a:r>
             <a:r>
+              <a:rPr lang="en-US" altLang="ko-KR" sz="2400" b="1" i="1" u="sng" dirty="0">
+                <a:solidFill>
+                  <a:schemeClr val="bg1"/>
+                </a:solidFill>
+                <a:latin typeface="+mn-ea"/>
+              </a:rPr>
+              <a:t>Thief in]</a:t>
+            </a:r>
+          </a:p>
+          <a:p>
+            <a:pPr marL="0" lvl="1" indent="0">
+              <a:buNone/>
+              <a:tabLst>
+                <a:tab pos="1162050" algn="l"/>
+              </a:tabLst>
+              <a:defRPr lang="ko-KR" altLang="en-US"/>
+            </a:pPr>
+            <a:endParaRPr lang="en-US" altLang="ko-KR" sz="2400" b="1" dirty="0">
+              <a:solidFill>
+                <a:schemeClr val="bg1"/>
+              </a:solidFill>
+              <a:latin typeface="+mn-ea"/>
+            </a:endParaRPr>
+          </a:p>
+          <a:p>
+            <a:pPr marL="0" lvl="1" indent="0">
+              <a:buNone/>
+              <a:tabLst>
+                <a:tab pos="1162050" algn="l"/>
+              </a:tabLst>
+              <a:defRPr lang="ko-KR" altLang="en-US"/>
+            </a:pPr>
+            <a:r>
+              <a:rPr lang="en-US" altLang="ko-KR" sz="2400" b="1" dirty="0">
+                <a:solidFill>
+                  <a:schemeClr val="bg1"/>
+                </a:solidFill>
+                <a:latin typeface="+mn-ea"/>
+              </a:rPr>
+              <a:t>Notify User ! – emergency message </a:t>
+            </a:r>
+          </a:p>
+          <a:p>
+            <a:pPr marL="0" lvl="1" indent="0">
+              <a:buNone/>
+              <a:tabLst>
+                <a:tab pos="1162050" algn="l"/>
+              </a:tabLst>
+              <a:defRPr lang="ko-KR" altLang="en-US"/>
+            </a:pPr>
+            <a:r>
               <a:rPr lang="en-US" altLang="ko-KR" sz="2400" b="1" dirty="0" smtClean="0">
                 <a:solidFill>
                   <a:schemeClr val="bg1"/>
                 </a:solidFill>
                 <a:latin typeface="+mn-ea"/>
-                <a:ea typeface="+mn-ea"/>
-              </a:rPr>
-              <a:t>Away Mode</a:t>
+              </a:rPr>
+              <a:t>He’s got a mail, I </a:t>
+            </a:r>
+            <a:r>
+              <a:rPr lang="en-US" altLang="ko-KR" sz="2400" b="1" dirty="0">
+                <a:solidFill>
+                  <a:schemeClr val="bg1"/>
+                </a:solidFill>
+                <a:latin typeface="+mn-ea"/>
+              </a:rPr>
+              <a:t>am going to read it for you. Emergency message show what going on my </a:t>
             </a:r>
             <a:r>
               <a:rPr lang="en-US" altLang="ko-KR" sz="2400" b="1" dirty="0" smtClean="0">
@@ -8388,206 +7493,117 @@
                   <a:schemeClr val="bg1"/>
                 </a:solidFill>
                 <a:latin typeface="+mn-ea"/>
-                <a:ea typeface="+mn-ea"/>
-              </a:rPr>
-              <a:t>]</a:t>
-            </a:r>
-          </a:p>
-          <a:p>
-            <a:pPr marL="0" indent="0">
-              <a:lnSpc>
-                <a:spcPct val="150000"/>
-              </a:lnSpc>
-              <a:tabLst>
-                <a:tab pos="2333625" algn="l"/>
-              </a:tabLst>
-              <a:defRPr lang="ko-KR" altLang="en-US"/>
-            </a:pPr>
-            <a:r>
-              <a:rPr lang="en-US" altLang="ko-KR" b="1" dirty="0" smtClean="0">
-                <a:solidFill>
-                  <a:schemeClr val="bg1"/>
-                </a:solidFill>
-                <a:latin typeface="+mn-ea"/>
-                <a:ea typeface="+mn-ea"/>
-              </a:rPr>
-              <a:t>It </a:t>
-            </a:r>
-            <a:r>
-              <a:rPr lang="en-US" altLang="ko-KR" b="1" dirty="0" smtClean="0">
-                <a:solidFill>
-                  <a:schemeClr val="bg1"/>
-                </a:solidFill>
-                <a:latin typeface="+mn-ea"/>
-                <a:ea typeface="+mn-ea"/>
-              </a:rPr>
-              <a:t>works fine, but It is not all, </a:t>
-            </a:r>
-            <a:r>
-              <a:rPr lang="en-US" altLang="ko-KR" b="1" dirty="0" err="1" smtClean="0">
-                <a:solidFill>
-                  <a:schemeClr val="bg1"/>
-                </a:solidFill>
-                <a:latin typeface="+mn-ea"/>
-                <a:ea typeface="+mn-ea"/>
-              </a:rPr>
-              <a:t>IoTMS</a:t>
-            </a:r>
-            <a:r>
-              <a:rPr lang="en-US" altLang="ko-KR" b="1" dirty="0" smtClean="0">
-                <a:solidFill>
-                  <a:schemeClr val="bg1"/>
-                </a:solidFill>
-                <a:latin typeface="+mn-ea"/>
-                <a:ea typeface="+mn-ea"/>
-              </a:rPr>
-              <a:t> has predefined rule by default. </a:t>
-            </a:r>
-          </a:p>
-          <a:p>
-            <a:pPr marL="0" indent="0">
-              <a:lnSpc>
-                <a:spcPct val="150000"/>
-              </a:lnSpc>
-              <a:tabLst>
-                <a:tab pos="2333625" algn="l"/>
-              </a:tabLst>
-              <a:defRPr lang="ko-KR" altLang="en-US"/>
-            </a:pPr>
-            <a:r>
-              <a:rPr lang="en-US" altLang="ko-KR" b="1" dirty="0" smtClean="0">
-                <a:solidFill>
-                  <a:schemeClr val="bg1"/>
-                </a:solidFill>
-                <a:latin typeface="+mn-ea"/>
-                <a:ea typeface="+mn-ea"/>
-              </a:rPr>
-              <a:t>So It play home security system.  </a:t>
-            </a:r>
-          </a:p>
-          <a:p>
-            <a:pPr marL="285750" indent="-285750">
-              <a:lnSpc>
-                <a:spcPct val="150000"/>
-              </a:lnSpc>
+              </a:rPr>
+              <a:t>house.  </a:t>
+            </a:r>
+            <a:endParaRPr lang="en-US" altLang="ko-KR" sz="2400" b="1" dirty="0">
+              <a:solidFill>
+                <a:schemeClr val="bg1"/>
+              </a:solidFill>
+              <a:latin typeface="+mn-ea"/>
+            </a:endParaRPr>
+          </a:p>
+          <a:p>
+            <a:pPr marL="1028700" lvl="1" indent="-1028700">
               <a:buFontTx/>
               <a:buChar char="-"/>
               <a:tabLst>
-                <a:tab pos="2333625" algn="l"/>
+                <a:tab pos="1162050" algn="l"/>
               </a:tabLst>
               <a:defRPr lang="ko-KR" altLang="en-US"/>
             </a:pPr>
-            <a:r>
-              <a:rPr lang="en-US" altLang="ko-KR" b="1" i="1" u="sng" dirty="0" smtClean="0">
-                <a:solidFill>
-                  <a:schemeClr val="bg1"/>
-                </a:solidFill>
-                <a:latin typeface="+mn-ea"/>
-                <a:ea typeface="+mn-ea"/>
-              </a:rPr>
-              <a:t>Simpson left home.</a:t>
-            </a:r>
-          </a:p>
-          <a:p>
-            <a:pPr marL="0" indent="0">
-              <a:lnSpc>
-                <a:spcPct val="150000"/>
-              </a:lnSpc>
+            <a:endParaRPr lang="en-US" altLang="ko-KR" sz="2400" b="1" dirty="0">
+              <a:solidFill>
+                <a:schemeClr val="bg1"/>
+              </a:solidFill>
+              <a:latin typeface="+mn-ea"/>
+            </a:endParaRPr>
+          </a:p>
+          <a:p>
+            <a:pPr marL="0" lvl="1" indent="0">
+              <a:buNone/>
               <a:tabLst>
-                <a:tab pos="2333625" algn="l"/>
+                <a:tab pos="1162050" algn="l"/>
               </a:tabLst>
               <a:defRPr lang="ko-KR" altLang="en-US"/>
             </a:pPr>
             <a:r>
-              <a:rPr lang="en-US" altLang="ko-KR" b="1" dirty="0" smtClean="0">
-                <a:solidFill>
-                  <a:schemeClr val="bg1"/>
-                </a:solidFill>
-                <a:latin typeface="+mn-ea"/>
-                <a:ea typeface="+mn-ea"/>
-              </a:rPr>
-              <a:t>Simpson left home, let check what </a:t>
-            </a:r>
-            <a:r>
-              <a:rPr lang="en-US" altLang="ko-KR" b="1" dirty="0" err="1" smtClean="0">
-                <a:solidFill>
-                  <a:schemeClr val="bg1"/>
-                </a:solidFill>
-                <a:latin typeface="+mn-ea"/>
-                <a:ea typeface="+mn-ea"/>
-              </a:rPr>
-              <a:t>IoTMS</a:t>
-            </a:r>
-            <a:r>
-              <a:rPr lang="en-US" altLang="ko-KR" b="1" dirty="0" smtClean="0">
-                <a:solidFill>
-                  <a:schemeClr val="bg1"/>
-                </a:solidFill>
-                <a:latin typeface="+mn-ea"/>
-                <a:ea typeface="+mn-ea"/>
-              </a:rPr>
-              <a:t> can do for you. It notify Simpson ‘Do you want set alarm automatically?’ (See Simpson just got a message). </a:t>
-            </a:r>
-            <a:r>
-              <a:rPr lang="en-US" altLang="ko-KR" b="1" dirty="0">
-                <a:solidFill>
-                  <a:schemeClr val="bg1"/>
-                </a:solidFill>
-                <a:latin typeface="+mn-ea"/>
-                <a:ea typeface="+mn-ea"/>
-              </a:rPr>
-              <a:t> </a:t>
-            </a:r>
-            <a:r>
-              <a:rPr lang="en-US" altLang="ko-KR" b="1" dirty="0" smtClean="0">
-                <a:solidFill>
-                  <a:schemeClr val="bg1"/>
-                </a:solidFill>
-                <a:latin typeface="+mn-ea"/>
-                <a:ea typeface="+mn-ea"/>
-              </a:rPr>
-              <a:t>If he stays in front of home for gardening something then he reply message ‘Do not set alarm’ then nothing happens. </a:t>
-            </a:r>
-          </a:p>
-          <a:p>
-            <a:pPr marL="0" indent="0">
-              <a:lnSpc>
-                <a:spcPct val="150000"/>
-              </a:lnSpc>
+              <a:rPr lang="en-US" altLang="ko-KR" sz="2400" b="1" dirty="0">
+                <a:solidFill>
+                  <a:schemeClr val="bg1"/>
+                </a:solidFill>
+                <a:latin typeface="+mn-ea"/>
+              </a:rPr>
+              <a:t>By default It notify user, </a:t>
+            </a:r>
+            <a:r>
+              <a:rPr lang="en-US" altLang="ko-KR" sz="2400" b="1" dirty="0" smtClean="0">
+                <a:solidFill>
+                  <a:schemeClr val="bg1"/>
+                </a:solidFill>
+                <a:latin typeface="+mn-ea"/>
+              </a:rPr>
+              <a:t>but </a:t>
+            </a:r>
+            <a:r>
+              <a:rPr lang="en-US" altLang="ko-KR" sz="2400" b="1" dirty="0">
+                <a:solidFill>
+                  <a:schemeClr val="bg1"/>
+                </a:solidFill>
+                <a:latin typeface="+mn-ea"/>
+              </a:rPr>
+              <a:t>you can </a:t>
+            </a:r>
+            <a:r>
+              <a:rPr lang="en-US" altLang="ko-KR" sz="2400" b="1" dirty="0" smtClean="0">
+                <a:solidFill>
+                  <a:schemeClr val="bg1"/>
+                </a:solidFill>
+                <a:latin typeface="+mn-ea"/>
+              </a:rPr>
+              <a:t>change it whatever </a:t>
+            </a:r>
+            <a:r>
+              <a:rPr lang="en-US" altLang="ko-KR" sz="2400" b="1" dirty="0">
+                <a:solidFill>
+                  <a:schemeClr val="bg1"/>
+                </a:solidFill>
+                <a:latin typeface="+mn-ea"/>
+              </a:rPr>
+              <a:t>you want, I will show this </a:t>
+            </a:r>
+            <a:r>
+              <a:rPr lang="en-US" altLang="ko-KR" sz="2400" b="1" dirty="0" smtClean="0">
+                <a:solidFill>
+                  <a:schemeClr val="bg1"/>
+                </a:solidFill>
+                <a:latin typeface="+mn-ea"/>
+              </a:rPr>
+              <a:t>later. </a:t>
+            </a:r>
+            <a:endParaRPr lang="en-US" altLang="ko-KR" sz="2400" b="1" dirty="0">
+              <a:solidFill>
+                <a:schemeClr val="bg1"/>
+              </a:solidFill>
+              <a:latin typeface="+mn-ea"/>
+            </a:endParaRPr>
+          </a:p>
+          <a:p>
+            <a:pPr marL="0" lvl="1" indent="0">
+              <a:buNone/>
               <a:tabLst>
-                <a:tab pos="2333625" algn="l"/>
+                <a:tab pos="1162050" algn="l"/>
               </a:tabLst>
               <a:defRPr lang="ko-KR" altLang="en-US"/>
             </a:pPr>
             <a:r>
-              <a:rPr lang="en-US" altLang="ko-KR" b="1" dirty="0" smtClean="0">
-                <a:solidFill>
-                  <a:schemeClr val="bg1"/>
-                </a:solidFill>
-                <a:latin typeface="+mn-ea"/>
-                <a:ea typeface="+mn-ea"/>
-              </a:rPr>
-              <a:t>But if he really left home but forget to set alarm, </a:t>
-            </a:r>
-            <a:r>
-              <a:rPr lang="en-US" altLang="ko-KR" b="1" dirty="0" err="1" smtClean="0">
-                <a:solidFill>
-                  <a:schemeClr val="bg1"/>
-                </a:solidFill>
-                <a:latin typeface="+mn-ea"/>
-                <a:ea typeface="+mn-ea"/>
-              </a:rPr>
-              <a:t>IoTMS</a:t>
-            </a:r>
-            <a:r>
-              <a:rPr lang="en-US" altLang="ko-KR" b="1" dirty="0" smtClean="0">
-                <a:solidFill>
-                  <a:schemeClr val="bg1"/>
-                </a:solidFill>
-                <a:latin typeface="+mn-ea"/>
-                <a:ea typeface="+mn-ea"/>
-              </a:rPr>
-              <a:t> will help you. Set alarm but before setting alarm door should close first. See Light is also turned off no matter alarm is stetted or not. By default automatic alarm set is 5 min. and turn off time is 10 min, but I changed this to seconds for quick demo. </a:t>
+              <a:rPr lang="en-US" altLang="ko-KR" sz="2400" b="1" dirty="0">
+                <a:solidFill>
+                  <a:schemeClr val="bg1"/>
+                </a:solidFill>
+                <a:latin typeface="+mn-ea"/>
+              </a:rPr>
+              <a:t>I am going to show one more demo, so please turn off alarm.  </a:t>
             </a:r>
           </a:p>
         </p:txBody>
@@ -8623,7 +7639,7 @@
     </p:spTree>
     <p:extLst>
       <p:ext uri="{BB962C8B-B14F-4D97-AF65-F5344CB8AC3E}">
-        <p14:creationId xmlns:p14="http://schemas.microsoft.com/office/powerpoint/2010/main" val="2876279422"/>
+        <p14:creationId xmlns:p14="http://schemas.microsoft.com/office/powerpoint/2010/main" val="3268004146"/>
       </p:ext>
     </p:extLst>
   </p:cSld>
@@ -8736,7 +7752,11 @@
             </a:pPr>
             <a:r>
               <a:rPr lang="en-US" altLang="ko-KR" dirty="0" smtClean="0"/>
-              <a:t>Demo Scenario</a:t>
+              <a:t>Demo </a:t>
+            </a:r>
+            <a:r>
+              <a:rPr lang="en-US" altLang="ko-KR" dirty="0" smtClean="0"/>
+              <a:t>Scenario - 6</a:t>
             </a:r>
             <a:endParaRPr lang="ko-KR" altLang="en-US" dirty="0"/>
           </a:p>
@@ -8755,7 +7775,7 @@
         <p:spPr>
           <a:xfrm>
             <a:off x="719572" y="836712"/>
-            <a:ext cx="8424428" cy="5805264"/>
+            <a:ext cx="8172908" cy="5805264"/>
           </a:xfrm>
         </p:spPr>
         <p:txBody>
@@ -8766,7 +7786,7 @@
               <a:defRPr lang="ko-KR" altLang="en-US"/>
             </a:pPr>
             <a:r>
-              <a:rPr lang="en-US" altLang="ko-KR" sz="2400" b="1" dirty="0">
+              <a:rPr lang="en-US" altLang="ko-KR" sz="2400" b="1" dirty="0" smtClean="0">
                 <a:solidFill>
                   <a:schemeClr val="bg1"/>
                 </a:solidFill>
@@ -8782,27 +7802,14 @@
                 </a:solidFill>
                 <a:latin typeface="+mn-ea"/>
               </a:rPr>
-              <a:t>Secure </a:t>
-            </a:r>
-            <a:r>
-              <a:rPr lang="en-US" altLang="ko-KR" sz="2400" b="1" dirty="0">
-                <a:solidFill>
-                  <a:schemeClr val="bg1"/>
-                </a:solidFill>
-                <a:latin typeface="+mn-ea"/>
-              </a:rPr>
-              <a:t>mode : Human </a:t>
-            </a:r>
-            <a:r>
-              <a:rPr lang="en-US" altLang="ko-KR" sz="2400" b="1" dirty="0" smtClean="0">
-                <a:solidFill>
-                  <a:schemeClr val="bg1"/>
-                </a:solidFill>
-                <a:latin typeface="+mn-ea"/>
-              </a:rPr>
-              <a:t>Break-in]</a:t>
-            </a:r>
-            <a:endParaRPr lang="en-US" altLang="ko-KR" sz="2400" b="1" dirty="0">
+              <a:t>Actuator mal-function]</a:t>
+            </a:r>
+          </a:p>
+          <a:p>
+            <a:pPr marL="0" indent="0">
+              <a:defRPr lang="ko-KR" altLang="en-US"/>
+            </a:pPr>
+            <a:endParaRPr lang="en-US" altLang="ko-KR" sz="1400" b="1" dirty="0" smtClean="0">
               <a:solidFill>
                 <a:schemeClr val="bg1"/>
               </a:solidFill>
@@ -8810,9 +7817,18 @@
             </a:endParaRPr>
           </a:p>
           <a:p>
-            <a:pPr marL="457200" indent="-457200">
-              <a:defRPr lang="ko-KR" altLang="en-US"/>
-            </a:pPr>
+            <a:pPr marL="0" indent="0">
+              <a:defRPr lang="ko-KR" altLang="en-US"/>
+            </a:pPr>
+            <a:r>
+              <a:rPr lang="en-US" altLang="ko-KR" sz="2400" b="1" dirty="0">
+                <a:solidFill>
+                  <a:schemeClr val="bg1"/>
+                </a:solidFill>
+                <a:latin typeface="+mn-ea"/>
+              </a:rPr>
+              <a:t>Alarm mode, all doors and windows should be closed. You see </a:t>
+            </a:r>
             <a:r>
               <a:rPr lang="en-US" altLang="ko-KR" sz="2400" b="1" dirty="0" smtClean="0">
                 <a:solidFill>
@@ -8820,7 +7836,25 @@
                 </a:solidFill>
                 <a:latin typeface="+mn-ea"/>
               </a:rPr>
-              <a:t>Now </a:t>
+              <a:t>previously </a:t>
+            </a:r>
+            <a:r>
+              <a:rPr lang="en-US" altLang="ko-KR" sz="2400" b="1" dirty="0" err="1" smtClean="0">
+                <a:solidFill>
+                  <a:schemeClr val="bg1"/>
+                </a:solidFill>
+                <a:latin typeface="+mn-ea"/>
+              </a:rPr>
+              <a:t>IoTMS</a:t>
+            </a:r>
+            <a:r>
+              <a:rPr lang="en-US" altLang="ko-KR" sz="2400" b="1" dirty="0" smtClean="0">
+                <a:solidFill>
+                  <a:schemeClr val="bg1"/>
+                </a:solidFill>
+                <a:latin typeface="+mn-ea"/>
+              </a:rPr>
+              <a:t> </a:t>
             </a:r>
             <a:r>
               <a:rPr lang="en-US" altLang="ko-KR" sz="2400" b="1" dirty="0">
@@ -8829,74 +7863,17 @@
                 </a:solidFill>
                 <a:latin typeface="+mn-ea"/>
               </a:rPr>
-              <a:t>Alarm is set, what happen somebody break-in. </a:t>
-            </a:r>
-          </a:p>
-          <a:p>
-            <a:pPr marL="0" lvl="1" indent="0">
-              <a:buNone/>
-              <a:tabLst>
-                <a:tab pos="1162050" algn="l"/>
-              </a:tabLst>
-              <a:defRPr lang="ko-KR" altLang="en-US"/>
-            </a:pPr>
-            <a:endParaRPr lang="en-US" altLang="ko-KR" sz="2400" b="1" i="1" u="sng" dirty="0" smtClean="0">
-              <a:solidFill>
-                <a:schemeClr val="bg1"/>
-              </a:solidFill>
-              <a:latin typeface="+mn-ea"/>
-            </a:endParaRPr>
-          </a:p>
-          <a:p>
-            <a:pPr marL="0" lvl="1" indent="0">
-              <a:buNone/>
-              <a:tabLst>
-                <a:tab pos="1162050" algn="l"/>
-              </a:tabLst>
-              <a:defRPr lang="ko-KR" altLang="en-US"/>
-            </a:pPr>
-            <a:r>
-              <a:rPr lang="en-US" altLang="ko-KR" sz="2400" b="1" i="1" u="sng" dirty="0" smtClean="0">
-                <a:solidFill>
-                  <a:schemeClr val="bg1"/>
-                </a:solidFill>
-                <a:latin typeface="+mn-ea"/>
-              </a:rPr>
-              <a:t>[</a:t>
-            </a:r>
-            <a:r>
-              <a:rPr lang="en-US" altLang="ko-KR" sz="2400" b="1" i="1" u="sng" dirty="0">
-                <a:solidFill>
-                  <a:schemeClr val="bg1"/>
-                </a:solidFill>
-                <a:latin typeface="+mn-ea"/>
-              </a:rPr>
-              <a:t>Thief in]</a:t>
-            </a:r>
-          </a:p>
-          <a:p>
-            <a:pPr marL="0" lvl="1" indent="0">
-              <a:buNone/>
-              <a:tabLst>
-                <a:tab pos="1162050" algn="l"/>
-              </a:tabLst>
-              <a:defRPr lang="ko-KR" altLang="en-US"/>
-            </a:pPr>
-            <a:endParaRPr lang="en-US" altLang="ko-KR" sz="2400" b="1" dirty="0">
-              <a:solidFill>
-                <a:schemeClr val="bg1"/>
-              </a:solidFill>
-              <a:latin typeface="+mn-ea"/>
-            </a:endParaRPr>
-          </a:p>
-          <a:p>
-            <a:pPr marL="0" lvl="1" indent="0">
-              <a:buNone/>
-              <a:tabLst>
-                <a:tab pos="1162050" algn="l"/>
-              </a:tabLst>
-              <a:defRPr lang="ko-KR" altLang="en-US"/>
-            </a:pPr>
+              <a:t>close door </a:t>
+            </a:r>
+            <a:r>
+              <a:rPr lang="en-US" altLang="ko-KR" sz="2400" b="1" dirty="0" smtClean="0">
+                <a:solidFill>
+                  <a:schemeClr val="bg1"/>
+                </a:solidFill>
+                <a:latin typeface="+mn-ea"/>
+              </a:rPr>
+              <a:t>first. what </a:t>
+            </a:r>
             <a:r>
               <a:rPr lang="en-US" altLang="ko-KR" sz="2400" b="1" dirty="0">
                 <a:solidFill>
@@ -8904,17 +7881,8 @@
                 </a:solidFill>
                 <a:latin typeface="+mn-ea"/>
               </a:rPr>
-              <a:t>Notify User ! – emergency message </a:t>
-            </a:r>
-          </a:p>
-          <a:p>
-            <a:pPr marL="0" lvl="1" indent="0">
-              <a:buNone/>
-              <a:tabLst>
-                <a:tab pos="1162050" algn="l"/>
-              </a:tabLst>
-              <a:defRPr lang="ko-KR" altLang="en-US"/>
-            </a:pPr>
+              <a:t>if it fails. Doors can be break or something </a:t>
+            </a:r>
             <a:r>
               <a:rPr lang="en-US" altLang="ko-KR" sz="2400" b="1" dirty="0" smtClean="0">
                 <a:solidFill>
@@ -8922,7 +7890,7 @@
                 </a:solidFill>
                 <a:latin typeface="+mn-ea"/>
               </a:rPr>
-              <a:t>He’s got a mail, I </a:t>
+              <a:t>blocked </a:t>
             </a:r>
             <a:r>
               <a:rPr lang="en-US" altLang="ko-KR" sz="2400" b="1" dirty="0">
@@ -8931,7 +7899,7 @@
                 </a:solidFill>
                 <a:latin typeface="+mn-ea"/>
               </a:rPr>
-              <a:t>am going to read it for you. Emergency message show what going on my </a:t>
+              <a:t>door. Fore example. </a:t>
             </a:r>
             <a:r>
               <a:rPr lang="en-US" altLang="ko-KR" sz="2400" b="1" dirty="0" smtClean="0">
@@ -8940,39 +7908,8 @@
                 </a:solidFill>
                 <a:latin typeface="+mn-ea"/>
               </a:rPr>
-              <a:t>house.  </a:t>
-            </a:r>
-            <a:endParaRPr lang="en-US" altLang="ko-KR" sz="2400" b="1" dirty="0">
-              <a:solidFill>
-                <a:schemeClr val="bg1"/>
-              </a:solidFill>
-              <a:latin typeface="+mn-ea"/>
-            </a:endParaRPr>
-          </a:p>
-          <a:p>
-            <a:pPr marL="1028700" lvl="1" indent="-1028700">
-              <a:buFontTx/>
-              <a:buChar char="-"/>
-              <a:tabLst>
-                <a:tab pos="1162050" algn="l"/>
-              </a:tabLst>
-              <a:defRPr lang="ko-KR" altLang="en-US"/>
-            </a:pPr>
-            <a:endParaRPr lang="en-US" altLang="ko-KR" sz="2400" b="1" dirty="0">
-              <a:solidFill>
-                <a:schemeClr val="bg1"/>
-              </a:solidFill>
-              <a:latin typeface="+mn-ea"/>
-            </a:endParaRPr>
-          </a:p>
-          <a:p>
-            <a:pPr marL="0" lvl="1" indent="0">
-              <a:buNone/>
-              <a:tabLst>
-                <a:tab pos="1162050" algn="l"/>
-              </a:tabLst>
-              <a:defRPr lang="ko-KR" altLang="en-US"/>
-            </a:pPr>
+              <a:t>Cat in </a:t>
+            </a:r>
             <a:r>
               <a:rPr lang="en-US" altLang="ko-KR" sz="2400" b="1" dirty="0">
                 <a:solidFill>
@@ -8980,7 +7917,7 @@
                 </a:solidFill>
                 <a:latin typeface="+mn-ea"/>
               </a:rPr>
-              <a:t>By default It notify user, </a:t>
+              <a:t>door</a:t>
             </a:r>
             <a:r>
               <a:rPr lang="en-US" altLang="ko-KR" sz="2400" b="1" dirty="0" smtClean="0">
@@ -8989,7 +7926,7 @@
                 </a:solidFill>
                 <a:latin typeface="+mn-ea"/>
               </a:rPr>
-              <a:t>but </a:t>
+              <a:t>? Let’s </a:t>
             </a:r>
             <a:r>
               <a:rPr lang="en-US" altLang="ko-KR" sz="2400" b="1" dirty="0">
@@ -8998,7 +7935,7 @@
                 </a:solidFill>
                 <a:latin typeface="+mn-ea"/>
               </a:rPr>
-              <a:t>you can </a:t>
+              <a:t>check what’s happening</a:t>
             </a:r>
             <a:r>
               <a:rPr lang="en-US" altLang="ko-KR" sz="2400" b="1" dirty="0" smtClean="0">
@@ -9007,49 +7944,7 @@
                 </a:solidFill>
                 <a:latin typeface="+mn-ea"/>
               </a:rPr>
-              <a:t>change it whatever </a:t>
-            </a:r>
-            <a:r>
-              <a:rPr lang="en-US" altLang="ko-KR" sz="2400" b="1" dirty="0">
-                <a:solidFill>
-                  <a:schemeClr val="bg1"/>
-                </a:solidFill>
-                <a:latin typeface="+mn-ea"/>
-              </a:rPr>
-              <a:t>you want, I will show this </a:t>
-            </a:r>
-            <a:r>
-              <a:rPr lang="en-US" altLang="ko-KR" sz="2400" b="1" dirty="0" smtClean="0">
-                <a:solidFill>
-                  <a:schemeClr val="bg1"/>
-                </a:solidFill>
-                <a:latin typeface="+mn-ea"/>
-              </a:rPr>
-              <a:t>later. </a:t>
-            </a:r>
-            <a:endParaRPr lang="en-US" altLang="ko-KR" sz="2400" b="1" dirty="0">
-              <a:solidFill>
-                <a:schemeClr val="bg1"/>
-              </a:solidFill>
-              <a:latin typeface="+mn-ea"/>
-            </a:endParaRPr>
-          </a:p>
-          <a:p>
-            <a:pPr marL="0" lvl="1" indent="0">
-              <a:buNone/>
-              <a:tabLst>
-                <a:tab pos="1162050" algn="l"/>
-              </a:tabLst>
-              <a:defRPr lang="ko-KR" altLang="en-US"/>
-            </a:pPr>
-            <a:r>
-              <a:rPr lang="en-US" altLang="ko-KR" sz="2400" b="1" dirty="0">
-                <a:solidFill>
-                  <a:schemeClr val="bg1"/>
-                </a:solidFill>
-                <a:latin typeface="+mn-ea"/>
-              </a:rPr>
-              <a:t>I am going to show one more demo, so please turn off alarm.  </a:t>
+              <a:t>.</a:t>
             </a:r>
           </a:p>
         </p:txBody>
@@ -9085,7 +7980,7 @@
     </p:spTree>
     <p:extLst>
       <p:ext uri="{BB962C8B-B14F-4D97-AF65-F5344CB8AC3E}">
-        <p14:creationId xmlns:p14="http://schemas.microsoft.com/office/powerpoint/2010/main" val="3268004146"/>
+        <p14:creationId xmlns:p14="http://schemas.microsoft.com/office/powerpoint/2010/main" val="3439145281"/>
       </p:ext>
     </p:extLst>
   </p:cSld>
@@ -9198,7 +8093,11 @@
             </a:pPr>
             <a:r>
               <a:rPr lang="en-US" altLang="ko-KR" dirty="0" smtClean="0"/>
-              <a:t>Demo Scenario</a:t>
+              <a:t>Demo </a:t>
+            </a:r>
+            <a:r>
+              <a:rPr lang="en-US" altLang="ko-KR" dirty="0" smtClean="0"/>
+              <a:t>Scenario - 7</a:t>
             </a:r>
             <a:endParaRPr lang="ko-KR" altLang="en-US" dirty="0"/>
           </a:p>
@@ -9259,9 +8158,129 @@
             </a:endParaRPr>
           </a:p>
           <a:p>
+            <a:pPr marL="342900" indent="-342900">
+              <a:buFontTx/>
+              <a:buChar char="-"/>
+              <a:defRPr lang="ko-KR" altLang="en-US"/>
+            </a:pPr>
+            <a:r>
+              <a:rPr lang="en-US" altLang="ko-KR" sz="2400" b="1" i="1" u="sng" dirty="0" smtClean="0">
+                <a:solidFill>
+                  <a:schemeClr val="bg1"/>
+                </a:solidFill>
+                <a:latin typeface="+mn-ea"/>
+              </a:rPr>
+              <a:t>Break </a:t>
+            </a:r>
+            <a:r>
+              <a:rPr lang="en-US" altLang="ko-KR" sz="2400" b="1" i="1" u="sng" dirty="0">
+                <a:solidFill>
+                  <a:schemeClr val="bg1"/>
+                </a:solidFill>
+                <a:latin typeface="+mn-ea"/>
+              </a:rPr>
+              <a:t>door </a:t>
+            </a:r>
+            <a:r>
+              <a:rPr lang="en-US" altLang="ko-KR" sz="2400" b="1" dirty="0" smtClean="0">
+                <a:solidFill>
+                  <a:schemeClr val="bg1"/>
+                </a:solidFill>
+                <a:latin typeface="+mn-ea"/>
+              </a:rPr>
+              <a:t>.</a:t>
+            </a:r>
+          </a:p>
+          <a:p>
+            <a:pPr marL="342900" indent="-342900">
+              <a:buFontTx/>
+              <a:buChar char="-"/>
+              <a:defRPr lang="ko-KR" altLang="en-US"/>
+            </a:pPr>
+            <a:r>
+              <a:rPr lang="en-US" altLang="ko-KR" sz="2400" b="1" i="1" u="sng" dirty="0" smtClean="0">
+                <a:solidFill>
+                  <a:schemeClr val="bg1"/>
+                </a:solidFill>
+                <a:latin typeface="+mn-ea"/>
+              </a:rPr>
+              <a:t>Simpson </a:t>
+            </a:r>
+            <a:r>
+              <a:rPr lang="en-US" altLang="ko-KR" sz="2400" b="1" i="1" u="sng" dirty="0">
+                <a:solidFill>
+                  <a:schemeClr val="bg1"/>
+                </a:solidFill>
+                <a:latin typeface="+mn-ea"/>
+              </a:rPr>
+              <a:t>left home</a:t>
+            </a:r>
+            <a:r>
+              <a:rPr lang="en-US" altLang="ko-KR" sz="2400" b="1" dirty="0">
+                <a:solidFill>
+                  <a:schemeClr val="bg1"/>
+                </a:solidFill>
+                <a:latin typeface="+mn-ea"/>
+              </a:rPr>
+              <a:t>, </a:t>
+            </a:r>
+            <a:endParaRPr lang="en-US" altLang="ko-KR" sz="2400" b="1" dirty="0" smtClean="0">
+              <a:solidFill>
+                <a:schemeClr val="bg1"/>
+              </a:solidFill>
+              <a:latin typeface="+mn-ea"/>
+            </a:endParaRPr>
+          </a:p>
+          <a:p>
+            <a:pPr marL="342900" indent="-342900">
+              <a:buFontTx/>
+              <a:buChar char="-"/>
+              <a:defRPr lang="ko-KR" altLang="en-US"/>
+            </a:pPr>
+            <a:r>
+              <a:rPr lang="en-US" altLang="ko-KR" sz="2400" b="1" i="1" u="sng" dirty="0" smtClean="0">
+                <a:solidFill>
+                  <a:schemeClr val="bg1"/>
+                </a:solidFill>
+                <a:latin typeface="+mn-ea"/>
+              </a:rPr>
+              <a:t>lets </a:t>
+            </a:r>
+            <a:r>
+              <a:rPr lang="en-US" altLang="ko-KR" sz="2400" b="1" i="1" u="sng" dirty="0">
+                <a:solidFill>
+                  <a:schemeClr val="bg1"/>
+                </a:solidFill>
+                <a:latin typeface="+mn-ea"/>
+              </a:rPr>
+              <a:t>set alarm for saving time.</a:t>
+            </a:r>
+          </a:p>
+          <a:p>
             <a:pPr marL="0" indent="0">
               <a:defRPr lang="ko-KR" altLang="en-US"/>
             </a:pPr>
+            <a:endParaRPr lang="en-US" altLang="ko-KR" sz="2400" b="1" dirty="0">
+              <a:solidFill>
+                <a:schemeClr val="bg1"/>
+              </a:solidFill>
+              <a:latin typeface="+mn-ea"/>
+            </a:endParaRPr>
+          </a:p>
+          <a:p>
+            <a:pPr marL="0" lvl="1" indent="0">
+              <a:buNone/>
+              <a:defRPr lang="ko-KR" altLang="en-US"/>
+            </a:pPr>
+            <a:r>
+              <a:rPr lang="en-US" altLang="ko-KR" sz="2400" b="1" dirty="0" err="1">
+                <a:solidFill>
+                  <a:schemeClr val="bg1"/>
+                </a:solidFill>
+                <a:latin typeface="+mn-ea"/>
+              </a:rPr>
+              <a:t>IoTMS</a:t>
+            </a:r>
             <a:r>
               <a:rPr lang="en-US" altLang="ko-KR" sz="2400" b="1" dirty="0">
                 <a:solidFill>
@@ -9269,7 +8288,16 @@
                 </a:solidFill>
                 <a:latin typeface="+mn-ea"/>
               </a:rPr>
-              <a:t>Alarm mode, all doors and windows should be closed. </a:t>
+              <a:t> try to close door, but it is not working. </a:t>
+            </a:r>
+            <a:r>
+              <a:rPr lang="en-US" altLang="ko-KR" sz="2400" b="1" dirty="0" err="1">
+                <a:solidFill>
+                  <a:schemeClr val="bg1"/>
+                </a:solidFill>
+                <a:latin typeface="+mn-ea"/>
+              </a:rPr>
+              <a:t>IoTMS</a:t>
             </a:r>
             <a:r>
               <a:rPr lang="en-US" altLang="ko-KR" sz="2400" b="1" dirty="0">
@@ -9278,125 +8306,44 @@
                 </a:solidFill>
                 <a:latin typeface="+mn-ea"/>
               </a:rPr>
-              <a:t>You see </a:t>
-            </a:r>
-            <a:r>
-              <a:rPr lang="en-US" altLang="ko-KR" sz="2400" b="1" dirty="0" smtClean="0">
-                <a:solidFill>
-                  <a:schemeClr val="bg1"/>
-                </a:solidFill>
-                <a:latin typeface="+mn-ea"/>
-              </a:rPr>
-              <a:t>previously </a:t>
-            </a:r>
-            <a:r>
-              <a:rPr lang="en-US" altLang="ko-KR" sz="2400" b="1" dirty="0" err="1" smtClean="0">
-                <a:solidFill>
-                  <a:schemeClr val="bg1"/>
-                </a:solidFill>
-                <a:latin typeface="+mn-ea"/>
-              </a:rPr>
-              <a:t>IoTMS</a:t>
-            </a:r>
-            <a:r>
-              <a:rPr lang="en-US" altLang="ko-KR" sz="2400" b="1" dirty="0" smtClean="0">
-                <a:solidFill>
-                  <a:schemeClr val="bg1"/>
-                </a:solidFill>
-                <a:latin typeface="+mn-ea"/>
-              </a:rPr>
-              <a:t> </a:t>
-            </a:r>
-            <a:r>
-              <a:rPr lang="en-US" altLang="ko-KR" sz="2400" b="1" dirty="0">
-                <a:solidFill>
-                  <a:schemeClr val="bg1"/>
-                </a:solidFill>
-                <a:latin typeface="+mn-ea"/>
-              </a:rPr>
-              <a:t>close door </a:t>
-            </a:r>
-            <a:r>
-              <a:rPr lang="en-US" altLang="ko-KR" sz="2400" b="1" dirty="0" smtClean="0">
-                <a:solidFill>
-                  <a:schemeClr val="bg1"/>
-                </a:solidFill>
-                <a:latin typeface="+mn-ea"/>
-              </a:rPr>
-              <a:t>first. what </a:t>
-            </a:r>
-            <a:r>
-              <a:rPr lang="en-US" altLang="ko-KR" sz="2400" b="1" dirty="0">
-                <a:solidFill>
-                  <a:schemeClr val="bg1"/>
-                </a:solidFill>
-                <a:latin typeface="+mn-ea"/>
-              </a:rPr>
-              <a:t>if it fails. Doors can be break or something </a:t>
-            </a:r>
-            <a:r>
-              <a:rPr lang="en-US" altLang="ko-KR" sz="2400" b="1" dirty="0" smtClean="0">
-                <a:solidFill>
-                  <a:schemeClr val="bg1"/>
-                </a:solidFill>
-                <a:latin typeface="+mn-ea"/>
-              </a:rPr>
-              <a:t>blocked </a:t>
-            </a:r>
-            <a:r>
-              <a:rPr lang="en-US" altLang="ko-KR" sz="2400" b="1" dirty="0">
-                <a:solidFill>
-                  <a:schemeClr val="bg1"/>
-                </a:solidFill>
-                <a:latin typeface="+mn-ea"/>
-              </a:rPr>
-              <a:t>door. Fore example. </a:t>
-            </a:r>
-            <a:r>
-              <a:rPr lang="en-US" altLang="ko-KR" sz="2400" b="1" dirty="0" smtClean="0">
-                <a:solidFill>
-                  <a:schemeClr val="bg1"/>
-                </a:solidFill>
-                <a:latin typeface="+mn-ea"/>
-              </a:rPr>
-              <a:t>Cat in </a:t>
-            </a:r>
-            <a:r>
-              <a:rPr lang="en-US" altLang="ko-KR" sz="2400" b="1" dirty="0">
-                <a:solidFill>
-                  <a:schemeClr val="bg1"/>
-                </a:solidFill>
-                <a:latin typeface="+mn-ea"/>
-              </a:rPr>
-              <a:t>door</a:t>
-            </a:r>
-            <a:r>
-              <a:rPr lang="en-US" altLang="ko-KR" sz="2400" b="1" dirty="0" smtClean="0">
-                <a:solidFill>
-                  <a:schemeClr val="bg1"/>
-                </a:solidFill>
-                <a:latin typeface="+mn-ea"/>
-              </a:rPr>
-              <a:t>? Let’s </a:t>
-            </a:r>
-            <a:r>
-              <a:rPr lang="en-US" altLang="ko-KR" sz="2400" b="1" dirty="0">
-                <a:solidFill>
-                  <a:schemeClr val="bg1"/>
-                </a:solidFill>
-                <a:latin typeface="+mn-ea"/>
-              </a:rPr>
-              <a:t>check what’s happening</a:t>
-            </a:r>
-            <a:r>
-              <a:rPr lang="en-US" altLang="ko-KR" sz="2400" b="1" dirty="0" smtClean="0">
-                <a:solidFill>
-                  <a:schemeClr val="bg1"/>
-                </a:solidFill>
-                <a:latin typeface="+mn-ea"/>
-              </a:rPr>
-              <a:t>.</a:t>
-            </a:r>
+              <a:t> detect this and notify user and do not set alarm. Our default rule is like this, but you can modify this with your preference such as try again. </a:t>
+            </a:r>
+          </a:p>
+          <a:p>
+            <a:pPr marL="1028700" lvl="1" indent="-1028700">
+              <a:buNone/>
+              <a:defRPr lang="ko-KR" altLang="en-US"/>
+            </a:pPr>
+            <a:endParaRPr lang="en-US" altLang="ko-KR" sz="1800" dirty="0" smtClean="0">
+              <a:solidFill>
+                <a:schemeClr val="bg1"/>
+              </a:solidFill>
+              <a:latin typeface="+mn-ea"/>
+            </a:endParaRPr>
+          </a:p>
+          <a:p>
+            <a:pPr marL="1028700" lvl="1" indent="-1028700">
+              <a:buNone/>
+              <a:defRPr lang="ko-KR" altLang="en-US"/>
+            </a:pPr>
+            <a:endParaRPr lang="en-US" altLang="ko-KR" sz="1800" dirty="0">
+              <a:solidFill>
+                <a:schemeClr val="bg1"/>
+              </a:solidFill>
+              <a:latin typeface="+mn-ea"/>
+            </a:endParaRPr>
+          </a:p>
+          <a:p>
+            <a:pPr marL="1028700" lvl="1" indent="-1028700">
+              <a:buNone/>
+              <a:defRPr lang="ko-KR" altLang="en-US"/>
+            </a:pPr>
+            <a:endParaRPr lang="en-US" altLang="ko-KR" sz="1800" dirty="0" smtClean="0">
+              <a:solidFill>
+                <a:schemeClr val="bg1"/>
+              </a:solidFill>
+              <a:latin typeface="+mn-ea"/>
+            </a:endParaRPr>
           </a:p>
         </p:txBody>
       </p:sp>
@@ -9431,7 +8378,7 @@
     </p:spTree>
     <p:extLst>
       <p:ext uri="{BB962C8B-B14F-4D97-AF65-F5344CB8AC3E}">
-        <p14:creationId xmlns:p14="http://schemas.microsoft.com/office/powerpoint/2010/main" val="3439145281"/>
+        <p14:creationId xmlns:p14="http://schemas.microsoft.com/office/powerpoint/2010/main" val="1343042220"/>
       </p:ext>
     </p:extLst>
   </p:cSld>
@@ -9544,7 +8491,11 @@
             </a:pPr>
             <a:r>
               <a:rPr lang="en-US" altLang="ko-KR" dirty="0" smtClean="0"/>
-              <a:t>Demo Scenario</a:t>
+              <a:t>Demo </a:t>
+            </a:r>
+            <a:r>
+              <a:rPr lang="en-US" altLang="ko-KR" dirty="0" smtClean="0"/>
+              <a:t>Scenario -8</a:t>
             </a:r>
             <a:endParaRPr lang="ko-KR" altLang="en-US" dirty="0"/>
           </a:p>
@@ -9574,30 +8525,21 @@
               <a:defRPr lang="ko-KR" altLang="en-US"/>
             </a:pPr>
             <a:r>
-              <a:rPr lang="en-US" altLang="ko-KR" sz="2400" b="1" dirty="0" smtClean="0">
-                <a:solidFill>
-                  <a:schemeClr val="bg1"/>
-                </a:solidFill>
-                <a:latin typeface="+mn-ea"/>
-                <a:ea typeface="+mn-ea"/>
-              </a:rPr>
-              <a:t>[</a:t>
-            </a:r>
-            <a:r>
-              <a:rPr lang="en-US" altLang="ko-KR" sz="2400" b="1" dirty="0" smtClean="0">
-                <a:solidFill>
-                  <a:schemeClr val="bg1"/>
-                </a:solidFill>
-                <a:latin typeface="+mn-ea"/>
-              </a:rPr>
-              <a:t>Actuator mal-function]</a:t>
-            </a:r>
-          </a:p>
-          <a:p>
-            <a:pPr marL="0" indent="0">
-              <a:defRPr lang="ko-KR" altLang="en-US"/>
-            </a:pPr>
-            <a:endParaRPr lang="en-US" altLang="ko-KR" sz="1400" b="1" dirty="0" smtClean="0">
+              <a:rPr lang="en-US" altLang="ko-KR" sz="2400" b="1" dirty="0">
+                <a:solidFill>
+                  <a:schemeClr val="bg1"/>
+                </a:solidFill>
+                <a:latin typeface="+mn-ea"/>
+              </a:rPr>
+              <a:t>[Sensor mal-function]</a:t>
+            </a:r>
+          </a:p>
+          <a:p>
+            <a:pPr marL="1028700" lvl="1" indent="-1028700">
+              <a:buNone/>
+              <a:defRPr lang="ko-KR" altLang="en-US"/>
+            </a:pPr>
+            <a:endParaRPr lang="en-US" altLang="ko-KR" sz="2000" dirty="0">
               <a:solidFill>
                 <a:schemeClr val="bg1"/>
               </a:solidFill>
@@ -9605,62 +8547,18 @@
             </a:endParaRPr>
           </a:p>
           <a:p>
-            <a:pPr marL="342900" indent="-342900">
-              <a:buFontTx/>
-              <a:buChar char="-"/>
-              <a:defRPr lang="ko-KR" altLang="en-US"/>
-            </a:pPr>
-            <a:r>
-              <a:rPr lang="en-US" altLang="ko-KR" sz="2400" b="1" i="1" u="sng" dirty="0" smtClean="0">
-                <a:solidFill>
-                  <a:schemeClr val="bg1"/>
-                </a:solidFill>
-                <a:latin typeface="+mn-ea"/>
-              </a:rPr>
-              <a:t>Break </a:t>
-            </a:r>
-            <a:r>
-              <a:rPr lang="en-US" altLang="ko-KR" sz="2400" b="1" i="1" u="sng" dirty="0">
-                <a:solidFill>
-                  <a:schemeClr val="bg1"/>
-                </a:solidFill>
-                <a:latin typeface="+mn-ea"/>
-              </a:rPr>
-              <a:t>door </a:t>
-            </a:r>
-            <a:r>
-              <a:rPr lang="en-US" altLang="ko-KR" sz="2400" b="1" dirty="0" smtClean="0">
-                <a:solidFill>
-                  <a:schemeClr val="bg1"/>
-                </a:solidFill>
-                <a:latin typeface="+mn-ea"/>
-              </a:rPr>
-              <a:t>.</a:t>
-            </a:r>
-          </a:p>
-          <a:p>
-            <a:pPr marL="342900" indent="-342900">
-              <a:buFontTx/>
-              <a:buChar char="-"/>
-              <a:defRPr lang="ko-KR" altLang="en-US"/>
-            </a:pPr>
-            <a:r>
-              <a:rPr lang="en-US" altLang="ko-KR" sz="2400" b="1" i="1" u="sng" dirty="0" smtClean="0">
-                <a:solidFill>
-                  <a:schemeClr val="bg1"/>
-                </a:solidFill>
-                <a:latin typeface="+mn-ea"/>
-              </a:rPr>
-              <a:t>Simpson </a:t>
-            </a:r>
-            <a:r>
-              <a:rPr lang="en-US" altLang="ko-KR" sz="2400" b="1" i="1" u="sng" dirty="0">
-                <a:solidFill>
-                  <a:schemeClr val="bg1"/>
-                </a:solidFill>
-                <a:latin typeface="+mn-ea"/>
-              </a:rPr>
-              <a:t>left home</a:t>
+            <a:pPr marL="1028700" lvl="1" indent="-1028700">
+              <a:buNone/>
+              <a:defRPr lang="ko-KR" altLang="en-US"/>
+            </a:pPr>
+            <a:r>
+              <a:rPr lang="en-US" altLang="ko-KR" sz="2400" b="1" dirty="0" err="1">
+                <a:solidFill>
+                  <a:schemeClr val="bg1"/>
+                </a:solidFill>
+                <a:latin typeface="+mn-ea"/>
+              </a:rPr>
+              <a:t>IoTMS</a:t>
             </a:r>
             <a:r>
               <a:rPr lang="en-US" altLang="ko-KR" sz="2400" b="1" dirty="0">
@@ -9669,7 +8567,7 @@
                 </a:solidFill>
                 <a:latin typeface="+mn-ea"/>
               </a:rPr>
-              <a:t>, </a:t>
+              <a:t> detect actuator’s mal-function, </a:t>
             </a:r>
             <a:endParaRPr lang="en-US" altLang="ko-KR" sz="2400" b="1" dirty="0" smtClean="0">
               <a:solidFill>
@@ -9679,32 +8577,38 @@
             </a:endParaRPr>
           </a:p>
           <a:p>
-            <a:pPr marL="342900" indent="-342900">
-              <a:buFontTx/>
-              <a:buChar char="-"/>
-              <a:defRPr lang="ko-KR" altLang="en-US"/>
-            </a:pPr>
-            <a:r>
-              <a:rPr lang="en-US" altLang="ko-KR" sz="2400" b="1" i="1" u="sng" dirty="0" smtClean="0">
-                <a:solidFill>
-                  <a:schemeClr val="bg1"/>
-                </a:solidFill>
-                <a:latin typeface="+mn-ea"/>
-              </a:rPr>
-              <a:t>lets </a:t>
-            </a:r>
-            <a:r>
-              <a:rPr lang="en-US" altLang="ko-KR" sz="2400" b="1" i="1" u="sng" dirty="0">
-                <a:solidFill>
-                  <a:schemeClr val="bg1"/>
-                </a:solidFill>
-                <a:latin typeface="+mn-ea"/>
-              </a:rPr>
-              <a:t>set alarm for saving time.</a:t>
-            </a:r>
-          </a:p>
-          <a:p>
-            <a:pPr marL="0" indent="0">
+            <a:pPr marL="1028700" lvl="1" indent="-1028700">
+              <a:buNone/>
+              <a:defRPr lang="ko-KR" altLang="en-US"/>
+            </a:pPr>
+            <a:r>
+              <a:rPr lang="en-US" altLang="ko-KR" sz="2400" b="1" dirty="0" smtClean="0">
+                <a:solidFill>
+                  <a:schemeClr val="bg1"/>
+                </a:solidFill>
+                <a:latin typeface="+mn-ea"/>
+              </a:rPr>
+              <a:t>then </a:t>
+            </a:r>
+            <a:r>
+              <a:rPr lang="en-US" altLang="ko-KR" sz="2400" b="1" dirty="0">
+                <a:solidFill>
+                  <a:schemeClr val="bg1"/>
+                </a:solidFill>
+                <a:latin typeface="+mn-ea"/>
+              </a:rPr>
+              <a:t>what about sensors? Let’s break it. </a:t>
+            </a:r>
+            <a:endParaRPr lang="en-US" altLang="ko-KR" sz="2400" b="1" dirty="0" smtClean="0">
+              <a:solidFill>
+                <a:schemeClr val="bg1"/>
+              </a:solidFill>
+              <a:latin typeface="+mn-ea"/>
+            </a:endParaRPr>
+          </a:p>
+          <a:p>
+            <a:pPr marL="1028700" lvl="1" indent="-1028700">
+              <a:buNone/>
               <a:defRPr lang="ko-KR" altLang="en-US"/>
             </a:pPr>
             <a:endParaRPr lang="en-US" altLang="ko-KR" sz="2400" b="1" dirty="0">
@@ -9720,6 +8624,48 @@
               <a:defRPr lang="ko-KR" altLang="en-US"/>
             </a:pPr>
             <a:r>
+              <a:rPr lang="en-US" altLang="ko-KR" sz="2400" b="1" dirty="0">
+                <a:solidFill>
+                  <a:schemeClr val="bg1"/>
+                </a:solidFill>
+                <a:latin typeface="+mn-ea"/>
+              </a:rPr>
+              <a:t>- </a:t>
+            </a:r>
+            <a:r>
+              <a:rPr lang="en-US" altLang="ko-KR" sz="2400" b="1" i="1" u="sng" dirty="0" smtClean="0">
+                <a:solidFill>
+                  <a:schemeClr val="bg1"/>
+                </a:solidFill>
+                <a:latin typeface="+mn-ea"/>
+              </a:rPr>
+              <a:t>Pull </a:t>
+            </a:r>
+            <a:r>
+              <a:rPr lang="en-US" altLang="ko-KR" sz="2400" b="1" i="1" u="sng" dirty="0">
+                <a:solidFill>
+                  <a:schemeClr val="bg1"/>
+                </a:solidFill>
+                <a:latin typeface="+mn-ea"/>
+              </a:rPr>
+              <a:t>out humidity sensors. </a:t>
+            </a:r>
+          </a:p>
+          <a:p>
+            <a:pPr marL="0" lvl="1" indent="0">
+              <a:buNone/>
+              <a:defRPr lang="ko-KR" altLang="en-US"/>
+            </a:pPr>
+            <a:r>
+              <a:rPr lang="en-US" altLang="ko-KR" sz="2400" b="1" dirty="0">
+                <a:solidFill>
+                  <a:schemeClr val="bg1"/>
+                </a:solidFill>
+                <a:latin typeface="+mn-ea"/>
+              </a:rPr>
+              <a:t>Abnormal value comes, </a:t>
+            </a:r>
+            <a:r>
               <a:rPr lang="en-US" altLang="ko-KR" sz="2400" b="1" dirty="0" err="1">
                 <a:solidFill>
                   <a:schemeClr val="bg1"/>
@@ -9735,33 +8681,18 @@
                 </a:solidFill>
                 <a:latin typeface="+mn-ea"/>
               </a:rPr>
-              <a:t> try to close door, but it is not working. </a:t>
-            </a:r>
-            <a:r>
-              <a:rPr lang="en-US" altLang="ko-KR" sz="2400" b="1" dirty="0" err="1">
-                <a:solidFill>
-                  <a:schemeClr val="bg1"/>
-                </a:solidFill>
-                <a:latin typeface="+mn-ea"/>
-              </a:rPr>
-              <a:t>IoTMS</a:t>
-            </a:r>
-            <a:r>
-              <a:rPr lang="en-US" altLang="ko-KR" sz="2400" b="1" dirty="0">
-                <a:solidFill>
-                  <a:schemeClr val="bg1"/>
-                </a:solidFill>
-                <a:latin typeface="+mn-ea"/>
-              </a:rPr>
-              <a:t> detect this and notify user and do not set alarm. Our default rule is like this, but you can modify this with your preference such as try again. </a:t>
-            </a:r>
-          </a:p>
-          <a:p>
-            <a:pPr marL="1028700" lvl="1" indent="-1028700">
-              <a:buNone/>
-              <a:defRPr lang="ko-KR" altLang="en-US"/>
-            </a:pPr>
-            <a:endParaRPr lang="en-US" altLang="ko-KR" sz="1800" dirty="0" smtClean="0">
+              <a:t> detect mal-function and notify user. (He got lots of message today</a:t>
+            </a:r>
+            <a:r>
+              <a:rPr lang="en-US" altLang="ko-KR" sz="2400" b="1" dirty="0" smtClean="0">
+                <a:solidFill>
+                  <a:schemeClr val="bg1"/>
+                </a:solidFill>
+                <a:latin typeface="+mn-ea"/>
+              </a:rPr>
+              <a:t>)</a:t>
+            </a:r>
+            <a:endParaRPr lang="en-US" altLang="ko-KR" sz="2400" b="1" dirty="0">
               <a:solidFill>
                 <a:schemeClr val="bg1"/>
               </a:solidFill>
@@ -9769,11 +8700,11 @@
             </a:endParaRPr>
           </a:p>
           <a:p>
-            <a:pPr marL="1028700" lvl="1" indent="-1028700">
+            <a:pPr marL="0" lvl="1" indent="0">
               <a:buNone/>
               <a:defRPr lang="ko-KR" altLang="en-US"/>
             </a:pPr>
-            <a:endParaRPr lang="en-US" altLang="ko-KR" sz="1800" dirty="0">
+            <a:endParaRPr lang="en-US" altLang="ko-KR" sz="2400" b="1" dirty="0" smtClean="0">
               <a:solidFill>
                 <a:schemeClr val="bg1"/>
               </a:solidFill>
@@ -9781,11 +8712,105 @@
             </a:endParaRPr>
           </a:p>
           <a:p>
+            <a:pPr marL="342900" lvl="1" indent="-342900">
+              <a:buFontTx/>
+              <a:buChar char="-"/>
+              <a:defRPr lang="ko-KR" altLang="en-US"/>
+            </a:pPr>
+            <a:r>
+              <a:rPr lang="en-US" altLang="ko-KR" sz="2400" b="1" i="1" u="sng" dirty="0" smtClean="0">
+                <a:solidFill>
+                  <a:schemeClr val="bg1"/>
+                </a:solidFill>
+                <a:latin typeface="+mn-ea"/>
+              </a:rPr>
+              <a:t>Put </a:t>
+            </a:r>
+            <a:r>
+              <a:rPr lang="en-US" altLang="ko-KR" sz="2400" b="1" i="1" u="sng" dirty="0" smtClean="0">
+                <a:solidFill>
+                  <a:schemeClr val="bg1"/>
+                </a:solidFill>
+                <a:latin typeface="+mn-ea"/>
+              </a:rPr>
+              <a:t>humidity </a:t>
+            </a:r>
+            <a:r>
+              <a:rPr lang="en-US" altLang="ko-KR" sz="2400" b="1" i="1" u="sng" dirty="0" smtClean="0">
+                <a:solidFill>
+                  <a:schemeClr val="bg1"/>
+                </a:solidFill>
+                <a:latin typeface="+mn-ea"/>
+              </a:rPr>
+              <a:t>sensors </a:t>
+            </a:r>
+            <a:r>
+              <a:rPr lang="en-US" altLang="ko-KR" sz="2400" b="1" i="1" u="sng" dirty="0" err="1" smtClean="0">
+                <a:solidFill>
+                  <a:schemeClr val="bg1"/>
+                </a:solidFill>
+                <a:latin typeface="+mn-ea"/>
+              </a:rPr>
+              <a:t>agian</a:t>
+            </a:r>
+            <a:endParaRPr lang="en-US" altLang="ko-KR" sz="2400" b="1" i="1" u="sng" dirty="0" smtClean="0">
+              <a:solidFill>
+                <a:schemeClr val="bg1"/>
+              </a:solidFill>
+              <a:latin typeface="+mn-ea"/>
+            </a:endParaRPr>
+          </a:p>
+          <a:p>
+            <a:pPr marL="0" lvl="1" indent="0">
+              <a:buNone/>
+              <a:defRPr lang="ko-KR" altLang="en-US"/>
+            </a:pPr>
+            <a:endParaRPr lang="en-US" altLang="ko-KR" sz="2400" b="1" i="1" u="sng" dirty="0">
+              <a:solidFill>
+                <a:schemeClr val="bg1"/>
+              </a:solidFill>
+              <a:latin typeface="+mn-ea"/>
+            </a:endParaRPr>
+          </a:p>
+          <a:p>
+            <a:pPr marL="0" lvl="1" indent="0">
+              <a:buNone/>
+              <a:defRPr lang="ko-KR" altLang="en-US"/>
+            </a:pPr>
+            <a:r>
+              <a:rPr lang="en-US" altLang="ko-KR" sz="2400" b="1" dirty="0" smtClean="0">
+                <a:solidFill>
+                  <a:schemeClr val="bg1"/>
+                </a:solidFill>
+                <a:latin typeface="+mn-ea"/>
+              </a:rPr>
+              <a:t>Value comes normally</a:t>
+            </a:r>
+            <a:endParaRPr lang="en-US" altLang="ko-KR" sz="1400" dirty="0" smtClean="0">
+              <a:solidFill>
+                <a:schemeClr val="bg1"/>
+              </a:solidFill>
+              <a:latin typeface="+mn-ea"/>
+            </a:endParaRPr>
+          </a:p>
+          <a:p>
             <a:pPr marL="1028700" lvl="1" indent="-1028700">
               <a:buNone/>
               <a:defRPr lang="ko-KR" altLang="en-US"/>
             </a:pPr>
-            <a:endParaRPr lang="en-US" altLang="ko-KR" sz="1800" dirty="0" smtClean="0">
+            <a:endParaRPr lang="en-US" altLang="ko-KR" sz="1400" dirty="0">
+              <a:solidFill>
+                <a:schemeClr val="bg1"/>
+              </a:solidFill>
+              <a:latin typeface="+mn-ea"/>
+            </a:endParaRPr>
+          </a:p>
+          <a:p>
+            <a:pPr marL="1028700" lvl="1" indent="-1028700">
+              <a:buNone/>
+              <a:defRPr lang="ko-KR" altLang="en-US"/>
+            </a:pPr>
+            <a:endParaRPr lang="en-US" altLang="ko-KR" sz="1400" dirty="0" smtClean="0">
               <a:solidFill>
                 <a:schemeClr val="bg1"/>
               </a:solidFill>
@@ -9825,7 +8850,7 @@
     </p:spTree>
     <p:extLst>
       <p:ext uri="{BB962C8B-B14F-4D97-AF65-F5344CB8AC3E}">
-        <p14:creationId xmlns:p14="http://schemas.microsoft.com/office/powerpoint/2010/main" val="1343042220"/>
+        <p14:creationId xmlns:p14="http://schemas.microsoft.com/office/powerpoint/2010/main" val="3303364572"/>
       </p:ext>
     </p:extLst>
   </p:cSld>

--- a/doc/Demo_0626_0315.pptx
+++ b/doc/Demo_0626_0315.pptx
@@ -5928,7 +5928,47 @@
                 <a:latin typeface="+mn-ea"/>
                 <a:ea typeface="+mn-ea"/>
               </a:rPr>
-              <a:t>, Jung and I am going to show our quick demonstration, </a:t>
+              <a:t>, Jung and I </a:t>
+            </a:r>
+            <a:r>
+              <a:rPr lang="en-US" altLang="ko-KR" b="1" dirty="0" smtClean="0">
+                <a:solidFill>
+                  <a:schemeClr val="bg1"/>
+                </a:solidFill>
+                <a:latin typeface="+mn-ea"/>
+                <a:ea typeface="+mn-ea"/>
+              </a:rPr>
+              <a:t>am going to show you how </a:t>
+            </a:r>
+            <a:r>
+              <a:rPr lang="en-US" altLang="ko-KR" b="1" dirty="0" err="1" smtClean="0">
+                <a:solidFill>
+                  <a:schemeClr val="bg1"/>
+                </a:solidFill>
+                <a:latin typeface="+mn-ea"/>
+                <a:ea typeface="+mn-ea"/>
+              </a:rPr>
+              <a:t>IoTMS</a:t>
+            </a:r>
+            <a:r>
+              <a:rPr lang="en-US" altLang="ko-KR" b="1" dirty="0" smtClean="0">
+                <a:solidFill>
+                  <a:schemeClr val="bg1"/>
+                </a:solidFill>
+                <a:latin typeface="+mn-ea"/>
+                <a:ea typeface="+mn-ea"/>
+              </a:rPr>
+              <a:t> works through quick </a:t>
+            </a:r>
+            <a:r>
+              <a:rPr lang="en-US" altLang="ko-KR" b="1" dirty="0" smtClean="0">
+                <a:solidFill>
+                  <a:schemeClr val="bg1"/>
+                </a:solidFill>
+                <a:latin typeface="+mn-ea"/>
+                <a:ea typeface="+mn-ea"/>
+              </a:rPr>
+              <a:t>demonstration, </a:t>
             </a:r>
           </a:p>
           <a:p>
@@ -5946,7 +5986,37 @@
                 <a:latin typeface="+mn-ea"/>
                 <a:ea typeface="+mn-ea"/>
               </a:rPr>
-              <a:t>Our demonstration start from very beginning, Install SA Node. </a:t>
+              <a:t>Demonstration starts </a:t>
+            </a:r>
+            <a:r>
+              <a:rPr lang="en-US" altLang="ko-KR" b="1" dirty="0" smtClean="0">
+                <a:solidFill>
+                  <a:schemeClr val="bg1"/>
+                </a:solidFill>
+                <a:latin typeface="+mn-ea"/>
+                <a:ea typeface="+mn-ea"/>
+              </a:rPr>
+              <a:t>from very </a:t>
+            </a:r>
+            <a:r>
+              <a:rPr lang="en-US" altLang="ko-KR" b="1" dirty="0" smtClean="0">
+                <a:solidFill>
+                  <a:schemeClr val="bg1"/>
+                </a:solidFill>
+                <a:latin typeface="+mn-ea"/>
+                <a:ea typeface="+mn-ea"/>
+              </a:rPr>
+              <a:t>beginning.  </a:t>
+            </a:r>
+            <a:r>
+              <a:rPr lang="en-US" altLang="ko-KR" b="1" dirty="0" smtClean="0">
+                <a:solidFill>
+                  <a:schemeClr val="bg1"/>
+                </a:solidFill>
+                <a:latin typeface="+mn-ea"/>
+                <a:ea typeface="+mn-ea"/>
+              </a:rPr>
+              <a:t>Install SA Node. </a:t>
             </a:r>
           </a:p>
           <a:p>
@@ -5982,7 +6052,27 @@
                 <a:latin typeface="+mn-ea"/>
                 <a:ea typeface="+mn-ea"/>
               </a:rPr>
-              <a:t>(Not all of you. Our system has security, Only authorized person like me can do) </a:t>
+              <a:t>(Not all of you. Our system has security, Only authorized person like </a:t>
+            </a:r>
+            <a:r>
+              <a:rPr lang="en-US" altLang="ko-KR" b="1" dirty="0" smtClean="0">
+                <a:solidFill>
+                  <a:schemeClr val="bg1"/>
+                </a:solidFill>
+                <a:latin typeface="+mn-ea"/>
+                <a:ea typeface="+mn-ea"/>
+              </a:rPr>
+              <a:t>me or him </a:t>
+            </a:r>
+            <a:r>
+              <a:rPr lang="en-US" altLang="ko-KR" b="1" dirty="0" smtClean="0">
+                <a:solidFill>
+                  <a:schemeClr val="bg1"/>
+                </a:solidFill>
+                <a:latin typeface="+mn-ea"/>
+                <a:ea typeface="+mn-ea"/>
+              </a:rPr>
+              <a:t>can do) </a:t>
             </a:r>
           </a:p>
           <a:p>
@@ -6928,7 +7018,7 @@
         </p:nvSpPr>
         <p:spPr>
           <a:xfrm>
-            <a:off x="719572" y="836712"/>
+            <a:off x="719572" y="1008112"/>
             <a:ext cx="8172908" cy="5805264"/>
           </a:xfrm>
         </p:spPr>
@@ -7076,7 +7166,27 @@
                 <a:latin typeface="+mn-ea"/>
                 <a:ea typeface="+mn-ea"/>
               </a:rPr>
-              <a:t> can do for you. It notify Simpson ‘Do you want set alarm automatically?’ (See Simpson just got a message). </a:t>
+              <a:t> can do for you. It notify </a:t>
+            </a:r>
+            <a:r>
+              <a:rPr lang="en-US" altLang="ko-KR" b="1" dirty="0" smtClean="0">
+                <a:solidFill>
+                  <a:schemeClr val="bg1"/>
+                </a:solidFill>
+                <a:latin typeface="+mn-ea"/>
+                <a:ea typeface="+mn-ea"/>
+              </a:rPr>
+              <a:t>user ‘Do </a:t>
+            </a:r>
+            <a:r>
+              <a:rPr lang="en-US" altLang="ko-KR" b="1" dirty="0" smtClean="0">
+                <a:solidFill>
+                  <a:schemeClr val="bg1"/>
+                </a:solidFill>
+                <a:latin typeface="+mn-ea"/>
+                <a:ea typeface="+mn-ea"/>
+              </a:rPr>
+              <a:t>you want set alarm automatically?’ (See Simpson just got a message). </a:t>
             </a:r>
             <a:r>
               <a:rPr lang="en-US" altLang="ko-KR" b="1" dirty="0">
